--- a/sessions/week2/slides.pptx
+++ b/sessions/week2/slides.pptx
@@ -5,7 +5,7 @@
     <p:sldMasterId id="2147483648" r:id="rId1"/>
   </p:sldMasterIdLst>
   <p:notesMasterIdLst>
-    <p:notesMasterId r:id="rId21"/>
+    <p:notesMasterId r:id="rId23"/>
   </p:notesMasterIdLst>
   <p:sldIdLst>
     <p:sldId id="257" r:id="rId2"/>
@@ -27,6 +27,8 @@
     <p:sldId id="273" r:id="rId18"/>
     <p:sldId id="274" r:id="rId19"/>
     <p:sldId id="275" r:id="rId20"/>
+    <p:sldId id="276" r:id="rId21"/>
+    <p:sldId id="277" r:id="rId22"/>
   </p:sldIdLst>
   <p:sldSz cx="12192000" cy="6858000"/>
   <p:notesSz cx="6858000" cy="9144000"/>
@@ -125,6 +127,11 @@
       </a:defRPr>
     </a:lvl9pPr>
   </p:defaultTextStyle>
+  <p:extLst>
+    <p:ext uri="{EFAFB233-063F-42B5-8137-9DF3F51BA10A}">
+      <p15:sldGuideLst xmlns:p15="http://schemas.microsoft.com/office/powerpoint/2012/main"/>
+    </p:ext>
+  </p:extLst>
 </p:presentation>
 </file>
 
@@ -210,7 +217,7 @@
           <a:p>
             <a:fld id="{6B671A91-F82C-1543-894F-ACF696096512}" type="datetimeFigureOut">
               <a:rPr lang="en-US" smtClean="0"/>
-              <a:t>10/4/16</a:t>
+              <a:t>10/3/17</a:t>
             </a:fld>
             <a:endParaRPr lang="en-US"/>
           </a:p>
@@ -1868,7 +1875,7 @@
           <a:p>
             <a:fld id="{92E12A30-5579-354D-B65C-6775607DA9D2}" type="datetimeFigureOut">
               <a:rPr lang="en-US" smtClean="0"/>
-              <a:t>10/4/16</a:t>
+              <a:t>10/3/17</a:t>
             </a:fld>
             <a:endParaRPr lang="en-US"/>
           </a:p>
@@ -2038,7 +2045,7 @@
           <a:p>
             <a:fld id="{92E12A30-5579-354D-B65C-6775607DA9D2}" type="datetimeFigureOut">
               <a:rPr lang="en-US" smtClean="0"/>
-              <a:t>10/4/16</a:t>
+              <a:t>10/3/17</a:t>
             </a:fld>
             <a:endParaRPr lang="en-US"/>
           </a:p>
@@ -2218,7 +2225,7 @@
           <a:p>
             <a:fld id="{92E12A30-5579-354D-B65C-6775607DA9D2}" type="datetimeFigureOut">
               <a:rPr lang="en-US" smtClean="0"/>
-              <a:t>10/4/16</a:t>
+              <a:t>10/3/17</a:t>
             </a:fld>
             <a:endParaRPr lang="en-US"/>
           </a:p>
@@ -2388,7 +2395,7 @@
           <a:p>
             <a:fld id="{92E12A30-5579-354D-B65C-6775607DA9D2}" type="datetimeFigureOut">
               <a:rPr lang="en-US" smtClean="0"/>
-              <a:t>10/4/16</a:t>
+              <a:t>10/3/17</a:t>
             </a:fld>
             <a:endParaRPr lang="en-US"/>
           </a:p>
@@ -2634,7 +2641,7 @@
           <a:p>
             <a:fld id="{92E12A30-5579-354D-B65C-6775607DA9D2}" type="datetimeFigureOut">
               <a:rPr lang="en-US" smtClean="0"/>
-              <a:t>10/4/16</a:t>
+              <a:t>10/3/17</a:t>
             </a:fld>
             <a:endParaRPr lang="en-US"/>
           </a:p>
@@ -2866,7 +2873,7 @@
           <a:p>
             <a:fld id="{92E12A30-5579-354D-B65C-6775607DA9D2}" type="datetimeFigureOut">
               <a:rPr lang="en-US" smtClean="0"/>
-              <a:t>10/4/16</a:t>
+              <a:t>10/3/17</a:t>
             </a:fld>
             <a:endParaRPr lang="en-US"/>
           </a:p>
@@ -3233,7 +3240,7 @@
           <a:p>
             <a:fld id="{92E12A30-5579-354D-B65C-6775607DA9D2}" type="datetimeFigureOut">
               <a:rPr lang="en-US" smtClean="0"/>
-              <a:t>10/4/16</a:t>
+              <a:t>10/3/17</a:t>
             </a:fld>
             <a:endParaRPr lang="en-US"/>
           </a:p>
@@ -3351,7 +3358,7 @@
           <a:p>
             <a:fld id="{92E12A30-5579-354D-B65C-6775607DA9D2}" type="datetimeFigureOut">
               <a:rPr lang="en-US" smtClean="0"/>
-              <a:t>10/4/16</a:t>
+              <a:t>10/3/17</a:t>
             </a:fld>
             <a:endParaRPr lang="en-US"/>
           </a:p>
@@ -3446,7 +3453,7 @@
           <a:p>
             <a:fld id="{92E12A30-5579-354D-B65C-6775607DA9D2}" type="datetimeFigureOut">
               <a:rPr lang="en-US" smtClean="0"/>
-              <a:t>10/4/16</a:t>
+              <a:t>10/3/17</a:t>
             </a:fld>
             <a:endParaRPr lang="en-US"/>
           </a:p>
@@ -3723,7 +3730,7 @@
           <a:p>
             <a:fld id="{92E12A30-5579-354D-B65C-6775607DA9D2}" type="datetimeFigureOut">
               <a:rPr lang="en-US" smtClean="0"/>
-              <a:t>10/4/16</a:t>
+              <a:t>10/3/17</a:t>
             </a:fld>
             <a:endParaRPr lang="en-US"/>
           </a:p>
@@ -3976,7 +3983,7 @@
           <a:p>
             <a:fld id="{92E12A30-5579-354D-B65C-6775607DA9D2}" type="datetimeFigureOut">
               <a:rPr lang="en-US" smtClean="0"/>
-              <a:t>10/4/16</a:t>
+              <a:t>10/3/17</a:t>
             </a:fld>
             <a:endParaRPr lang="en-US"/>
           </a:p>
@@ -4189,7 +4196,7 @@
           <a:p>
             <a:fld id="{92E12A30-5579-354D-B65C-6775607DA9D2}" type="datetimeFigureOut">
               <a:rPr lang="en-US" smtClean="0"/>
-              <a:t>10/4/16</a:t>
+              <a:t>10/3/17</a:t>
             </a:fld>
             <a:endParaRPr lang="en-US"/>
           </a:p>
@@ -4689,15 +4696,7 @@
                   <a:srgbClr val="595959"/>
                 </a:solidFill>
               </a:rPr>
-              <a:t>400</a:t>
-            </a:r>
-            <a:r>
-              <a:rPr sz="3516" b="1" dirty="0">
-                <a:solidFill>
-                  <a:srgbClr val="595959"/>
-                </a:solidFill>
-              </a:rPr>
-              <a:t>)</a:t>
+              <a:t>400)</a:t>
             </a:r>
           </a:p>
         </p:txBody>
@@ -4712,11 +4711,11 @@
   <p:clrMapOvr>
     <a:masterClrMapping/>
   </p:clrMapOvr>
-  <mc:AlternateContent xmlns:mc="http://schemas.openxmlformats.org/markup-compatibility/2006">
-    <mc:Choice xmlns:p14="http://schemas.microsoft.com/office/powerpoint/2010/main" Requires="p14">
+  <mc:AlternateContent xmlns:mc="http://schemas.openxmlformats.org/markup-compatibility/2006" xmlns:p14="http://schemas.microsoft.com/office/powerpoint/2010/main">
+    <mc:Choice Requires="p14">
       <p:transition spd="slow" p14:dur="2000"/>
     </mc:Choice>
-    <mc:Fallback>
+    <mc:Fallback xmlns="">
       <p:transition spd="slow"/>
     </mc:Fallback>
   </mc:AlternateContent>
@@ -6151,11 +6150,11 @@
   <p:clrMapOvr>
     <a:masterClrMapping/>
   </p:clrMapOvr>
-  <mc:AlternateContent xmlns:mc="http://schemas.openxmlformats.org/markup-compatibility/2006">
-    <mc:Choice xmlns:p14="http://schemas.microsoft.com/office/powerpoint/2010/main" Requires="p14">
+  <mc:AlternateContent xmlns:mc="http://schemas.openxmlformats.org/markup-compatibility/2006" xmlns:p14="http://schemas.microsoft.com/office/powerpoint/2010/main">
+    <mc:Choice Requires="p14">
       <p:transition spd="slow" p14:dur="2000"/>
     </mc:Choice>
-    <mc:Fallback>
+    <mc:Fallback xmlns="">
       <p:transition spd="slow"/>
     </mc:Fallback>
   </mc:AlternateContent>
@@ -6804,11 +6803,11 @@
   <p:clrMapOvr>
     <a:masterClrMapping/>
   </p:clrMapOvr>
-  <mc:AlternateContent xmlns:mc="http://schemas.openxmlformats.org/markup-compatibility/2006">
-    <mc:Choice xmlns:p14="http://schemas.microsoft.com/office/powerpoint/2010/main" Requires="p14">
+  <mc:AlternateContent xmlns:mc="http://schemas.openxmlformats.org/markup-compatibility/2006" xmlns:p14="http://schemas.microsoft.com/office/powerpoint/2010/main">
+    <mc:Choice Requires="p14">
       <p:transition spd="slow" p14:dur="2000"/>
     </mc:Choice>
-    <mc:Fallback>
+    <mc:Fallback xmlns="">
       <p:transition spd="slow"/>
     </mc:Fallback>
   </mc:AlternateContent>
@@ -6889,7 +6888,7 @@
         <p:spPr>
           <a:xfrm>
             <a:off x="2166938" y="1500187"/>
-            <a:ext cx="7643812" cy="4198714"/>
+            <a:ext cx="7643812" cy="3722558"/>
           </a:xfrm>
           <a:prstGeom prst="rect">
             <a:avLst/>
@@ -6922,7 +6921,7 @@
               <a:defRPr sz="1800"/>
             </a:pPr>
             <a:r>
-              <a:rPr sz="3094">
+              <a:rPr sz="3094" dirty="0">
                 <a:latin typeface="Times New Roman"/>
                 <a:ea typeface="Times New Roman"/>
                 <a:cs typeface="Times New Roman"/>
@@ -6930,7 +6929,7 @@
               </a:rPr>
               <a:t> Basic HTML Structure</a:t>
             </a:r>
-            <a:endParaRPr sz="3094">
+            <a:endParaRPr sz="3094" dirty="0">
               <a:latin typeface="Arial"/>
               <a:ea typeface="Arial"/>
               <a:cs typeface="Arial"/>
@@ -6951,7 +6950,7 @@
               <a:defRPr sz="1800"/>
             </a:pPr>
             <a:r>
-              <a:rPr sz="3094">
+              <a:rPr sz="3094" dirty="0">
                 <a:latin typeface="Times New Roman"/>
                 <a:ea typeface="Times New Roman"/>
                 <a:cs typeface="Times New Roman"/>
@@ -6959,7 +6958,7 @@
               </a:rPr>
               <a:t> Creating a title</a:t>
             </a:r>
-            <a:endParaRPr sz="3094">
+            <a:endParaRPr sz="3094" dirty="0">
               <a:latin typeface="Arial"/>
               <a:ea typeface="Arial"/>
               <a:cs typeface="Arial"/>
@@ -6980,7 +6979,7 @@
               <a:defRPr sz="1800"/>
             </a:pPr>
             <a:r>
-              <a:rPr sz="3094">
+              <a:rPr sz="3094" dirty="0">
                 <a:latin typeface="Times New Roman"/>
                 <a:ea typeface="Times New Roman"/>
                 <a:cs typeface="Times New Roman"/>
@@ -6988,7 +6987,7 @@
               </a:rPr>
               <a:t> Including section headers</a:t>
             </a:r>
-            <a:endParaRPr sz="3094">
+            <a:endParaRPr sz="3094" dirty="0">
               <a:latin typeface="Arial"/>
               <a:ea typeface="Arial"/>
               <a:cs typeface="Arial"/>
@@ -7009,7 +7008,7 @@
               <a:defRPr sz="1800"/>
             </a:pPr>
             <a:r>
-              <a:rPr sz="3094">
+              <a:rPr sz="3094" dirty="0">
                 <a:latin typeface="Times New Roman"/>
                 <a:ea typeface="Times New Roman"/>
                 <a:cs typeface="Times New Roman"/>
@@ -7017,7 +7016,7 @@
               </a:rPr>
               <a:t> Starting a paragraph</a:t>
             </a:r>
-            <a:endParaRPr sz="3094">
+            <a:endParaRPr sz="3094" dirty="0">
               <a:latin typeface="Arial"/>
               <a:ea typeface="Arial"/>
               <a:cs typeface="Arial"/>
@@ -7038,7 +7037,7 @@
               <a:defRPr sz="1800"/>
             </a:pPr>
             <a:r>
-              <a:rPr sz="3094">
+              <a:rPr sz="3094" dirty="0">
                 <a:latin typeface="Times New Roman"/>
                 <a:ea typeface="Times New Roman"/>
                 <a:cs typeface="Times New Roman"/>
@@ -7046,7 +7045,7 @@
               </a:rPr>
               <a:t> Inserting images on a page</a:t>
             </a:r>
-            <a:endParaRPr sz="3094">
+            <a:endParaRPr sz="3094" dirty="0">
               <a:latin typeface="Arial"/>
               <a:ea typeface="Arial"/>
               <a:cs typeface="Arial"/>
@@ -7067,7 +7066,7 @@
               <a:defRPr sz="1800"/>
             </a:pPr>
             <a:r>
-              <a:rPr sz="3094">
+              <a:rPr sz="3094" dirty="0">
                 <a:latin typeface="Times New Roman"/>
                 <a:ea typeface="Times New Roman"/>
                 <a:cs typeface="Times New Roman"/>
@@ -7075,7 +7074,7 @@
               </a:rPr>
               <a:t> Creating a link to another web page</a:t>
             </a:r>
-            <a:endParaRPr sz="3094">
+            <a:endParaRPr sz="3094" dirty="0">
               <a:latin typeface="Arial"/>
               <a:ea typeface="Arial"/>
               <a:cs typeface="Arial"/>
@@ -7096,15 +7095,24 @@
               <a:defRPr sz="1800"/>
             </a:pPr>
             <a:r>
-              <a:rPr sz="3094">
+              <a:rPr sz="3094" dirty="0" smtClean="0">
                 <a:latin typeface="Times New Roman"/>
                 <a:ea typeface="Times New Roman"/>
                 <a:cs typeface="Times New Roman"/>
                 <a:sym typeface="Times New Roman"/>
               </a:rPr>
-              <a:t> Adding line breaks/horizontal rules</a:t>
-            </a:r>
-            <a:endParaRPr sz="3094">
+              <a:t>Adding </a:t>
+            </a:r>
+            <a:r>
+              <a:rPr sz="3094" dirty="0">
+                <a:latin typeface="Times New Roman"/>
+                <a:ea typeface="Times New Roman"/>
+                <a:cs typeface="Times New Roman"/>
+                <a:sym typeface="Times New Roman"/>
+              </a:rPr>
+              <a:t>comments</a:t>
+            </a:r>
+            <a:endParaRPr sz="3094" dirty="0">
               <a:latin typeface="Arial"/>
               <a:ea typeface="Arial"/>
               <a:cs typeface="Arial"/>
@@ -7112,42 +7120,13 @@
             </a:endParaRPr>
           </a:p>
           <a:p>
-            <a:pPr marL="321457" lvl="1" defTabSz="642915">
-              <a:buClr>
-                <a:srgbClr val="C00000"/>
-              </a:buClr>
-              <a:buSzPct val="80000"/>
-              <a:buFont typeface="Arial"/>
-              <a:buChar char="•"/>
-              <a:tabLst>
-                <a:tab pos="80364" algn="l"/>
-              </a:tabLst>
-              <a:defRPr sz="1800"/>
-            </a:pPr>
-            <a:r>
-              <a:rPr sz="3094">
-                <a:latin typeface="Times New Roman"/>
-                <a:ea typeface="Times New Roman"/>
-                <a:cs typeface="Times New Roman"/>
-                <a:sym typeface="Times New Roman"/>
-              </a:rPr>
-              <a:t> Adding comments</a:t>
-            </a:r>
-            <a:endParaRPr sz="3094">
-              <a:latin typeface="Arial"/>
-              <a:ea typeface="Arial"/>
-              <a:cs typeface="Arial"/>
-              <a:sym typeface="Arial"/>
-            </a:endParaRPr>
-          </a:p>
-          <a:p>
             <a:pPr lvl="1" indent="321457" defTabSz="642915">
               <a:tabLst>
                 <a:tab pos="80364" algn="l"/>
               </a:tabLst>
               <a:defRPr sz="1800"/>
             </a:pPr>
-            <a:endParaRPr sz="2531">
+            <a:endParaRPr sz="2531" dirty="0">
               <a:latin typeface="Times New Roman"/>
               <a:ea typeface="Times New Roman"/>
               <a:cs typeface="Times New Roman"/>
@@ -7166,11 +7145,11 @@
   <p:clrMapOvr>
     <a:masterClrMapping/>
   </p:clrMapOvr>
-  <mc:AlternateContent xmlns:mc="http://schemas.openxmlformats.org/markup-compatibility/2006">
-    <mc:Choice xmlns:p14="http://schemas.microsoft.com/office/powerpoint/2010/main" Requires="p14">
+  <mc:AlternateContent xmlns:mc="http://schemas.openxmlformats.org/markup-compatibility/2006" xmlns:p14="http://schemas.microsoft.com/office/powerpoint/2010/main">
+    <mc:Choice Requires="p14">
       <p:transition spd="slow" p14:dur="2000"/>
     </mc:Choice>
-    <mc:Fallback>
+    <mc:Fallback xmlns="">
       <p:transition spd="slow"/>
     </mc:Fallback>
   </mc:AlternateContent>
@@ -7819,11 +7798,11 @@
   <p:clrMapOvr>
     <a:masterClrMapping/>
   </p:clrMapOvr>
-  <mc:AlternateContent xmlns:mc="http://schemas.openxmlformats.org/markup-compatibility/2006">
-    <mc:Choice xmlns:p14="http://schemas.microsoft.com/office/powerpoint/2010/main" Requires="p14">
+  <mc:AlternateContent xmlns:mc="http://schemas.openxmlformats.org/markup-compatibility/2006" xmlns:p14="http://schemas.microsoft.com/office/powerpoint/2010/main">
+    <mc:Choice Requires="p14">
       <p:transition spd="slow" p14:dur="2000"/>
     </mc:Choice>
-    <mc:Fallback>
+    <mc:Fallback xmlns="">
       <p:transition spd="slow"/>
     </mc:Fallback>
   </mc:AlternateContent>
@@ -8056,11 +8035,11 @@
   <p:clrMapOvr>
     <a:masterClrMapping/>
   </p:clrMapOvr>
-  <mc:AlternateContent xmlns:mc="http://schemas.openxmlformats.org/markup-compatibility/2006">
-    <mc:Choice xmlns:p14="http://schemas.microsoft.com/office/powerpoint/2010/main" Requires="p14">
+  <mc:AlternateContent xmlns:mc="http://schemas.openxmlformats.org/markup-compatibility/2006" xmlns:p14="http://schemas.microsoft.com/office/powerpoint/2010/main">
+    <mc:Choice Requires="p14">
       <p:transition spd="slow" p14:dur="2000"/>
     </mc:Choice>
-    <mc:Fallback>
+    <mc:Fallback xmlns="">
       <p:transition spd="slow"/>
     </mc:Fallback>
   </mc:AlternateContent>
@@ -8187,16 +8166,7 @@
                 <a:cs typeface="Times New Roman"/>
                 <a:sym typeface="Times New Roman"/>
               </a:rPr>
-              <a:t>We </a:t>
-            </a:r>
-            <a:r>
-              <a:rPr sz="3234" dirty="0">
-                <a:latin typeface="Times New Roman"/>
-                <a:ea typeface="Times New Roman"/>
-                <a:cs typeface="Times New Roman"/>
-                <a:sym typeface="Times New Roman"/>
-              </a:rPr>
-              <a:t>need to write valid W3C HTML</a:t>
+              <a:t>We need to write valid W3C HTML</a:t>
             </a:r>
           </a:p>
           <a:p>
@@ -8309,11 +8279,11 @@
   <p:clrMapOvr>
     <a:masterClrMapping/>
   </p:clrMapOvr>
-  <mc:AlternateContent xmlns:mc="http://schemas.openxmlformats.org/markup-compatibility/2006">
-    <mc:Choice xmlns:p14="http://schemas.microsoft.com/office/powerpoint/2010/main" Requires="p14">
+  <mc:AlternateContent xmlns:mc="http://schemas.openxmlformats.org/markup-compatibility/2006" xmlns:p14="http://schemas.microsoft.com/office/powerpoint/2010/main">
+    <mc:Choice Requires="p14">
       <p:transition spd="slow" p14:dur="2000"/>
     </mc:Choice>
-    <mc:Fallback>
+    <mc:Fallback xmlns="">
       <p:transition spd="slow"/>
     </mc:Fallback>
   </mc:AlternateContent>
@@ -8468,33 +8438,6 @@
           </a:p>
         </p:txBody>
       </p:sp>
-      <p:pic>
-        <p:nvPicPr>
-          <p:cNvPr id="156" name="image5.png"/>
-          <p:cNvPicPr/>
-          <p:nvPr/>
-        </p:nvPicPr>
-        <p:blipFill>
-          <a:blip r:embed="rId3">
-            <a:extLst/>
-          </a:blip>
-          <a:stretch>
-            <a:fillRect/>
-          </a:stretch>
-        </p:blipFill>
-        <p:spPr>
-          <a:xfrm>
-            <a:off x="1700262" y="2039830"/>
-            <a:ext cx="8696277" cy="3253797"/>
-          </a:xfrm>
-          <a:prstGeom prst="rect">
-            <a:avLst/>
-          </a:prstGeom>
-          <a:ln w="12700">
-            <a:miter lim="400000"/>
-          </a:ln>
-        </p:spPr>
-      </p:pic>
       <p:sp>
         <p:nvSpPr>
           <p:cNvPr id="157" name="Shape 157"/>
@@ -8552,6 +8495,36 @@
           </a:p>
         </p:txBody>
       </p:sp>
+      <p:pic>
+        <p:nvPicPr>
+          <p:cNvPr id="2" name="Picture 1"/>
+          <p:cNvPicPr>
+            <a:picLocks noChangeAspect="1"/>
+          </p:cNvPicPr>
+          <p:nvPr/>
+        </p:nvPicPr>
+        <p:blipFill>
+          <a:blip r:embed="rId3">
+            <a:extLst>
+              <a:ext uri="{28A0092B-C50C-407E-A947-70E740481C1C}">
+                <a14:useLocalDpi xmlns:a14="http://schemas.microsoft.com/office/drawing/2010/main" val="0"/>
+              </a:ext>
+            </a:extLst>
+          </a:blip>
+          <a:stretch>
+            <a:fillRect/>
+          </a:stretch>
+        </p:blipFill>
+        <p:spPr>
+          <a:xfrm>
+            <a:off x="1574800" y="1912526"/>
+            <a:ext cx="9042400" cy="3382542"/>
+          </a:xfrm>
+          <a:prstGeom prst="rect">
+            <a:avLst/>
+          </a:prstGeom>
+        </p:spPr>
+      </p:pic>
     </p:spTree>
     <p:extLst>
       <p:ext uri="{BB962C8B-B14F-4D97-AF65-F5344CB8AC3E}">
@@ -8562,11 +8535,11 @@
   <p:clrMapOvr>
     <a:masterClrMapping/>
   </p:clrMapOvr>
-  <mc:AlternateContent xmlns:mc="http://schemas.openxmlformats.org/markup-compatibility/2006">
-    <mc:Choice xmlns:p14="http://schemas.microsoft.com/office/powerpoint/2010/main" Requires="p14">
+  <mc:AlternateContent xmlns:mc="http://schemas.openxmlformats.org/markup-compatibility/2006" xmlns:p14="http://schemas.microsoft.com/office/powerpoint/2010/main">
+    <mc:Choice Requires="p14">
       <p:transition spd="slow" p14:dur="2000"/>
     </mc:Choice>
-    <mc:Fallback>
+    <mc:Fallback xmlns="">
       <p:transition spd="slow"/>
     </mc:Fallback>
   </mc:AlternateContent>
@@ -8894,11 +8867,11 @@
   <p:clrMapOvr>
     <a:masterClrMapping/>
   </p:clrMapOvr>
-  <mc:AlternateContent xmlns:mc="http://schemas.openxmlformats.org/markup-compatibility/2006">
-    <mc:Choice xmlns:p14="http://schemas.microsoft.com/office/powerpoint/2010/main" Requires="p14">
+  <mc:AlternateContent xmlns:mc="http://schemas.openxmlformats.org/markup-compatibility/2006" xmlns:p14="http://schemas.microsoft.com/office/powerpoint/2010/main">
+    <mc:Choice Requires="p14">
       <p:transition spd="slow" p14:dur="2000"/>
     </mc:Choice>
-    <mc:Fallback>
+    <mc:Fallback xmlns="">
       <p:transition spd="slow"/>
     </mc:Fallback>
   </mc:AlternateContent>
@@ -8931,7 +8904,7 @@
         <p:spPr>
           <a:xfrm>
             <a:off x="1992313" y="381720"/>
-            <a:ext cx="8321676" cy="5127622"/>
+            <a:ext cx="8321676" cy="714042"/>
           </a:xfrm>
           <a:prstGeom prst="rect">
             <a:avLst/>
@@ -8951,14 +8924,14 @@
           </a:bodyPr>
           <a:lstStyle/>
           <a:p>
-            <a:pPr defTabSz="642915">
+            <a:pPr algn="ctr" defTabSz="642915">
               <a:tabLst>
                 <a:tab pos="80364" algn="l"/>
               </a:tabLst>
               <a:defRPr sz="1800"/>
             </a:pPr>
             <a:r>
-              <a:rPr sz="2953">
+              <a:rPr sz="2953" dirty="0">
                 <a:solidFill>
                   <a:srgbClr val="C00000"/>
                 </a:solidFill>
@@ -8978,7 +8951,7 @@
               <a:defRPr sz="1800"/>
             </a:pPr>
             <a:r>
-              <a:rPr sz="1687" b="1">
+              <a:rPr sz="1687" b="1" dirty="0" smtClean="0">
                 <a:solidFill>
                   <a:srgbClr val="C00000"/>
                 </a:solidFill>
@@ -8987,573 +8960,20 @@
                 <a:cs typeface="Consolas"/>
                 <a:sym typeface="Consolas"/>
               </a:rPr>
-              <a:t>&lt;table&gt;</a:t>
-            </a:r>
-            <a:br>
-              <a:rPr sz="1687" b="1">
-                <a:solidFill>
-                  <a:srgbClr val="C00000"/>
-                </a:solidFill>
-                <a:latin typeface="Consolas"/>
-                <a:ea typeface="Consolas"/>
-                <a:cs typeface="Consolas"/>
-                <a:sym typeface="Consolas"/>
-              </a:rPr>
-            </a:br>
-            <a:r>
-              <a:rPr sz="1687">
-                <a:latin typeface="Consolas"/>
-                <a:ea typeface="Consolas"/>
-                <a:cs typeface="Consolas"/>
-                <a:sym typeface="Consolas"/>
-              </a:rPr>
-              <a:t>  </a:t>
-            </a:r>
-            <a:r>
-              <a:rPr sz="1687" b="1">
-                <a:solidFill>
-                  <a:srgbClr val="C00000"/>
-                </a:solidFill>
-                <a:latin typeface="Consolas"/>
-                <a:ea typeface="Consolas"/>
-                <a:cs typeface="Consolas"/>
-                <a:sym typeface="Consolas"/>
-              </a:rPr>
-              <a:t>&lt;caption&gt;</a:t>
-            </a:r>
-            <a:r>
-              <a:rPr sz="1687">
-                <a:latin typeface="Consolas"/>
-                <a:ea typeface="Consolas"/>
-                <a:cs typeface="Consolas"/>
-                <a:sym typeface="Consolas"/>
-              </a:rPr>
-              <a:t>Table Title</a:t>
-            </a:r>
-            <a:r>
-              <a:rPr sz="1687" b="1">
-                <a:solidFill>
-                  <a:srgbClr val="C00000"/>
-                </a:solidFill>
-                <a:latin typeface="Consolas"/>
-                <a:ea typeface="Consolas"/>
-                <a:cs typeface="Consolas"/>
-                <a:sym typeface="Consolas"/>
-              </a:rPr>
-              <a:t>&lt;/caption&gt;</a:t>
-            </a:r>
-            <a:br>
-              <a:rPr sz="1687" b="1">
-                <a:solidFill>
-                  <a:srgbClr val="C00000"/>
-                </a:solidFill>
-                <a:latin typeface="Consolas"/>
-                <a:ea typeface="Consolas"/>
-                <a:cs typeface="Consolas"/>
-                <a:sym typeface="Consolas"/>
-              </a:rPr>
-            </a:br>
-            <a:r>
-              <a:rPr sz="1687">
-                <a:latin typeface="Consolas"/>
-                <a:ea typeface="Consolas"/>
-                <a:cs typeface="Consolas"/>
-                <a:sym typeface="Consolas"/>
-              </a:rPr>
-              <a:t> </a:t>
-            </a:r>
-            <a:r>
-              <a:rPr sz="1687" b="1">
-                <a:solidFill>
-                  <a:srgbClr val="C00000"/>
-                </a:solidFill>
-                <a:latin typeface="Consolas"/>
-                <a:ea typeface="Consolas"/>
-                <a:cs typeface="Consolas"/>
-                <a:sym typeface="Consolas"/>
-              </a:rPr>
-              <a:t> &lt;tr&gt;</a:t>
-            </a:r>
-            <a:br>
-              <a:rPr sz="1687" b="1">
-                <a:solidFill>
-                  <a:srgbClr val="C00000"/>
-                </a:solidFill>
-                <a:latin typeface="Consolas"/>
-                <a:ea typeface="Consolas"/>
-                <a:cs typeface="Consolas"/>
-                <a:sym typeface="Consolas"/>
-              </a:rPr>
-            </a:br>
-            <a:r>
-              <a:rPr sz="1687">
-                <a:latin typeface="Consolas"/>
-                <a:ea typeface="Consolas"/>
-                <a:cs typeface="Consolas"/>
-                <a:sym typeface="Consolas"/>
-              </a:rPr>
-              <a:t>        </a:t>
-            </a:r>
-            <a:r>
-              <a:rPr sz="1687" b="1">
-                <a:solidFill>
-                  <a:srgbClr val="C00000"/>
-                </a:solidFill>
-                <a:latin typeface="Consolas"/>
-                <a:ea typeface="Consolas"/>
-                <a:cs typeface="Consolas"/>
-                <a:sym typeface="Consolas"/>
-              </a:rPr>
-              <a:t>&lt;th&gt;</a:t>
-            </a:r>
-            <a:r>
-              <a:rPr sz="1687">
-                <a:latin typeface="Consolas"/>
-                <a:ea typeface="Consolas"/>
-                <a:cs typeface="Consolas"/>
-                <a:sym typeface="Consolas"/>
-              </a:rPr>
-              <a:t>Header 1</a:t>
-            </a:r>
-            <a:r>
-              <a:rPr sz="1687" b="1">
-                <a:solidFill>
-                  <a:srgbClr val="C00000"/>
-                </a:solidFill>
-                <a:latin typeface="Consolas"/>
-                <a:ea typeface="Consolas"/>
-                <a:cs typeface="Consolas"/>
-                <a:sym typeface="Consolas"/>
-              </a:rPr>
-              <a:t>&lt;/th&gt;</a:t>
-            </a:r>
-            <a:br>
-              <a:rPr sz="1687" b="1">
-                <a:solidFill>
-                  <a:srgbClr val="C00000"/>
-                </a:solidFill>
-                <a:latin typeface="Consolas"/>
-                <a:ea typeface="Consolas"/>
-                <a:cs typeface="Consolas"/>
-                <a:sym typeface="Consolas"/>
-              </a:rPr>
-            </a:br>
-            <a:r>
-              <a:rPr sz="1687">
-                <a:latin typeface="Consolas"/>
-                <a:ea typeface="Consolas"/>
-                <a:cs typeface="Consolas"/>
-                <a:sym typeface="Consolas"/>
-              </a:rPr>
-              <a:t>        </a:t>
-            </a:r>
-            <a:r>
-              <a:rPr sz="1687" b="1">
-                <a:solidFill>
-                  <a:srgbClr val="C00000"/>
-                </a:solidFill>
-                <a:latin typeface="Consolas"/>
-                <a:ea typeface="Consolas"/>
-                <a:cs typeface="Consolas"/>
-                <a:sym typeface="Consolas"/>
-              </a:rPr>
-              <a:t>&lt;th&gt;</a:t>
-            </a:r>
-            <a:r>
-              <a:rPr sz="1687">
-                <a:latin typeface="Consolas"/>
-                <a:ea typeface="Consolas"/>
-                <a:cs typeface="Consolas"/>
-                <a:sym typeface="Consolas"/>
-              </a:rPr>
-              <a:t>Header 2&lt;/th&gt;</a:t>
-            </a:r>
-            <a:br>
-              <a:rPr sz="1687">
-                <a:latin typeface="Consolas"/>
-                <a:ea typeface="Consolas"/>
-                <a:cs typeface="Consolas"/>
-                <a:sym typeface="Consolas"/>
-              </a:rPr>
-            </a:br>
-            <a:r>
-              <a:rPr sz="1687">
-                <a:latin typeface="Consolas"/>
-                <a:ea typeface="Consolas"/>
-                <a:cs typeface="Consolas"/>
-                <a:sym typeface="Consolas"/>
-              </a:rPr>
-              <a:t>        </a:t>
-            </a:r>
-            <a:r>
-              <a:rPr sz="1687" b="1">
-                <a:solidFill>
-                  <a:srgbClr val="C00000"/>
-                </a:solidFill>
-                <a:latin typeface="Consolas"/>
-                <a:ea typeface="Consolas"/>
-                <a:cs typeface="Consolas"/>
-                <a:sym typeface="Consolas"/>
-              </a:rPr>
-              <a:t>&lt;th&gt;</a:t>
-            </a:r>
-            <a:r>
-              <a:rPr sz="1687">
-                <a:latin typeface="Consolas"/>
-                <a:ea typeface="Consolas"/>
-                <a:cs typeface="Consolas"/>
-                <a:sym typeface="Consolas"/>
-              </a:rPr>
-              <a:t>Header 3&lt;/th&gt;</a:t>
-            </a:r>
-            <a:br>
-              <a:rPr sz="1687">
-                <a:latin typeface="Consolas"/>
-                <a:ea typeface="Consolas"/>
-                <a:cs typeface="Consolas"/>
-                <a:sym typeface="Consolas"/>
-              </a:rPr>
-            </a:br>
-            <a:r>
-              <a:rPr sz="1687">
-                <a:latin typeface="Consolas"/>
-                <a:ea typeface="Consolas"/>
-                <a:cs typeface="Consolas"/>
-                <a:sym typeface="Consolas"/>
-              </a:rPr>
-              <a:t>  </a:t>
-            </a:r>
-            <a:r>
-              <a:rPr sz="1687" b="1">
-                <a:solidFill>
-                  <a:srgbClr val="C00000"/>
-                </a:solidFill>
-                <a:latin typeface="Consolas"/>
-                <a:ea typeface="Consolas"/>
-                <a:cs typeface="Consolas"/>
-                <a:sym typeface="Consolas"/>
-              </a:rPr>
-              <a:t>&lt;/tr&gt;</a:t>
-            </a:r>
-            <a:br>
-              <a:rPr sz="1687" b="1">
-                <a:solidFill>
-                  <a:srgbClr val="C00000"/>
-                </a:solidFill>
-                <a:latin typeface="Consolas"/>
-                <a:ea typeface="Consolas"/>
-                <a:cs typeface="Consolas"/>
-                <a:sym typeface="Consolas"/>
-              </a:rPr>
-            </a:br>
-            <a:r>
-              <a:rPr sz="1687">
-                <a:latin typeface="Consolas"/>
-                <a:ea typeface="Consolas"/>
-                <a:cs typeface="Consolas"/>
-                <a:sym typeface="Consolas"/>
-              </a:rPr>
-              <a:t>  </a:t>
-            </a:r>
-            <a:r>
-              <a:rPr sz="1687" b="1">
-                <a:solidFill>
-                  <a:srgbClr val="C00000"/>
-                </a:solidFill>
-                <a:latin typeface="Consolas"/>
-                <a:ea typeface="Consolas"/>
-                <a:cs typeface="Consolas"/>
-                <a:sym typeface="Consolas"/>
-              </a:rPr>
-              <a:t>&lt;tr&gt;</a:t>
-            </a:r>
-            <a:br>
-              <a:rPr sz="1687" b="1">
-                <a:solidFill>
-                  <a:srgbClr val="C00000"/>
-                </a:solidFill>
-                <a:latin typeface="Consolas"/>
-                <a:ea typeface="Consolas"/>
-                <a:cs typeface="Consolas"/>
-                <a:sym typeface="Consolas"/>
-              </a:rPr>
-            </a:br>
-            <a:r>
-              <a:rPr sz="1687">
-                <a:latin typeface="Consolas"/>
-                <a:ea typeface="Consolas"/>
-                <a:cs typeface="Consolas"/>
-                <a:sym typeface="Consolas"/>
-              </a:rPr>
-              <a:t>        </a:t>
-            </a:r>
-            <a:r>
-              <a:rPr sz="1687" b="1">
-                <a:solidFill>
-                  <a:srgbClr val="C00000"/>
-                </a:solidFill>
-                <a:latin typeface="Consolas"/>
-                <a:ea typeface="Consolas"/>
-                <a:cs typeface="Consolas"/>
-                <a:sym typeface="Consolas"/>
-              </a:rPr>
-              <a:t>&lt;td&gt;</a:t>
-            </a:r>
-            <a:r>
-              <a:rPr sz="1687">
-                <a:latin typeface="Consolas"/>
-                <a:ea typeface="Consolas"/>
-                <a:cs typeface="Consolas"/>
-                <a:sym typeface="Consolas"/>
-              </a:rPr>
-              <a:t>Row 1 Col 1</a:t>
-            </a:r>
-            <a:r>
-              <a:rPr sz="1687" b="1">
-                <a:solidFill>
-                  <a:srgbClr val="C00000"/>
-                </a:solidFill>
-                <a:latin typeface="Consolas"/>
-                <a:ea typeface="Consolas"/>
-                <a:cs typeface="Consolas"/>
-                <a:sym typeface="Consolas"/>
-              </a:rPr>
-              <a:t>&lt;/td&gt;</a:t>
-            </a:r>
-            <a:br>
-              <a:rPr sz="1687" b="1">
-                <a:solidFill>
-                  <a:srgbClr val="C00000"/>
-                </a:solidFill>
-                <a:latin typeface="Consolas"/>
-                <a:ea typeface="Consolas"/>
-                <a:cs typeface="Consolas"/>
-                <a:sym typeface="Consolas"/>
-              </a:rPr>
-            </a:br>
-            <a:r>
-              <a:rPr sz="1687">
-                <a:latin typeface="Consolas"/>
-                <a:ea typeface="Consolas"/>
-                <a:cs typeface="Consolas"/>
-                <a:sym typeface="Consolas"/>
-              </a:rPr>
-              <a:t>        &lt;td&gt;Row 1 Col 2&lt;/td&gt;</a:t>
-            </a:r>
-            <a:br>
-              <a:rPr sz="1687">
-                <a:latin typeface="Consolas"/>
-                <a:ea typeface="Consolas"/>
-                <a:cs typeface="Consolas"/>
-                <a:sym typeface="Consolas"/>
-              </a:rPr>
-            </a:br>
-            <a:r>
-              <a:rPr sz="1687">
-                <a:latin typeface="Consolas"/>
-                <a:ea typeface="Consolas"/>
-                <a:cs typeface="Consolas"/>
-                <a:sym typeface="Consolas"/>
-              </a:rPr>
-              <a:t>        &lt;td&gt;Row 1 Col 3&lt;/td&gt;</a:t>
-            </a:r>
-            <a:br>
-              <a:rPr sz="1687">
-                <a:latin typeface="Consolas"/>
-                <a:ea typeface="Consolas"/>
-                <a:cs typeface="Consolas"/>
-                <a:sym typeface="Consolas"/>
-              </a:rPr>
-            </a:br>
-            <a:r>
-              <a:rPr sz="1687">
-                <a:latin typeface="Consolas"/>
-                <a:ea typeface="Consolas"/>
-                <a:cs typeface="Consolas"/>
-                <a:sym typeface="Consolas"/>
-              </a:rPr>
-              <a:t>  </a:t>
-            </a:r>
-            <a:r>
-              <a:rPr sz="1687" b="1">
-                <a:solidFill>
-                  <a:srgbClr val="C00000"/>
-                </a:solidFill>
-                <a:latin typeface="Consolas"/>
-                <a:ea typeface="Consolas"/>
-                <a:cs typeface="Consolas"/>
-                <a:sym typeface="Consolas"/>
-              </a:rPr>
-              <a:t>&lt;/tr&gt;</a:t>
-            </a:r>
-            <a:br>
-              <a:rPr sz="1687" b="1">
-                <a:solidFill>
-                  <a:srgbClr val="C00000"/>
-                </a:solidFill>
-                <a:latin typeface="Consolas"/>
-                <a:ea typeface="Consolas"/>
-                <a:cs typeface="Consolas"/>
-                <a:sym typeface="Consolas"/>
-              </a:rPr>
-            </a:br>
-            <a:r>
-              <a:rPr sz="1687">
-                <a:latin typeface="Consolas"/>
-                <a:ea typeface="Consolas"/>
-                <a:cs typeface="Consolas"/>
-                <a:sym typeface="Consolas"/>
-              </a:rPr>
-              <a:t>  </a:t>
-            </a:r>
-            <a:r>
-              <a:rPr sz="1687" b="1">
-                <a:solidFill>
-                  <a:srgbClr val="C00000"/>
-                </a:solidFill>
-                <a:latin typeface="Consolas"/>
-                <a:ea typeface="Consolas"/>
-                <a:cs typeface="Consolas"/>
-                <a:sym typeface="Consolas"/>
-              </a:rPr>
-              <a:t>&lt;tr&gt;</a:t>
-            </a:r>
-            <a:br>
-              <a:rPr sz="1687" b="1">
-                <a:solidFill>
-                  <a:srgbClr val="C00000"/>
-                </a:solidFill>
-                <a:latin typeface="Consolas"/>
-                <a:ea typeface="Consolas"/>
-                <a:cs typeface="Consolas"/>
-                <a:sym typeface="Consolas"/>
-              </a:rPr>
-            </a:br>
-            <a:r>
-              <a:rPr sz="1687">
-                <a:latin typeface="Consolas"/>
-                <a:ea typeface="Consolas"/>
-                <a:cs typeface="Consolas"/>
-                <a:sym typeface="Consolas"/>
-              </a:rPr>
-              <a:t>        &lt;td&gt;Row 2 Col 1&lt;/td&gt;</a:t>
-            </a:r>
-            <a:br>
-              <a:rPr sz="1687">
-                <a:latin typeface="Consolas"/>
-                <a:ea typeface="Consolas"/>
-                <a:cs typeface="Consolas"/>
-                <a:sym typeface="Consolas"/>
-              </a:rPr>
-            </a:br>
-            <a:r>
-              <a:rPr sz="1687">
-                <a:latin typeface="Consolas"/>
-                <a:ea typeface="Consolas"/>
-                <a:cs typeface="Consolas"/>
-                <a:sym typeface="Consolas"/>
-              </a:rPr>
-              <a:t>        &lt;td&gt;Row 2 Col 2&lt;/td&gt;</a:t>
-            </a:r>
-            <a:br>
-              <a:rPr sz="1687">
-                <a:latin typeface="Consolas"/>
-                <a:ea typeface="Consolas"/>
-                <a:cs typeface="Consolas"/>
-                <a:sym typeface="Consolas"/>
-              </a:rPr>
-            </a:br>
-            <a:r>
-              <a:rPr sz="1687">
-                <a:latin typeface="Consolas"/>
-                <a:ea typeface="Consolas"/>
-                <a:cs typeface="Consolas"/>
-                <a:sym typeface="Consolas"/>
-              </a:rPr>
-              <a:t>        &lt;td&gt;Row 2 Col 3&lt;/td&gt;</a:t>
-            </a:r>
-            <a:br>
-              <a:rPr sz="1687">
-                <a:latin typeface="Consolas"/>
-                <a:ea typeface="Consolas"/>
-                <a:cs typeface="Consolas"/>
-                <a:sym typeface="Consolas"/>
-              </a:rPr>
-            </a:br>
-            <a:r>
-              <a:rPr sz="1687">
-                <a:latin typeface="Consolas"/>
-                <a:ea typeface="Consolas"/>
-                <a:cs typeface="Consolas"/>
-                <a:sym typeface="Consolas"/>
-              </a:rPr>
-              <a:t>  </a:t>
-            </a:r>
-            <a:r>
-              <a:rPr sz="1687" b="1">
-                <a:solidFill>
-                  <a:srgbClr val="C00000"/>
-                </a:solidFill>
-                <a:latin typeface="Consolas"/>
-                <a:ea typeface="Consolas"/>
-                <a:cs typeface="Consolas"/>
-                <a:sym typeface="Consolas"/>
-              </a:rPr>
-              <a:t>&lt;/tr&gt;</a:t>
-            </a:r>
-            <a:br>
-              <a:rPr sz="1687" b="1">
-                <a:solidFill>
-                  <a:srgbClr val="C00000"/>
-                </a:solidFill>
-                <a:latin typeface="Consolas"/>
-                <a:ea typeface="Consolas"/>
-                <a:cs typeface="Consolas"/>
-                <a:sym typeface="Consolas"/>
-              </a:rPr>
-            </a:br>
-            <a:r>
-              <a:rPr sz="1687" b="1">
-                <a:solidFill>
-                  <a:srgbClr val="C00000"/>
-                </a:solidFill>
-                <a:latin typeface="Consolas"/>
-                <a:ea typeface="Consolas"/>
-                <a:cs typeface="Consolas"/>
-                <a:sym typeface="Consolas"/>
-              </a:rPr>
-              <a:t> &lt;/table&gt;</a:t>
-            </a:r>
+              <a:t>&lt;</a:t>
+            </a:r>
+            <a:endParaRPr sz="1687" b="1" dirty="0">
+              <a:solidFill>
+                <a:srgbClr val="C00000"/>
+              </a:solidFill>
+              <a:latin typeface="Consolas"/>
+              <a:ea typeface="Consolas"/>
+              <a:cs typeface="Consolas"/>
+              <a:sym typeface="Consolas"/>
+            </a:endParaRPr>
           </a:p>
         </p:txBody>
       </p:sp>
-      <p:pic>
-        <p:nvPicPr>
-          <p:cNvPr id="163" name="image6.png" descr="Task1"/>
-          <p:cNvPicPr/>
-          <p:nvPr/>
-        </p:nvPicPr>
-        <p:blipFill>
-          <a:blip r:embed="rId2">
-            <a:extLst/>
-          </a:blip>
-          <a:stretch>
-            <a:fillRect/>
-          </a:stretch>
-        </p:blipFill>
-        <p:spPr>
-          <a:xfrm>
-            <a:off x="6245275" y="1700807"/>
-            <a:ext cx="4139953" cy="2036105"/>
-          </a:xfrm>
-          <a:prstGeom prst="rect">
-            <a:avLst/>
-          </a:prstGeom>
-          <a:ln w="12700">
-            <a:miter lim="400000"/>
-          </a:ln>
-        </p:spPr>
-      </p:pic>
       <p:sp>
         <p:nvSpPr>
           <p:cNvPr id="164" name="Shape 164"/>
@@ -9850,6 +9270,36 @@
           </a:p>
         </p:txBody>
       </p:sp>
+      <p:pic>
+        <p:nvPicPr>
+          <p:cNvPr id="2" name="Picture 1"/>
+          <p:cNvPicPr>
+            <a:picLocks noChangeAspect="1"/>
+          </p:cNvPicPr>
+          <p:nvPr/>
+        </p:nvPicPr>
+        <p:blipFill>
+          <a:blip r:embed="rId2">
+            <a:extLst>
+              <a:ext uri="{28A0092B-C50C-407E-A947-70E740481C1C}">
+                <a14:useLocalDpi xmlns:a14="http://schemas.microsoft.com/office/drawing/2010/main" val="0"/>
+              </a:ext>
+            </a:extLst>
+          </a:blip>
+          <a:stretch>
+            <a:fillRect/>
+          </a:stretch>
+        </p:blipFill>
+        <p:spPr>
+          <a:xfrm>
+            <a:off x="816655" y="807749"/>
+            <a:ext cx="9497334" cy="5668720"/>
+          </a:xfrm>
+          <a:prstGeom prst="rect">
+            <a:avLst/>
+          </a:prstGeom>
+        </p:spPr>
+      </p:pic>
     </p:spTree>
     <p:extLst>
       <p:ext uri="{BB962C8B-B14F-4D97-AF65-F5344CB8AC3E}">
@@ -9860,11 +9310,11 @@
   <p:clrMapOvr>
     <a:masterClrMapping/>
   </p:clrMapOvr>
-  <mc:AlternateContent xmlns:mc="http://schemas.openxmlformats.org/markup-compatibility/2006">
-    <mc:Choice xmlns:p14="http://schemas.microsoft.com/office/powerpoint/2010/main" Requires="p14">
+  <mc:AlternateContent xmlns:mc="http://schemas.openxmlformats.org/markup-compatibility/2006" xmlns:p14="http://schemas.microsoft.com/office/powerpoint/2010/main">
+    <mc:Choice Requires="p14">
       <p:transition spd="slow" p14:dur="2000"/>
     </mc:Choice>
-    <mc:Fallback>
+    <mc:Fallback xmlns="">
       <p:transition spd="slow"/>
     </mc:Fallback>
   </mc:AlternateContent>
@@ -10348,11 +9798,11 @@
   <p:clrMapOvr>
     <a:masterClrMapping/>
   </p:clrMapOvr>
-  <mc:AlternateContent xmlns:mc="http://schemas.openxmlformats.org/markup-compatibility/2006">
-    <mc:Choice xmlns:p14="http://schemas.microsoft.com/office/powerpoint/2010/main" Requires="p14">
+  <mc:AlternateContent xmlns:mc="http://schemas.openxmlformats.org/markup-compatibility/2006" xmlns:p14="http://schemas.microsoft.com/office/powerpoint/2010/main">
+    <mc:Choice Requires="p14">
       <p:transition spd="slow" p14:dur="2000"/>
     </mc:Choice>
-    <mc:Fallback>
+    <mc:Fallback xmlns="">
       <p:transition spd="slow"/>
     </mc:Fallback>
   </mc:AlternateContent>
@@ -10654,14 +10104,209 @@
   <p:clrMapOvr>
     <a:masterClrMapping/>
   </p:clrMapOvr>
-  <mc:AlternateContent xmlns:mc="http://schemas.openxmlformats.org/markup-compatibility/2006">
-    <mc:Choice xmlns:p14="http://schemas.microsoft.com/office/powerpoint/2010/main" Requires="p14">
+  <mc:AlternateContent xmlns:mc="http://schemas.openxmlformats.org/markup-compatibility/2006" xmlns:p14="http://schemas.microsoft.com/office/powerpoint/2010/main">
+    <mc:Choice Requires="p14">
       <p:transition spd="slow" p14:dur="2000"/>
     </mc:Choice>
-    <mc:Fallback>
+    <mc:Fallback xmlns="">
       <p:transition spd="slow"/>
     </mc:Fallback>
   </mc:AlternateContent>
+</p:sld>
+</file>
+
+<file path=ppt/slides/slide20.xml><?xml version="1.0" encoding="utf-8"?>
+<p:sld xmlns:a="http://schemas.openxmlformats.org/drawingml/2006/main" xmlns:r="http://schemas.openxmlformats.org/officeDocument/2006/relationships" xmlns:p="http://schemas.openxmlformats.org/presentationml/2006/main">
+  <p:cSld>
+    <p:spTree>
+      <p:nvGrpSpPr>
+        <p:cNvPr id="1" name=""/>
+        <p:cNvGrpSpPr/>
+        <p:nvPr/>
+      </p:nvGrpSpPr>
+      <p:grpSpPr>
+        <a:xfrm>
+          <a:off x="0" y="0"/>
+          <a:ext cx="0" cy="0"/>
+          <a:chOff x="0" y="0"/>
+          <a:chExt cx="0" cy="0"/>
+        </a:xfrm>
+      </p:grpSpPr>
+      <p:sp>
+        <p:nvSpPr>
+          <p:cNvPr id="2" name="Title 1"/>
+          <p:cNvSpPr>
+            <a:spLocks noGrp="1"/>
+          </p:cNvSpPr>
+          <p:nvPr>
+            <p:ph type="title"/>
+          </p:nvPr>
+        </p:nvSpPr>
+        <p:spPr/>
+        <p:txBody>
+          <a:bodyPr/>
+          <a:lstStyle/>
+          <a:p>
+            <a:r>
+              <a:rPr lang="en-US" dirty="0" smtClean="0"/>
+              <a:t>Example of Attributes</a:t>
+            </a:r>
+            <a:endParaRPr lang="en-US" dirty="0"/>
+          </a:p>
+        </p:txBody>
+      </p:sp>
+      <p:pic>
+        <p:nvPicPr>
+          <p:cNvPr id="6" name="Content Placeholder 5"/>
+          <p:cNvPicPr>
+            <a:picLocks noGrp="1" noChangeAspect="1"/>
+          </p:cNvPicPr>
+          <p:nvPr>
+            <p:ph idx="1"/>
+          </p:nvPr>
+        </p:nvPicPr>
+        <p:blipFill>
+          <a:blip r:embed="rId2">
+            <a:extLst>
+              <a:ext uri="{28A0092B-C50C-407E-A947-70E740481C1C}">
+                <a14:useLocalDpi xmlns:a14="http://schemas.microsoft.com/office/drawing/2010/main" val="0"/>
+              </a:ext>
+            </a:extLst>
+          </a:blip>
+          <a:stretch>
+            <a:fillRect/>
+          </a:stretch>
+        </p:blipFill>
+        <p:spPr>
+          <a:xfrm>
+            <a:off x="838200" y="1825625"/>
+            <a:ext cx="8365005" cy="4351338"/>
+          </a:xfrm>
+        </p:spPr>
+      </p:pic>
+    </p:spTree>
+    <p:extLst>
+      <p:ext uri="{BB962C8B-B14F-4D97-AF65-F5344CB8AC3E}">
+        <p14:creationId xmlns:p14="http://schemas.microsoft.com/office/powerpoint/2010/main" val="1649676941"/>
+      </p:ext>
+    </p:extLst>
+  </p:cSld>
+  <p:clrMapOvr>
+    <a:masterClrMapping/>
+  </p:clrMapOvr>
+</p:sld>
+</file>
+
+<file path=ppt/slides/slide21.xml><?xml version="1.0" encoding="utf-8"?>
+<p:sld xmlns:a="http://schemas.openxmlformats.org/drawingml/2006/main" xmlns:r="http://schemas.openxmlformats.org/officeDocument/2006/relationships" xmlns:p="http://schemas.openxmlformats.org/presentationml/2006/main">
+  <p:cSld>
+    <p:spTree>
+      <p:nvGrpSpPr>
+        <p:cNvPr id="1" name=""/>
+        <p:cNvGrpSpPr/>
+        <p:nvPr/>
+      </p:nvGrpSpPr>
+      <p:grpSpPr>
+        <a:xfrm>
+          <a:off x="0" y="0"/>
+          <a:ext cx="0" cy="0"/>
+          <a:chOff x="0" y="0"/>
+          <a:chExt cx="0" cy="0"/>
+        </a:xfrm>
+      </p:grpSpPr>
+      <p:sp>
+        <p:nvSpPr>
+          <p:cNvPr id="2" name="Title 1"/>
+          <p:cNvSpPr>
+            <a:spLocks noGrp="1"/>
+          </p:cNvSpPr>
+          <p:nvPr>
+            <p:ph type="title"/>
+          </p:nvPr>
+        </p:nvSpPr>
+        <p:spPr>
+          <a:xfrm>
+            <a:off x="1562100" y="270532"/>
+            <a:ext cx="9067800" cy="1325563"/>
+          </a:xfrm>
+        </p:spPr>
+        <p:txBody>
+          <a:bodyPr/>
+          <a:lstStyle/>
+          <a:p>
+            <a:pPr algn="ctr"/>
+            <a:r>
+              <a:rPr lang="en-US" dirty="0">
+                <a:solidFill>
+                  <a:srgbClr val="FF0000"/>
+                </a:solidFill>
+              </a:rPr>
+              <a:t>This </a:t>
+            </a:r>
+            <a:r>
+              <a:rPr lang="en-US" dirty="0" smtClean="0">
+                <a:solidFill>
+                  <a:srgbClr val="FF0000"/>
+                </a:solidFill>
+              </a:rPr>
+              <a:t>weeks advanced </a:t>
+            </a:r>
+            <a:r>
+              <a:rPr lang="en-US" dirty="0">
+                <a:solidFill>
+                  <a:srgbClr val="FF0000"/>
+                </a:solidFill>
+              </a:rPr>
+              <a:t>tasks </a:t>
+            </a:r>
+            <a:endParaRPr lang="en-US" dirty="0">
+              <a:solidFill>
+                <a:srgbClr val="FF0000"/>
+              </a:solidFill>
+              <a:effectLst/>
+            </a:endParaRPr>
+          </a:p>
+        </p:txBody>
+      </p:sp>
+      <p:pic>
+        <p:nvPicPr>
+          <p:cNvPr id="4" name="Content Placeholder 3"/>
+          <p:cNvPicPr>
+            <a:picLocks noGrp="1" noChangeAspect="1"/>
+          </p:cNvPicPr>
+          <p:nvPr>
+            <p:ph idx="1"/>
+          </p:nvPr>
+        </p:nvPicPr>
+        <p:blipFill>
+          <a:blip r:embed="rId2">
+            <a:extLst>
+              <a:ext uri="{28A0092B-C50C-407E-A947-70E740481C1C}">
+                <a14:useLocalDpi xmlns:a14="http://schemas.microsoft.com/office/drawing/2010/main" val="0"/>
+              </a:ext>
+            </a:extLst>
+          </a:blip>
+          <a:stretch>
+            <a:fillRect/>
+          </a:stretch>
+        </p:blipFill>
+        <p:spPr>
+          <a:xfrm>
+            <a:off x="1956756" y="1825625"/>
+            <a:ext cx="8278488" cy="4351338"/>
+          </a:xfrm>
+        </p:spPr>
+      </p:pic>
+    </p:spTree>
+    <p:extLst>
+      <p:ext uri="{BB962C8B-B14F-4D97-AF65-F5344CB8AC3E}">
+        <p14:creationId xmlns:p14="http://schemas.microsoft.com/office/powerpoint/2010/main" val="1158324325"/>
+      </p:ext>
+    </p:extLst>
+  </p:cSld>
+  <p:clrMapOvr>
+    <a:masterClrMapping/>
+  </p:clrMapOvr>
 </p:sld>
 </file>
 
@@ -10739,7 +10384,7 @@
         <p:spPr>
           <a:xfrm>
             <a:off x="1919288" y="1268412"/>
-            <a:ext cx="5760889" cy="3435684"/>
+            <a:ext cx="5760889" cy="2959528"/>
           </a:xfrm>
           <a:prstGeom prst="rect">
             <a:avLst/>
@@ -10874,8 +10519,23 @@
                 <a:cs typeface="Times New Roman"/>
                 <a:sym typeface="Times New Roman"/>
               </a:rPr>
-              <a:t>One Assessment, a TCA in mid January 2017</a:t>
-            </a:r>
+              <a:t>One Assessment, </a:t>
+            </a:r>
+            <a:r>
+              <a:rPr lang="en-GB" sz="3094" dirty="0" smtClean="0">
+                <a:latin typeface="Times New Roman"/>
+                <a:ea typeface="Times New Roman"/>
+                <a:cs typeface="Times New Roman"/>
+                <a:sym typeface="Times New Roman"/>
+              </a:rPr>
+              <a:t>in January 2018</a:t>
+            </a:r>
+            <a:endParaRPr lang="en-GB" sz="3094" dirty="0">
+              <a:latin typeface="Times New Roman"/>
+              <a:ea typeface="Times New Roman"/>
+              <a:cs typeface="Times New Roman"/>
+              <a:sym typeface="Times New Roman"/>
+            </a:endParaRPr>
           </a:p>
           <a:p>
             <a:pPr marL="343781" lvl="4" indent="-343781" defTabSz="642915">
@@ -10926,11 +10586,11 @@
   <p:clrMapOvr>
     <a:masterClrMapping/>
   </p:clrMapOvr>
-  <mc:AlternateContent xmlns:mc="http://schemas.openxmlformats.org/markup-compatibility/2006">
-    <mc:Choice xmlns:p14="http://schemas.microsoft.com/office/powerpoint/2010/main" Requires="p14">
+  <mc:AlternateContent xmlns:mc="http://schemas.openxmlformats.org/markup-compatibility/2006" xmlns:p14="http://schemas.microsoft.com/office/powerpoint/2010/main">
+    <mc:Choice Requires="p14">
       <p:transition spd="slow" p14:dur="2000"/>
     </mc:Choice>
-    <mc:Fallback>
+    <mc:Fallback xmlns="">
       <p:transition spd="slow"/>
     </mc:Fallback>
   </mc:AlternateContent>
@@ -11885,11 +11545,11 @@
   <p:clrMapOvr>
     <a:masterClrMapping/>
   </p:clrMapOvr>
-  <mc:AlternateContent xmlns:mc="http://schemas.openxmlformats.org/markup-compatibility/2006">
-    <mc:Choice xmlns:p14="http://schemas.microsoft.com/office/powerpoint/2010/main" Requires="p14">
+  <mc:AlternateContent xmlns:mc="http://schemas.openxmlformats.org/markup-compatibility/2006" xmlns:p14="http://schemas.microsoft.com/office/powerpoint/2010/main">
+    <mc:Choice Requires="p14">
       <p:transition spd="slow" p14:dur="2000"/>
     </mc:Choice>
-    <mc:Fallback>
+    <mc:Fallback xmlns="">
       <p:transition spd="slow"/>
     </mc:Fallback>
   </mc:AlternateContent>
@@ -12159,11 +11819,11 @@
   <p:clrMapOvr>
     <a:masterClrMapping/>
   </p:clrMapOvr>
-  <mc:AlternateContent xmlns:mc="http://schemas.openxmlformats.org/markup-compatibility/2006">
-    <mc:Choice xmlns:p14="http://schemas.microsoft.com/office/powerpoint/2010/main" Requires="p14">
+  <mc:AlternateContent xmlns:mc="http://schemas.openxmlformats.org/markup-compatibility/2006" xmlns:p14="http://schemas.microsoft.com/office/powerpoint/2010/main">
+    <mc:Choice Requires="p14">
       <p:transition spd="slow" p14:dur="2000"/>
     </mc:Choice>
-    <mc:Fallback>
+    <mc:Fallback xmlns="">
       <p:transition spd="slow"/>
     </mc:Fallback>
   </mc:AlternateContent>
@@ -12453,16 +12113,7 @@
                 <a:cs typeface="Times New Roman"/>
                 <a:sym typeface="Times New Roman"/>
               </a:rPr>
-              <a:t>Use the heading order sensibly and do not skip heading levels (e.g. from h2 to </a:t>
-            </a:r>
-            <a:r>
-              <a:rPr sz="3516" dirty="0">
-                <a:latin typeface="Times New Roman"/>
-                <a:ea typeface="Times New Roman"/>
-                <a:cs typeface="Times New Roman"/>
-                <a:sym typeface="Times New Roman"/>
-              </a:rPr>
-              <a:t>h</a:t>
+              <a:t>Use the heading order sensibly and do not skip heading levels (e.g. from h2 to h</a:t>
             </a:r>
             <a:r>
               <a:rPr lang="en-GB" sz="3516" dirty="0">
@@ -12545,11 +12196,11 @@
   <p:clrMapOvr>
     <a:masterClrMapping/>
   </p:clrMapOvr>
-  <mc:AlternateContent xmlns:mc="http://schemas.openxmlformats.org/markup-compatibility/2006">
-    <mc:Choice xmlns:p14="http://schemas.microsoft.com/office/powerpoint/2010/main" Requires="p14">
+  <mc:AlternateContent xmlns:mc="http://schemas.openxmlformats.org/markup-compatibility/2006" xmlns:p14="http://schemas.microsoft.com/office/powerpoint/2010/main">
+    <mc:Choice Requires="p14">
       <p:transition spd="slow" p14:dur="2000"/>
     </mc:Choice>
-    <mc:Fallback>
+    <mc:Fallback xmlns="">
       <p:transition spd="slow"/>
     </mc:Fallback>
   </mc:AlternateContent>
@@ -13218,11 +12869,11 @@
   <p:clrMapOvr>
     <a:masterClrMapping/>
   </p:clrMapOvr>
-  <mc:AlternateContent xmlns:mc="http://schemas.openxmlformats.org/markup-compatibility/2006">
-    <mc:Choice xmlns:p14="http://schemas.microsoft.com/office/powerpoint/2010/main" Requires="p14">
+  <mc:AlternateContent xmlns:mc="http://schemas.openxmlformats.org/markup-compatibility/2006" xmlns:p14="http://schemas.microsoft.com/office/powerpoint/2010/main">
+    <mc:Choice Requires="p14">
       <p:transition spd="slow" p14:dur="2000"/>
     </mc:Choice>
-    <mc:Fallback>
+    <mc:Fallback xmlns="">
       <p:transition spd="slow"/>
     </mc:Fallback>
   </mc:AlternateContent>
@@ -13957,11 +13608,11 @@
   <p:clrMapOvr>
     <a:masterClrMapping/>
   </p:clrMapOvr>
-  <mc:AlternateContent xmlns:mc="http://schemas.openxmlformats.org/markup-compatibility/2006">
-    <mc:Choice xmlns:p14="http://schemas.microsoft.com/office/powerpoint/2010/main" Requires="p14">
+  <mc:AlternateContent xmlns:mc="http://schemas.openxmlformats.org/markup-compatibility/2006" xmlns:p14="http://schemas.microsoft.com/office/powerpoint/2010/main">
+    <mc:Choice Requires="p14">
       <p:transition spd="slow" p14:dur="2000"/>
     </mc:Choice>
-    <mc:Fallback>
+    <mc:Fallback xmlns="">
       <p:transition spd="slow"/>
     </mc:Fallback>
   </mc:AlternateContent>
@@ -14461,7 +14112,7 @@
               <a:defRPr sz="1800"/>
             </a:pPr>
             <a:r>
-              <a:rPr sz="3375">
+              <a:rPr sz="3375" dirty="0">
                 <a:solidFill>
                   <a:srgbClr val="C00000"/>
                 </a:solidFill>
@@ -14473,7 +14124,7 @@
               <a:t>&lt;!--</a:t>
             </a:r>
             <a:r>
-              <a:rPr sz="3375">
+              <a:rPr sz="3375" dirty="0">
                 <a:latin typeface="Consolas"/>
                 <a:ea typeface="Consolas"/>
                 <a:cs typeface="Consolas"/>
@@ -14482,7 +14133,7 @@
               <a:t> </a:t>
             </a:r>
             <a:r>
-              <a:rPr sz="3375" i="1">
+              <a:rPr sz="3375" i="1" dirty="0">
                 <a:solidFill>
                   <a:srgbClr val="808080"/>
                 </a:solidFill>
@@ -14494,7 +14145,7 @@
               <a:t>This is a comment </a:t>
             </a:r>
             <a:r>
-              <a:rPr sz="3375">
+              <a:rPr sz="3375" dirty="0">
                 <a:solidFill>
                   <a:srgbClr val="C00000"/>
                 </a:solidFill>
@@ -14505,7 +14156,7 @@
               </a:rPr>
               <a:t>--&gt;</a:t>
             </a:r>
-            <a:endParaRPr sz="2391">
+            <a:endParaRPr sz="2391" dirty="0">
               <a:latin typeface="Arial"/>
               <a:ea typeface="Arial"/>
               <a:cs typeface="Arial"/>
@@ -14529,7 +14180,7 @@
               <a:defRPr sz="1800"/>
             </a:pPr>
             <a:r>
-              <a:rPr sz="3094">
+              <a:rPr sz="3094" dirty="0">
                 <a:latin typeface="Times New Roman"/>
                 <a:ea typeface="Times New Roman"/>
                 <a:cs typeface="Times New Roman"/>
@@ -14537,7 +14188,7 @@
               </a:rPr>
               <a:t>Add comments for the purpose of making the source code easier to understand</a:t>
             </a:r>
-            <a:endParaRPr sz="3094">
+            <a:endParaRPr sz="3094" dirty="0">
               <a:latin typeface="Arial"/>
               <a:ea typeface="Arial"/>
               <a:cs typeface="Arial"/>
@@ -14561,7 +14212,7 @@
               <a:defRPr sz="1800"/>
             </a:pPr>
             <a:r>
-              <a:rPr sz="3094">
+              <a:rPr sz="3094" dirty="0">
                 <a:latin typeface="Times New Roman"/>
                 <a:ea typeface="Times New Roman"/>
                 <a:cs typeface="Times New Roman"/>
@@ -14569,7 +14220,7 @@
               </a:rPr>
               <a:t>Comments are not displayed in the browsers</a:t>
             </a:r>
-            <a:endParaRPr sz="3094">
+            <a:endParaRPr sz="3094" dirty="0">
               <a:latin typeface="Arial"/>
               <a:ea typeface="Arial"/>
               <a:cs typeface="Arial"/>
@@ -14593,7 +14244,7 @@
               <a:defRPr sz="1800"/>
             </a:pPr>
             <a:r>
-              <a:rPr sz="3094">
+              <a:rPr sz="3094" dirty="0">
                 <a:latin typeface="Times New Roman"/>
                 <a:ea typeface="Times New Roman"/>
                 <a:cs typeface="Times New Roman"/>
@@ -14601,7 +14252,7 @@
               </a:rPr>
               <a:t>It is also a good practice to "hide" scripts from browsers without support for it</a:t>
             </a:r>
-            <a:endParaRPr sz="3094">
+            <a:endParaRPr sz="3094" dirty="0">
               <a:latin typeface="Arial"/>
               <a:ea typeface="Arial"/>
               <a:cs typeface="Arial"/>
@@ -14628,7 +14279,7 @@
               <a:defRPr sz="1800"/>
             </a:pPr>
             <a:r>
-              <a:rPr sz="3375" i="1">
+              <a:rPr sz="3375" i="1" dirty="0">
                 <a:solidFill>
                   <a:srgbClr val="C00000"/>
                 </a:solidFill>
@@ -14652,11 +14303,11 @@
   <p:clrMapOvr>
     <a:masterClrMapping/>
   </p:clrMapOvr>
-  <mc:AlternateContent xmlns:mc="http://schemas.openxmlformats.org/markup-compatibility/2006">
-    <mc:Choice xmlns:p14="http://schemas.microsoft.com/office/powerpoint/2010/main" Requires="p14">
+  <mc:AlternateContent xmlns:mc="http://schemas.openxmlformats.org/markup-compatibility/2006" xmlns:p14="http://schemas.microsoft.com/office/powerpoint/2010/main">
+    <mc:Choice Requires="p14">
       <p:transition spd="slow" p14:dur="2000"/>
     </mc:Choice>
-    <mc:Fallback>
+    <mc:Fallback xmlns="">
       <p:transition spd="slow"/>
     </mc:Fallback>
   </mc:AlternateContent>

--- a/sessions/week2/slides.pptx
+++ b/sessions/week2/slides.pptx
@@ -5,7 +5,7 @@
     <p:sldMasterId id="2147483648" r:id="rId1"/>
   </p:sldMasterIdLst>
   <p:notesMasterIdLst>
-    <p:notesMasterId r:id="rId23"/>
+    <p:notesMasterId r:id="rId21"/>
   </p:notesMasterIdLst>
   <p:sldIdLst>
     <p:sldId id="257" r:id="rId2"/>
@@ -27,8 +27,6 @@
     <p:sldId id="273" r:id="rId18"/>
     <p:sldId id="274" r:id="rId19"/>
     <p:sldId id="275" r:id="rId20"/>
-    <p:sldId id="276" r:id="rId21"/>
-    <p:sldId id="277" r:id="rId22"/>
   </p:sldIdLst>
   <p:sldSz cx="12192000" cy="6858000"/>
   <p:notesSz cx="6858000" cy="9144000"/>
@@ -127,11 +125,6 @@
       </a:defRPr>
     </a:lvl9pPr>
   </p:defaultTextStyle>
-  <p:extLst>
-    <p:ext uri="{EFAFB233-063F-42B5-8137-9DF3F51BA10A}">
-      <p15:sldGuideLst xmlns:p15="http://schemas.microsoft.com/office/powerpoint/2012/main"/>
-    </p:ext>
-  </p:extLst>
 </p:presentation>
 </file>
 
@@ -217,7 +210,7 @@
           <a:p>
             <a:fld id="{6B671A91-F82C-1543-894F-ACF696096512}" type="datetimeFigureOut">
               <a:rPr lang="en-US" smtClean="0"/>
-              <a:t>10/3/17</a:t>
+              <a:t>10/4/16</a:t>
             </a:fld>
             <a:endParaRPr lang="en-US"/>
           </a:p>
@@ -1875,7 +1868,7 @@
           <a:p>
             <a:fld id="{92E12A30-5579-354D-B65C-6775607DA9D2}" type="datetimeFigureOut">
               <a:rPr lang="en-US" smtClean="0"/>
-              <a:t>10/3/17</a:t>
+              <a:t>10/4/16</a:t>
             </a:fld>
             <a:endParaRPr lang="en-US"/>
           </a:p>
@@ -2045,7 +2038,7 @@
           <a:p>
             <a:fld id="{92E12A30-5579-354D-B65C-6775607DA9D2}" type="datetimeFigureOut">
               <a:rPr lang="en-US" smtClean="0"/>
-              <a:t>10/3/17</a:t>
+              <a:t>10/4/16</a:t>
             </a:fld>
             <a:endParaRPr lang="en-US"/>
           </a:p>
@@ -2225,7 +2218,7 @@
           <a:p>
             <a:fld id="{92E12A30-5579-354D-B65C-6775607DA9D2}" type="datetimeFigureOut">
               <a:rPr lang="en-US" smtClean="0"/>
-              <a:t>10/3/17</a:t>
+              <a:t>10/4/16</a:t>
             </a:fld>
             <a:endParaRPr lang="en-US"/>
           </a:p>
@@ -2395,7 +2388,7 @@
           <a:p>
             <a:fld id="{92E12A30-5579-354D-B65C-6775607DA9D2}" type="datetimeFigureOut">
               <a:rPr lang="en-US" smtClean="0"/>
-              <a:t>10/3/17</a:t>
+              <a:t>10/4/16</a:t>
             </a:fld>
             <a:endParaRPr lang="en-US"/>
           </a:p>
@@ -2641,7 +2634,7 @@
           <a:p>
             <a:fld id="{92E12A30-5579-354D-B65C-6775607DA9D2}" type="datetimeFigureOut">
               <a:rPr lang="en-US" smtClean="0"/>
-              <a:t>10/3/17</a:t>
+              <a:t>10/4/16</a:t>
             </a:fld>
             <a:endParaRPr lang="en-US"/>
           </a:p>
@@ -2873,7 +2866,7 @@
           <a:p>
             <a:fld id="{92E12A30-5579-354D-B65C-6775607DA9D2}" type="datetimeFigureOut">
               <a:rPr lang="en-US" smtClean="0"/>
-              <a:t>10/3/17</a:t>
+              <a:t>10/4/16</a:t>
             </a:fld>
             <a:endParaRPr lang="en-US"/>
           </a:p>
@@ -3240,7 +3233,7 @@
           <a:p>
             <a:fld id="{92E12A30-5579-354D-B65C-6775607DA9D2}" type="datetimeFigureOut">
               <a:rPr lang="en-US" smtClean="0"/>
-              <a:t>10/3/17</a:t>
+              <a:t>10/4/16</a:t>
             </a:fld>
             <a:endParaRPr lang="en-US"/>
           </a:p>
@@ -3358,7 +3351,7 @@
           <a:p>
             <a:fld id="{92E12A30-5579-354D-B65C-6775607DA9D2}" type="datetimeFigureOut">
               <a:rPr lang="en-US" smtClean="0"/>
-              <a:t>10/3/17</a:t>
+              <a:t>10/4/16</a:t>
             </a:fld>
             <a:endParaRPr lang="en-US"/>
           </a:p>
@@ -3453,7 +3446,7 @@
           <a:p>
             <a:fld id="{92E12A30-5579-354D-B65C-6775607DA9D2}" type="datetimeFigureOut">
               <a:rPr lang="en-US" smtClean="0"/>
-              <a:t>10/3/17</a:t>
+              <a:t>10/4/16</a:t>
             </a:fld>
             <a:endParaRPr lang="en-US"/>
           </a:p>
@@ -3730,7 +3723,7 @@
           <a:p>
             <a:fld id="{92E12A30-5579-354D-B65C-6775607DA9D2}" type="datetimeFigureOut">
               <a:rPr lang="en-US" smtClean="0"/>
-              <a:t>10/3/17</a:t>
+              <a:t>10/4/16</a:t>
             </a:fld>
             <a:endParaRPr lang="en-US"/>
           </a:p>
@@ -3983,7 +3976,7 @@
           <a:p>
             <a:fld id="{92E12A30-5579-354D-B65C-6775607DA9D2}" type="datetimeFigureOut">
               <a:rPr lang="en-US" smtClean="0"/>
-              <a:t>10/3/17</a:t>
+              <a:t>10/4/16</a:t>
             </a:fld>
             <a:endParaRPr lang="en-US"/>
           </a:p>
@@ -4196,7 +4189,7 @@
           <a:p>
             <a:fld id="{92E12A30-5579-354D-B65C-6775607DA9D2}" type="datetimeFigureOut">
               <a:rPr lang="en-US" smtClean="0"/>
-              <a:t>10/3/17</a:t>
+              <a:t>10/4/16</a:t>
             </a:fld>
             <a:endParaRPr lang="en-US"/>
           </a:p>
@@ -4696,7 +4689,15 @@
                   <a:srgbClr val="595959"/>
                 </a:solidFill>
               </a:rPr>
-              <a:t>400)</a:t>
+              <a:t>400</a:t>
+            </a:r>
+            <a:r>
+              <a:rPr sz="3516" b="1" dirty="0">
+                <a:solidFill>
+                  <a:srgbClr val="595959"/>
+                </a:solidFill>
+              </a:rPr>
+              <a:t>)</a:t>
             </a:r>
           </a:p>
         </p:txBody>
@@ -4711,11 +4712,11 @@
   <p:clrMapOvr>
     <a:masterClrMapping/>
   </p:clrMapOvr>
-  <mc:AlternateContent xmlns:mc="http://schemas.openxmlformats.org/markup-compatibility/2006" xmlns:p14="http://schemas.microsoft.com/office/powerpoint/2010/main">
-    <mc:Choice Requires="p14">
+  <mc:AlternateContent xmlns:mc="http://schemas.openxmlformats.org/markup-compatibility/2006">
+    <mc:Choice xmlns:p14="http://schemas.microsoft.com/office/powerpoint/2010/main" Requires="p14">
       <p:transition spd="slow" p14:dur="2000"/>
     </mc:Choice>
-    <mc:Fallback xmlns="">
+    <mc:Fallback>
       <p:transition spd="slow"/>
     </mc:Fallback>
   </mc:AlternateContent>
@@ -6150,11 +6151,11 @@
   <p:clrMapOvr>
     <a:masterClrMapping/>
   </p:clrMapOvr>
-  <mc:AlternateContent xmlns:mc="http://schemas.openxmlformats.org/markup-compatibility/2006" xmlns:p14="http://schemas.microsoft.com/office/powerpoint/2010/main">
-    <mc:Choice Requires="p14">
+  <mc:AlternateContent xmlns:mc="http://schemas.openxmlformats.org/markup-compatibility/2006">
+    <mc:Choice xmlns:p14="http://schemas.microsoft.com/office/powerpoint/2010/main" Requires="p14">
       <p:transition spd="slow" p14:dur="2000"/>
     </mc:Choice>
-    <mc:Fallback xmlns="">
+    <mc:Fallback>
       <p:transition spd="slow"/>
     </mc:Fallback>
   </mc:AlternateContent>
@@ -6803,11 +6804,11 @@
   <p:clrMapOvr>
     <a:masterClrMapping/>
   </p:clrMapOvr>
-  <mc:AlternateContent xmlns:mc="http://schemas.openxmlformats.org/markup-compatibility/2006" xmlns:p14="http://schemas.microsoft.com/office/powerpoint/2010/main">
-    <mc:Choice Requires="p14">
+  <mc:AlternateContent xmlns:mc="http://schemas.openxmlformats.org/markup-compatibility/2006">
+    <mc:Choice xmlns:p14="http://schemas.microsoft.com/office/powerpoint/2010/main" Requires="p14">
       <p:transition spd="slow" p14:dur="2000"/>
     </mc:Choice>
-    <mc:Fallback xmlns="">
+    <mc:Fallback>
       <p:transition spd="slow"/>
     </mc:Fallback>
   </mc:AlternateContent>
@@ -6888,7 +6889,7 @@
         <p:spPr>
           <a:xfrm>
             <a:off x="2166938" y="1500187"/>
-            <a:ext cx="7643812" cy="3722558"/>
+            <a:ext cx="7643812" cy="4198714"/>
           </a:xfrm>
           <a:prstGeom prst="rect">
             <a:avLst/>
@@ -6921,7 +6922,7 @@
               <a:defRPr sz="1800"/>
             </a:pPr>
             <a:r>
-              <a:rPr sz="3094" dirty="0">
+              <a:rPr sz="3094">
                 <a:latin typeface="Times New Roman"/>
                 <a:ea typeface="Times New Roman"/>
                 <a:cs typeface="Times New Roman"/>
@@ -6929,7 +6930,7 @@
               </a:rPr>
               <a:t> Basic HTML Structure</a:t>
             </a:r>
-            <a:endParaRPr sz="3094" dirty="0">
+            <a:endParaRPr sz="3094">
               <a:latin typeface="Arial"/>
               <a:ea typeface="Arial"/>
               <a:cs typeface="Arial"/>
@@ -6950,7 +6951,7 @@
               <a:defRPr sz="1800"/>
             </a:pPr>
             <a:r>
-              <a:rPr sz="3094" dirty="0">
+              <a:rPr sz="3094">
                 <a:latin typeface="Times New Roman"/>
                 <a:ea typeface="Times New Roman"/>
                 <a:cs typeface="Times New Roman"/>
@@ -6958,7 +6959,7 @@
               </a:rPr>
               <a:t> Creating a title</a:t>
             </a:r>
-            <a:endParaRPr sz="3094" dirty="0">
+            <a:endParaRPr sz="3094">
               <a:latin typeface="Arial"/>
               <a:ea typeface="Arial"/>
               <a:cs typeface="Arial"/>
@@ -6979,7 +6980,7 @@
               <a:defRPr sz="1800"/>
             </a:pPr>
             <a:r>
-              <a:rPr sz="3094" dirty="0">
+              <a:rPr sz="3094">
                 <a:latin typeface="Times New Roman"/>
                 <a:ea typeface="Times New Roman"/>
                 <a:cs typeface="Times New Roman"/>
@@ -6987,7 +6988,7 @@
               </a:rPr>
               <a:t> Including section headers</a:t>
             </a:r>
-            <a:endParaRPr sz="3094" dirty="0">
+            <a:endParaRPr sz="3094">
               <a:latin typeface="Arial"/>
               <a:ea typeface="Arial"/>
               <a:cs typeface="Arial"/>
@@ -7008,7 +7009,7 @@
               <a:defRPr sz="1800"/>
             </a:pPr>
             <a:r>
-              <a:rPr sz="3094" dirty="0">
+              <a:rPr sz="3094">
                 <a:latin typeface="Times New Roman"/>
                 <a:ea typeface="Times New Roman"/>
                 <a:cs typeface="Times New Roman"/>
@@ -7016,7 +7017,7 @@
               </a:rPr>
               <a:t> Starting a paragraph</a:t>
             </a:r>
-            <a:endParaRPr sz="3094" dirty="0">
+            <a:endParaRPr sz="3094">
               <a:latin typeface="Arial"/>
               <a:ea typeface="Arial"/>
               <a:cs typeface="Arial"/>
@@ -7037,7 +7038,7 @@
               <a:defRPr sz="1800"/>
             </a:pPr>
             <a:r>
-              <a:rPr sz="3094" dirty="0">
+              <a:rPr sz="3094">
                 <a:latin typeface="Times New Roman"/>
                 <a:ea typeface="Times New Roman"/>
                 <a:cs typeface="Times New Roman"/>
@@ -7045,7 +7046,7 @@
               </a:rPr>
               <a:t> Inserting images on a page</a:t>
             </a:r>
-            <a:endParaRPr sz="3094" dirty="0">
+            <a:endParaRPr sz="3094">
               <a:latin typeface="Arial"/>
               <a:ea typeface="Arial"/>
               <a:cs typeface="Arial"/>
@@ -7066,7 +7067,7 @@
               <a:defRPr sz="1800"/>
             </a:pPr>
             <a:r>
-              <a:rPr sz="3094" dirty="0">
+              <a:rPr sz="3094">
                 <a:latin typeface="Times New Roman"/>
                 <a:ea typeface="Times New Roman"/>
                 <a:cs typeface="Times New Roman"/>
@@ -7074,7 +7075,7 @@
               </a:rPr>
               <a:t> Creating a link to another web page</a:t>
             </a:r>
-            <a:endParaRPr sz="3094" dirty="0">
+            <a:endParaRPr sz="3094">
               <a:latin typeface="Arial"/>
               <a:ea typeface="Arial"/>
               <a:cs typeface="Arial"/>
@@ -7095,24 +7096,15 @@
               <a:defRPr sz="1800"/>
             </a:pPr>
             <a:r>
-              <a:rPr sz="3094" dirty="0" smtClean="0">
+              <a:rPr sz="3094">
                 <a:latin typeface="Times New Roman"/>
                 <a:ea typeface="Times New Roman"/>
                 <a:cs typeface="Times New Roman"/>
                 <a:sym typeface="Times New Roman"/>
               </a:rPr>
-              <a:t>Adding </a:t>
-            </a:r>
-            <a:r>
-              <a:rPr sz="3094" dirty="0">
-                <a:latin typeface="Times New Roman"/>
-                <a:ea typeface="Times New Roman"/>
-                <a:cs typeface="Times New Roman"/>
-                <a:sym typeface="Times New Roman"/>
-              </a:rPr>
-              <a:t>comments</a:t>
-            </a:r>
-            <a:endParaRPr sz="3094" dirty="0">
+              <a:t> Adding line breaks/horizontal rules</a:t>
+            </a:r>
+            <a:endParaRPr sz="3094">
               <a:latin typeface="Arial"/>
               <a:ea typeface="Arial"/>
               <a:cs typeface="Arial"/>
@@ -7120,13 +7112,42 @@
             </a:endParaRPr>
           </a:p>
           <a:p>
+            <a:pPr marL="321457" lvl="1" defTabSz="642915">
+              <a:buClr>
+                <a:srgbClr val="C00000"/>
+              </a:buClr>
+              <a:buSzPct val="80000"/>
+              <a:buFont typeface="Arial"/>
+              <a:buChar char="•"/>
+              <a:tabLst>
+                <a:tab pos="80364" algn="l"/>
+              </a:tabLst>
+              <a:defRPr sz="1800"/>
+            </a:pPr>
+            <a:r>
+              <a:rPr sz="3094">
+                <a:latin typeface="Times New Roman"/>
+                <a:ea typeface="Times New Roman"/>
+                <a:cs typeface="Times New Roman"/>
+                <a:sym typeface="Times New Roman"/>
+              </a:rPr>
+              <a:t> Adding comments</a:t>
+            </a:r>
+            <a:endParaRPr sz="3094">
+              <a:latin typeface="Arial"/>
+              <a:ea typeface="Arial"/>
+              <a:cs typeface="Arial"/>
+              <a:sym typeface="Arial"/>
+            </a:endParaRPr>
+          </a:p>
+          <a:p>
             <a:pPr lvl="1" indent="321457" defTabSz="642915">
               <a:tabLst>
                 <a:tab pos="80364" algn="l"/>
               </a:tabLst>
               <a:defRPr sz="1800"/>
             </a:pPr>
-            <a:endParaRPr sz="2531" dirty="0">
+            <a:endParaRPr sz="2531">
               <a:latin typeface="Times New Roman"/>
               <a:ea typeface="Times New Roman"/>
               <a:cs typeface="Times New Roman"/>
@@ -7145,11 +7166,11 @@
   <p:clrMapOvr>
     <a:masterClrMapping/>
   </p:clrMapOvr>
-  <mc:AlternateContent xmlns:mc="http://schemas.openxmlformats.org/markup-compatibility/2006" xmlns:p14="http://schemas.microsoft.com/office/powerpoint/2010/main">
-    <mc:Choice Requires="p14">
+  <mc:AlternateContent xmlns:mc="http://schemas.openxmlformats.org/markup-compatibility/2006">
+    <mc:Choice xmlns:p14="http://schemas.microsoft.com/office/powerpoint/2010/main" Requires="p14">
       <p:transition spd="slow" p14:dur="2000"/>
     </mc:Choice>
-    <mc:Fallback xmlns="">
+    <mc:Fallback>
       <p:transition spd="slow"/>
     </mc:Fallback>
   </mc:AlternateContent>
@@ -7798,11 +7819,11 @@
   <p:clrMapOvr>
     <a:masterClrMapping/>
   </p:clrMapOvr>
-  <mc:AlternateContent xmlns:mc="http://schemas.openxmlformats.org/markup-compatibility/2006" xmlns:p14="http://schemas.microsoft.com/office/powerpoint/2010/main">
-    <mc:Choice Requires="p14">
+  <mc:AlternateContent xmlns:mc="http://schemas.openxmlformats.org/markup-compatibility/2006">
+    <mc:Choice xmlns:p14="http://schemas.microsoft.com/office/powerpoint/2010/main" Requires="p14">
       <p:transition spd="slow" p14:dur="2000"/>
     </mc:Choice>
-    <mc:Fallback xmlns="">
+    <mc:Fallback>
       <p:transition spd="slow"/>
     </mc:Fallback>
   </mc:AlternateContent>
@@ -8035,11 +8056,11 @@
   <p:clrMapOvr>
     <a:masterClrMapping/>
   </p:clrMapOvr>
-  <mc:AlternateContent xmlns:mc="http://schemas.openxmlformats.org/markup-compatibility/2006" xmlns:p14="http://schemas.microsoft.com/office/powerpoint/2010/main">
-    <mc:Choice Requires="p14">
+  <mc:AlternateContent xmlns:mc="http://schemas.openxmlformats.org/markup-compatibility/2006">
+    <mc:Choice xmlns:p14="http://schemas.microsoft.com/office/powerpoint/2010/main" Requires="p14">
       <p:transition spd="slow" p14:dur="2000"/>
     </mc:Choice>
-    <mc:Fallback xmlns="">
+    <mc:Fallback>
       <p:transition spd="slow"/>
     </mc:Fallback>
   </mc:AlternateContent>
@@ -8166,7 +8187,16 @@
                 <a:cs typeface="Times New Roman"/>
                 <a:sym typeface="Times New Roman"/>
               </a:rPr>
-              <a:t>We need to write valid W3C HTML</a:t>
+              <a:t>We </a:t>
+            </a:r>
+            <a:r>
+              <a:rPr sz="3234" dirty="0">
+                <a:latin typeface="Times New Roman"/>
+                <a:ea typeface="Times New Roman"/>
+                <a:cs typeface="Times New Roman"/>
+                <a:sym typeface="Times New Roman"/>
+              </a:rPr>
+              <a:t>need to write valid W3C HTML</a:t>
             </a:r>
           </a:p>
           <a:p>
@@ -8279,11 +8309,11 @@
   <p:clrMapOvr>
     <a:masterClrMapping/>
   </p:clrMapOvr>
-  <mc:AlternateContent xmlns:mc="http://schemas.openxmlformats.org/markup-compatibility/2006" xmlns:p14="http://schemas.microsoft.com/office/powerpoint/2010/main">
-    <mc:Choice Requires="p14">
+  <mc:AlternateContent xmlns:mc="http://schemas.openxmlformats.org/markup-compatibility/2006">
+    <mc:Choice xmlns:p14="http://schemas.microsoft.com/office/powerpoint/2010/main" Requires="p14">
       <p:transition spd="slow" p14:dur="2000"/>
     </mc:Choice>
-    <mc:Fallback xmlns="">
+    <mc:Fallback>
       <p:transition spd="slow"/>
     </mc:Fallback>
   </mc:AlternateContent>
@@ -8438,6 +8468,33 @@
           </a:p>
         </p:txBody>
       </p:sp>
+      <p:pic>
+        <p:nvPicPr>
+          <p:cNvPr id="156" name="image5.png"/>
+          <p:cNvPicPr/>
+          <p:nvPr/>
+        </p:nvPicPr>
+        <p:blipFill>
+          <a:blip r:embed="rId3">
+            <a:extLst/>
+          </a:blip>
+          <a:stretch>
+            <a:fillRect/>
+          </a:stretch>
+        </p:blipFill>
+        <p:spPr>
+          <a:xfrm>
+            <a:off x="1700262" y="2039830"/>
+            <a:ext cx="8696277" cy="3253797"/>
+          </a:xfrm>
+          <a:prstGeom prst="rect">
+            <a:avLst/>
+          </a:prstGeom>
+          <a:ln w="12700">
+            <a:miter lim="400000"/>
+          </a:ln>
+        </p:spPr>
+      </p:pic>
       <p:sp>
         <p:nvSpPr>
           <p:cNvPr id="157" name="Shape 157"/>
@@ -8495,36 +8552,6 @@
           </a:p>
         </p:txBody>
       </p:sp>
-      <p:pic>
-        <p:nvPicPr>
-          <p:cNvPr id="2" name="Picture 1"/>
-          <p:cNvPicPr>
-            <a:picLocks noChangeAspect="1"/>
-          </p:cNvPicPr>
-          <p:nvPr/>
-        </p:nvPicPr>
-        <p:blipFill>
-          <a:blip r:embed="rId3">
-            <a:extLst>
-              <a:ext uri="{28A0092B-C50C-407E-A947-70E740481C1C}">
-                <a14:useLocalDpi xmlns:a14="http://schemas.microsoft.com/office/drawing/2010/main" val="0"/>
-              </a:ext>
-            </a:extLst>
-          </a:blip>
-          <a:stretch>
-            <a:fillRect/>
-          </a:stretch>
-        </p:blipFill>
-        <p:spPr>
-          <a:xfrm>
-            <a:off x="1574800" y="1912526"/>
-            <a:ext cx="9042400" cy="3382542"/>
-          </a:xfrm>
-          <a:prstGeom prst="rect">
-            <a:avLst/>
-          </a:prstGeom>
-        </p:spPr>
-      </p:pic>
     </p:spTree>
     <p:extLst>
       <p:ext uri="{BB962C8B-B14F-4D97-AF65-F5344CB8AC3E}">
@@ -8535,11 +8562,11 @@
   <p:clrMapOvr>
     <a:masterClrMapping/>
   </p:clrMapOvr>
-  <mc:AlternateContent xmlns:mc="http://schemas.openxmlformats.org/markup-compatibility/2006" xmlns:p14="http://schemas.microsoft.com/office/powerpoint/2010/main">
-    <mc:Choice Requires="p14">
+  <mc:AlternateContent xmlns:mc="http://schemas.openxmlformats.org/markup-compatibility/2006">
+    <mc:Choice xmlns:p14="http://schemas.microsoft.com/office/powerpoint/2010/main" Requires="p14">
       <p:transition spd="slow" p14:dur="2000"/>
     </mc:Choice>
-    <mc:Fallback xmlns="">
+    <mc:Fallback>
       <p:transition spd="slow"/>
     </mc:Fallback>
   </mc:AlternateContent>
@@ -8867,11 +8894,11 @@
   <p:clrMapOvr>
     <a:masterClrMapping/>
   </p:clrMapOvr>
-  <mc:AlternateContent xmlns:mc="http://schemas.openxmlformats.org/markup-compatibility/2006" xmlns:p14="http://schemas.microsoft.com/office/powerpoint/2010/main">
-    <mc:Choice Requires="p14">
+  <mc:AlternateContent xmlns:mc="http://schemas.openxmlformats.org/markup-compatibility/2006">
+    <mc:Choice xmlns:p14="http://schemas.microsoft.com/office/powerpoint/2010/main" Requires="p14">
       <p:transition spd="slow" p14:dur="2000"/>
     </mc:Choice>
-    <mc:Fallback xmlns="">
+    <mc:Fallback>
       <p:transition spd="slow"/>
     </mc:Fallback>
   </mc:AlternateContent>
@@ -8904,7 +8931,7 @@
         <p:spPr>
           <a:xfrm>
             <a:off x="1992313" y="381720"/>
-            <a:ext cx="8321676" cy="714042"/>
+            <a:ext cx="8321676" cy="5127622"/>
           </a:xfrm>
           <a:prstGeom prst="rect">
             <a:avLst/>
@@ -8924,26 +8951,6 @@
           </a:bodyPr>
           <a:lstStyle/>
           <a:p>
-            <a:pPr algn="ctr" defTabSz="642915">
-              <a:tabLst>
-                <a:tab pos="80364" algn="l"/>
-              </a:tabLst>
-              <a:defRPr sz="1800"/>
-            </a:pPr>
-            <a:r>
-              <a:rPr sz="2953" dirty="0">
-                <a:solidFill>
-                  <a:srgbClr val="C00000"/>
-                </a:solidFill>
-                <a:latin typeface="Arial"/>
-                <a:ea typeface="Arial"/>
-                <a:cs typeface="Arial"/>
-                <a:sym typeface="Arial"/>
-              </a:rPr>
-              <a:t>A basic 3 x 3 table</a:t>
-            </a:r>
-          </a:p>
-          <a:p>
             <a:pPr defTabSz="642915">
               <a:tabLst>
                 <a:tab pos="80364" algn="l"/>
@@ -8951,7 +8958,27 @@
               <a:defRPr sz="1800"/>
             </a:pPr>
             <a:r>
-              <a:rPr sz="1687" b="1" dirty="0" smtClean="0">
+              <a:rPr sz="2953">
+                <a:solidFill>
+                  <a:srgbClr val="C00000"/>
+                </a:solidFill>
+                <a:latin typeface="Arial"/>
+                <a:ea typeface="Arial"/>
+                <a:cs typeface="Arial"/>
+                <a:sym typeface="Arial"/>
+              </a:rPr>
+              <a:t>A basic 3 x 3 table</a:t>
+            </a:r>
+          </a:p>
+          <a:p>
+            <a:pPr defTabSz="642915">
+              <a:tabLst>
+                <a:tab pos="80364" algn="l"/>
+              </a:tabLst>
+              <a:defRPr sz="1800"/>
+            </a:pPr>
+            <a:r>
+              <a:rPr sz="1687" b="1">
                 <a:solidFill>
                   <a:srgbClr val="C00000"/>
                 </a:solidFill>
@@ -8960,20 +8987,573 @@
                 <a:cs typeface="Consolas"/>
                 <a:sym typeface="Consolas"/>
               </a:rPr>
-              <a:t>&lt;</a:t>
-            </a:r>
-            <a:endParaRPr sz="1687" b="1" dirty="0">
-              <a:solidFill>
-                <a:srgbClr val="C00000"/>
-              </a:solidFill>
-              <a:latin typeface="Consolas"/>
-              <a:ea typeface="Consolas"/>
-              <a:cs typeface="Consolas"/>
-              <a:sym typeface="Consolas"/>
-            </a:endParaRPr>
+              <a:t>&lt;table&gt;</a:t>
+            </a:r>
+            <a:br>
+              <a:rPr sz="1687" b="1">
+                <a:solidFill>
+                  <a:srgbClr val="C00000"/>
+                </a:solidFill>
+                <a:latin typeface="Consolas"/>
+                <a:ea typeface="Consolas"/>
+                <a:cs typeface="Consolas"/>
+                <a:sym typeface="Consolas"/>
+              </a:rPr>
+            </a:br>
+            <a:r>
+              <a:rPr sz="1687">
+                <a:latin typeface="Consolas"/>
+                <a:ea typeface="Consolas"/>
+                <a:cs typeface="Consolas"/>
+                <a:sym typeface="Consolas"/>
+              </a:rPr>
+              <a:t>  </a:t>
+            </a:r>
+            <a:r>
+              <a:rPr sz="1687" b="1">
+                <a:solidFill>
+                  <a:srgbClr val="C00000"/>
+                </a:solidFill>
+                <a:latin typeface="Consolas"/>
+                <a:ea typeface="Consolas"/>
+                <a:cs typeface="Consolas"/>
+                <a:sym typeface="Consolas"/>
+              </a:rPr>
+              <a:t>&lt;caption&gt;</a:t>
+            </a:r>
+            <a:r>
+              <a:rPr sz="1687">
+                <a:latin typeface="Consolas"/>
+                <a:ea typeface="Consolas"/>
+                <a:cs typeface="Consolas"/>
+                <a:sym typeface="Consolas"/>
+              </a:rPr>
+              <a:t>Table Title</a:t>
+            </a:r>
+            <a:r>
+              <a:rPr sz="1687" b="1">
+                <a:solidFill>
+                  <a:srgbClr val="C00000"/>
+                </a:solidFill>
+                <a:latin typeface="Consolas"/>
+                <a:ea typeface="Consolas"/>
+                <a:cs typeface="Consolas"/>
+                <a:sym typeface="Consolas"/>
+              </a:rPr>
+              <a:t>&lt;/caption&gt;</a:t>
+            </a:r>
+            <a:br>
+              <a:rPr sz="1687" b="1">
+                <a:solidFill>
+                  <a:srgbClr val="C00000"/>
+                </a:solidFill>
+                <a:latin typeface="Consolas"/>
+                <a:ea typeface="Consolas"/>
+                <a:cs typeface="Consolas"/>
+                <a:sym typeface="Consolas"/>
+              </a:rPr>
+            </a:br>
+            <a:r>
+              <a:rPr sz="1687">
+                <a:latin typeface="Consolas"/>
+                <a:ea typeface="Consolas"/>
+                <a:cs typeface="Consolas"/>
+                <a:sym typeface="Consolas"/>
+              </a:rPr>
+              <a:t> </a:t>
+            </a:r>
+            <a:r>
+              <a:rPr sz="1687" b="1">
+                <a:solidFill>
+                  <a:srgbClr val="C00000"/>
+                </a:solidFill>
+                <a:latin typeface="Consolas"/>
+                <a:ea typeface="Consolas"/>
+                <a:cs typeface="Consolas"/>
+                <a:sym typeface="Consolas"/>
+              </a:rPr>
+              <a:t> &lt;tr&gt;</a:t>
+            </a:r>
+            <a:br>
+              <a:rPr sz="1687" b="1">
+                <a:solidFill>
+                  <a:srgbClr val="C00000"/>
+                </a:solidFill>
+                <a:latin typeface="Consolas"/>
+                <a:ea typeface="Consolas"/>
+                <a:cs typeface="Consolas"/>
+                <a:sym typeface="Consolas"/>
+              </a:rPr>
+            </a:br>
+            <a:r>
+              <a:rPr sz="1687">
+                <a:latin typeface="Consolas"/>
+                <a:ea typeface="Consolas"/>
+                <a:cs typeface="Consolas"/>
+                <a:sym typeface="Consolas"/>
+              </a:rPr>
+              <a:t>        </a:t>
+            </a:r>
+            <a:r>
+              <a:rPr sz="1687" b="1">
+                <a:solidFill>
+                  <a:srgbClr val="C00000"/>
+                </a:solidFill>
+                <a:latin typeface="Consolas"/>
+                <a:ea typeface="Consolas"/>
+                <a:cs typeface="Consolas"/>
+                <a:sym typeface="Consolas"/>
+              </a:rPr>
+              <a:t>&lt;th&gt;</a:t>
+            </a:r>
+            <a:r>
+              <a:rPr sz="1687">
+                <a:latin typeface="Consolas"/>
+                <a:ea typeface="Consolas"/>
+                <a:cs typeface="Consolas"/>
+                <a:sym typeface="Consolas"/>
+              </a:rPr>
+              <a:t>Header 1</a:t>
+            </a:r>
+            <a:r>
+              <a:rPr sz="1687" b="1">
+                <a:solidFill>
+                  <a:srgbClr val="C00000"/>
+                </a:solidFill>
+                <a:latin typeface="Consolas"/>
+                <a:ea typeface="Consolas"/>
+                <a:cs typeface="Consolas"/>
+                <a:sym typeface="Consolas"/>
+              </a:rPr>
+              <a:t>&lt;/th&gt;</a:t>
+            </a:r>
+            <a:br>
+              <a:rPr sz="1687" b="1">
+                <a:solidFill>
+                  <a:srgbClr val="C00000"/>
+                </a:solidFill>
+                <a:latin typeface="Consolas"/>
+                <a:ea typeface="Consolas"/>
+                <a:cs typeface="Consolas"/>
+                <a:sym typeface="Consolas"/>
+              </a:rPr>
+            </a:br>
+            <a:r>
+              <a:rPr sz="1687">
+                <a:latin typeface="Consolas"/>
+                <a:ea typeface="Consolas"/>
+                <a:cs typeface="Consolas"/>
+                <a:sym typeface="Consolas"/>
+              </a:rPr>
+              <a:t>        </a:t>
+            </a:r>
+            <a:r>
+              <a:rPr sz="1687" b="1">
+                <a:solidFill>
+                  <a:srgbClr val="C00000"/>
+                </a:solidFill>
+                <a:latin typeface="Consolas"/>
+                <a:ea typeface="Consolas"/>
+                <a:cs typeface="Consolas"/>
+                <a:sym typeface="Consolas"/>
+              </a:rPr>
+              <a:t>&lt;th&gt;</a:t>
+            </a:r>
+            <a:r>
+              <a:rPr sz="1687">
+                <a:latin typeface="Consolas"/>
+                <a:ea typeface="Consolas"/>
+                <a:cs typeface="Consolas"/>
+                <a:sym typeface="Consolas"/>
+              </a:rPr>
+              <a:t>Header 2&lt;/th&gt;</a:t>
+            </a:r>
+            <a:br>
+              <a:rPr sz="1687">
+                <a:latin typeface="Consolas"/>
+                <a:ea typeface="Consolas"/>
+                <a:cs typeface="Consolas"/>
+                <a:sym typeface="Consolas"/>
+              </a:rPr>
+            </a:br>
+            <a:r>
+              <a:rPr sz="1687">
+                <a:latin typeface="Consolas"/>
+                <a:ea typeface="Consolas"/>
+                <a:cs typeface="Consolas"/>
+                <a:sym typeface="Consolas"/>
+              </a:rPr>
+              <a:t>        </a:t>
+            </a:r>
+            <a:r>
+              <a:rPr sz="1687" b="1">
+                <a:solidFill>
+                  <a:srgbClr val="C00000"/>
+                </a:solidFill>
+                <a:latin typeface="Consolas"/>
+                <a:ea typeface="Consolas"/>
+                <a:cs typeface="Consolas"/>
+                <a:sym typeface="Consolas"/>
+              </a:rPr>
+              <a:t>&lt;th&gt;</a:t>
+            </a:r>
+            <a:r>
+              <a:rPr sz="1687">
+                <a:latin typeface="Consolas"/>
+                <a:ea typeface="Consolas"/>
+                <a:cs typeface="Consolas"/>
+                <a:sym typeface="Consolas"/>
+              </a:rPr>
+              <a:t>Header 3&lt;/th&gt;</a:t>
+            </a:r>
+            <a:br>
+              <a:rPr sz="1687">
+                <a:latin typeface="Consolas"/>
+                <a:ea typeface="Consolas"/>
+                <a:cs typeface="Consolas"/>
+                <a:sym typeface="Consolas"/>
+              </a:rPr>
+            </a:br>
+            <a:r>
+              <a:rPr sz="1687">
+                <a:latin typeface="Consolas"/>
+                <a:ea typeface="Consolas"/>
+                <a:cs typeface="Consolas"/>
+                <a:sym typeface="Consolas"/>
+              </a:rPr>
+              <a:t>  </a:t>
+            </a:r>
+            <a:r>
+              <a:rPr sz="1687" b="1">
+                <a:solidFill>
+                  <a:srgbClr val="C00000"/>
+                </a:solidFill>
+                <a:latin typeface="Consolas"/>
+                <a:ea typeface="Consolas"/>
+                <a:cs typeface="Consolas"/>
+                <a:sym typeface="Consolas"/>
+              </a:rPr>
+              <a:t>&lt;/tr&gt;</a:t>
+            </a:r>
+            <a:br>
+              <a:rPr sz="1687" b="1">
+                <a:solidFill>
+                  <a:srgbClr val="C00000"/>
+                </a:solidFill>
+                <a:latin typeface="Consolas"/>
+                <a:ea typeface="Consolas"/>
+                <a:cs typeface="Consolas"/>
+                <a:sym typeface="Consolas"/>
+              </a:rPr>
+            </a:br>
+            <a:r>
+              <a:rPr sz="1687">
+                <a:latin typeface="Consolas"/>
+                <a:ea typeface="Consolas"/>
+                <a:cs typeface="Consolas"/>
+                <a:sym typeface="Consolas"/>
+              </a:rPr>
+              <a:t>  </a:t>
+            </a:r>
+            <a:r>
+              <a:rPr sz="1687" b="1">
+                <a:solidFill>
+                  <a:srgbClr val="C00000"/>
+                </a:solidFill>
+                <a:latin typeface="Consolas"/>
+                <a:ea typeface="Consolas"/>
+                <a:cs typeface="Consolas"/>
+                <a:sym typeface="Consolas"/>
+              </a:rPr>
+              <a:t>&lt;tr&gt;</a:t>
+            </a:r>
+            <a:br>
+              <a:rPr sz="1687" b="1">
+                <a:solidFill>
+                  <a:srgbClr val="C00000"/>
+                </a:solidFill>
+                <a:latin typeface="Consolas"/>
+                <a:ea typeface="Consolas"/>
+                <a:cs typeface="Consolas"/>
+                <a:sym typeface="Consolas"/>
+              </a:rPr>
+            </a:br>
+            <a:r>
+              <a:rPr sz="1687">
+                <a:latin typeface="Consolas"/>
+                <a:ea typeface="Consolas"/>
+                <a:cs typeface="Consolas"/>
+                <a:sym typeface="Consolas"/>
+              </a:rPr>
+              <a:t>        </a:t>
+            </a:r>
+            <a:r>
+              <a:rPr sz="1687" b="1">
+                <a:solidFill>
+                  <a:srgbClr val="C00000"/>
+                </a:solidFill>
+                <a:latin typeface="Consolas"/>
+                <a:ea typeface="Consolas"/>
+                <a:cs typeface="Consolas"/>
+                <a:sym typeface="Consolas"/>
+              </a:rPr>
+              <a:t>&lt;td&gt;</a:t>
+            </a:r>
+            <a:r>
+              <a:rPr sz="1687">
+                <a:latin typeface="Consolas"/>
+                <a:ea typeface="Consolas"/>
+                <a:cs typeface="Consolas"/>
+                <a:sym typeface="Consolas"/>
+              </a:rPr>
+              <a:t>Row 1 Col 1</a:t>
+            </a:r>
+            <a:r>
+              <a:rPr sz="1687" b="1">
+                <a:solidFill>
+                  <a:srgbClr val="C00000"/>
+                </a:solidFill>
+                <a:latin typeface="Consolas"/>
+                <a:ea typeface="Consolas"/>
+                <a:cs typeface="Consolas"/>
+                <a:sym typeface="Consolas"/>
+              </a:rPr>
+              <a:t>&lt;/td&gt;</a:t>
+            </a:r>
+            <a:br>
+              <a:rPr sz="1687" b="1">
+                <a:solidFill>
+                  <a:srgbClr val="C00000"/>
+                </a:solidFill>
+                <a:latin typeface="Consolas"/>
+                <a:ea typeface="Consolas"/>
+                <a:cs typeface="Consolas"/>
+                <a:sym typeface="Consolas"/>
+              </a:rPr>
+            </a:br>
+            <a:r>
+              <a:rPr sz="1687">
+                <a:latin typeface="Consolas"/>
+                <a:ea typeface="Consolas"/>
+                <a:cs typeface="Consolas"/>
+                <a:sym typeface="Consolas"/>
+              </a:rPr>
+              <a:t>        &lt;td&gt;Row 1 Col 2&lt;/td&gt;</a:t>
+            </a:r>
+            <a:br>
+              <a:rPr sz="1687">
+                <a:latin typeface="Consolas"/>
+                <a:ea typeface="Consolas"/>
+                <a:cs typeface="Consolas"/>
+                <a:sym typeface="Consolas"/>
+              </a:rPr>
+            </a:br>
+            <a:r>
+              <a:rPr sz="1687">
+                <a:latin typeface="Consolas"/>
+                <a:ea typeface="Consolas"/>
+                <a:cs typeface="Consolas"/>
+                <a:sym typeface="Consolas"/>
+              </a:rPr>
+              <a:t>        &lt;td&gt;Row 1 Col 3&lt;/td&gt;</a:t>
+            </a:r>
+            <a:br>
+              <a:rPr sz="1687">
+                <a:latin typeface="Consolas"/>
+                <a:ea typeface="Consolas"/>
+                <a:cs typeface="Consolas"/>
+                <a:sym typeface="Consolas"/>
+              </a:rPr>
+            </a:br>
+            <a:r>
+              <a:rPr sz="1687">
+                <a:latin typeface="Consolas"/>
+                <a:ea typeface="Consolas"/>
+                <a:cs typeface="Consolas"/>
+                <a:sym typeface="Consolas"/>
+              </a:rPr>
+              <a:t>  </a:t>
+            </a:r>
+            <a:r>
+              <a:rPr sz="1687" b="1">
+                <a:solidFill>
+                  <a:srgbClr val="C00000"/>
+                </a:solidFill>
+                <a:latin typeface="Consolas"/>
+                <a:ea typeface="Consolas"/>
+                <a:cs typeface="Consolas"/>
+                <a:sym typeface="Consolas"/>
+              </a:rPr>
+              <a:t>&lt;/tr&gt;</a:t>
+            </a:r>
+            <a:br>
+              <a:rPr sz="1687" b="1">
+                <a:solidFill>
+                  <a:srgbClr val="C00000"/>
+                </a:solidFill>
+                <a:latin typeface="Consolas"/>
+                <a:ea typeface="Consolas"/>
+                <a:cs typeface="Consolas"/>
+                <a:sym typeface="Consolas"/>
+              </a:rPr>
+            </a:br>
+            <a:r>
+              <a:rPr sz="1687">
+                <a:latin typeface="Consolas"/>
+                <a:ea typeface="Consolas"/>
+                <a:cs typeface="Consolas"/>
+                <a:sym typeface="Consolas"/>
+              </a:rPr>
+              <a:t>  </a:t>
+            </a:r>
+            <a:r>
+              <a:rPr sz="1687" b="1">
+                <a:solidFill>
+                  <a:srgbClr val="C00000"/>
+                </a:solidFill>
+                <a:latin typeface="Consolas"/>
+                <a:ea typeface="Consolas"/>
+                <a:cs typeface="Consolas"/>
+                <a:sym typeface="Consolas"/>
+              </a:rPr>
+              <a:t>&lt;tr&gt;</a:t>
+            </a:r>
+            <a:br>
+              <a:rPr sz="1687" b="1">
+                <a:solidFill>
+                  <a:srgbClr val="C00000"/>
+                </a:solidFill>
+                <a:latin typeface="Consolas"/>
+                <a:ea typeface="Consolas"/>
+                <a:cs typeface="Consolas"/>
+                <a:sym typeface="Consolas"/>
+              </a:rPr>
+            </a:br>
+            <a:r>
+              <a:rPr sz="1687">
+                <a:latin typeface="Consolas"/>
+                <a:ea typeface="Consolas"/>
+                <a:cs typeface="Consolas"/>
+                <a:sym typeface="Consolas"/>
+              </a:rPr>
+              <a:t>        &lt;td&gt;Row 2 Col 1&lt;/td&gt;</a:t>
+            </a:r>
+            <a:br>
+              <a:rPr sz="1687">
+                <a:latin typeface="Consolas"/>
+                <a:ea typeface="Consolas"/>
+                <a:cs typeface="Consolas"/>
+                <a:sym typeface="Consolas"/>
+              </a:rPr>
+            </a:br>
+            <a:r>
+              <a:rPr sz="1687">
+                <a:latin typeface="Consolas"/>
+                <a:ea typeface="Consolas"/>
+                <a:cs typeface="Consolas"/>
+                <a:sym typeface="Consolas"/>
+              </a:rPr>
+              <a:t>        &lt;td&gt;Row 2 Col 2&lt;/td&gt;</a:t>
+            </a:r>
+            <a:br>
+              <a:rPr sz="1687">
+                <a:latin typeface="Consolas"/>
+                <a:ea typeface="Consolas"/>
+                <a:cs typeface="Consolas"/>
+                <a:sym typeface="Consolas"/>
+              </a:rPr>
+            </a:br>
+            <a:r>
+              <a:rPr sz="1687">
+                <a:latin typeface="Consolas"/>
+                <a:ea typeface="Consolas"/>
+                <a:cs typeface="Consolas"/>
+                <a:sym typeface="Consolas"/>
+              </a:rPr>
+              <a:t>        &lt;td&gt;Row 2 Col 3&lt;/td&gt;</a:t>
+            </a:r>
+            <a:br>
+              <a:rPr sz="1687">
+                <a:latin typeface="Consolas"/>
+                <a:ea typeface="Consolas"/>
+                <a:cs typeface="Consolas"/>
+                <a:sym typeface="Consolas"/>
+              </a:rPr>
+            </a:br>
+            <a:r>
+              <a:rPr sz="1687">
+                <a:latin typeface="Consolas"/>
+                <a:ea typeface="Consolas"/>
+                <a:cs typeface="Consolas"/>
+                <a:sym typeface="Consolas"/>
+              </a:rPr>
+              <a:t>  </a:t>
+            </a:r>
+            <a:r>
+              <a:rPr sz="1687" b="1">
+                <a:solidFill>
+                  <a:srgbClr val="C00000"/>
+                </a:solidFill>
+                <a:latin typeface="Consolas"/>
+                <a:ea typeface="Consolas"/>
+                <a:cs typeface="Consolas"/>
+                <a:sym typeface="Consolas"/>
+              </a:rPr>
+              <a:t>&lt;/tr&gt;</a:t>
+            </a:r>
+            <a:br>
+              <a:rPr sz="1687" b="1">
+                <a:solidFill>
+                  <a:srgbClr val="C00000"/>
+                </a:solidFill>
+                <a:latin typeface="Consolas"/>
+                <a:ea typeface="Consolas"/>
+                <a:cs typeface="Consolas"/>
+                <a:sym typeface="Consolas"/>
+              </a:rPr>
+            </a:br>
+            <a:r>
+              <a:rPr sz="1687" b="1">
+                <a:solidFill>
+                  <a:srgbClr val="C00000"/>
+                </a:solidFill>
+                <a:latin typeface="Consolas"/>
+                <a:ea typeface="Consolas"/>
+                <a:cs typeface="Consolas"/>
+                <a:sym typeface="Consolas"/>
+              </a:rPr>
+              <a:t> &lt;/table&gt;</a:t>
+            </a:r>
           </a:p>
         </p:txBody>
       </p:sp>
+      <p:pic>
+        <p:nvPicPr>
+          <p:cNvPr id="163" name="image6.png" descr="Task1"/>
+          <p:cNvPicPr/>
+          <p:nvPr/>
+        </p:nvPicPr>
+        <p:blipFill>
+          <a:blip r:embed="rId2">
+            <a:extLst/>
+          </a:blip>
+          <a:stretch>
+            <a:fillRect/>
+          </a:stretch>
+        </p:blipFill>
+        <p:spPr>
+          <a:xfrm>
+            <a:off x="6245275" y="1700807"/>
+            <a:ext cx="4139953" cy="2036105"/>
+          </a:xfrm>
+          <a:prstGeom prst="rect">
+            <a:avLst/>
+          </a:prstGeom>
+          <a:ln w="12700">
+            <a:miter lim="400000"/>
+          </a:ln>
+        </p:spPr>
+      </p:pic>
       <p:sp>
         <p:nvSpPr>
           <p:cNvPr id="164" name="Shape 164"/>
@@ -9270,36 +9850,6 @@
           </a:p>
         </p:txBody>
       </p:sp>
-      <p:pic>
-        <p:nvPicPr>
-          <p:cNvPr id="2" name="Picture 1"/>
-          <p:cNvPicPr>
-            <a:picLocks noChangeAspect="1"/>
-          </p:cNvPicPr>
-          <p:nvPr/>
-        </p:nvPicPr>
-        <p:blipFill>
-          <a:blip r:embed="rId2">
-            <a:extLst>
-              <a:ext uri="{28A0092B-C50C-407E-A947-70E740481C1C}">
-                <a14:useLocalDpi xmlns:a14="http://schemas.microsoft.com/office/drawing/2010/main" val="0"/>
-              </a:ext>
-            </a:extLst>
-          </a:blip>
-          <a:stretch>
-            <a:fillRect/>
-          </a:stretch>
-        </p:blipFill>
-        <p:spPr>
-          <a:xfrm>
-            <a:off x="816655" y="807749"/>
-            <a:ext cx="9497334" cy="5668720"/>
-          </a:xfrm>
-          <a:prstGeom prst="rect">
-            <a:avLst/>
-          </a:prstGeom>
-        </p:spPr>
-      </p:pic>
     </p:spTree>
     <p:extLst>
       <p:ext uri="{BB962C8B-B14F-4D97-AF65-F5344CB8AC3E}">
@@ -9310,11 +9860,11 @@
   <p:clrMapOvr>
     <a:masterClrMapping/>
   </p:clrMapOvr>
-  <mc:AlternateContent xmlns:mc="http://schemas.openxmlformats.org/markup-compatibility/2006" xmlns:p14="http://schemas.microsoft.com/office/powerpoint/2010/main">
-    <mc:Choice Requires="p14">
+  <mc:AlternateContent xmlns:mc="http://schemas.openxmlformats.org/markup-compatibility/2006">
+    <mc:Choice xmlns:p14="http://schemas.microsoft.com/office/powerpoint/2010/main" Requires="p14">
       <p:transition spd="slow" p14:dur="2000"/>
     </mc:Choice>
-    <mc:Fallback xmlns="">
+    <mc:Fallback>
       <p:transition spd="slow"/>
     </mc:Fallback>
   </mc:AlternateContent>
@@ -9798,11 +10348,11 @@
   <p:clrMapOvr>
     <a:masterClrMapping/>
   </p:clrMapOvr>
-  <mc:AlternateContent xmlns:mc="http://schemas.openxmlformats.org/markup-compatibility/2006" xmlns:p14="http://schemas.microsoft.com/office/powerpoint/2010/main">
-    <mc:Choice Requires="p14">
+  <mc:AlternateContent xmlns:mc="http://schemas.openxmlformats.org/markup-compatibility/2006">
+    <mc:Choice xmlns:p14="http://schemas.microsoft.com/office/powerpoint/2010/main" Requires="p14">
       <p:transition spd="slow" p14:dur="2000"/>
     </mc:Choice>
-    <mc:Fallback xmlns="">
+    <mc:Fallback>
       <p:transition spd="slow"/>
     </mc:Fallback>
   </mc:AlternateContent>
@@ -10104,209 +10654,14 @@
   <p:clrMapOvr>
     <a:masterClrMapping/>
   </p:clrMapOvr>
-  <mc:AlternateContent xmlns:mc="http://schemas.openxmlformats.org/markup-compatibility/2006" xmlns:p14="http://schemas.microsoft.com/office/powerpoint/2010/main">
-    <mc:Choice Requires="p14">
+  <mc:AlternateContent xmlns:mc="http://schemas.openxmlformats.org/markup-compatibility/2006">
+    <mc:Choice xmlns:p14="http://schemas.microsoft.com/office/powerpoint/2010/main" Requires="p14">
       <p:transition spd="slow" p14:dur="2000"/>
     </mc:Choice>
-    <mc:Fallback xmlns="">
+    <mc:Fallback>
       <p:transition spd="slow"/>
     </mc:Fallback>
   </mc:AlternateContent>
-</p:sld>
-</file>
-
-<file path=ppt/slides/slide20.xml><?xml version="1.0" encoding="utf-8"?>
-<p:sld xmlns:a="http://schemas.openxmlformats.org/drawingml/2006/main" xmlns:r="http://schemas.openxmlformats.org/officeDocument/2006/relationships" xmlns:p="http://schemas.openxmlformats.org/presentationml/2006/main">
-  <p:cSld>
-    <p:spTree>
-      <p:nvGrpSpPr>
-        <p:cNvPr id="1" name=""/>
-        <p:cNvGrpSpPr/>
-        <p:nvPr/>
-      </p:nvGrpSpPr>
-      <p:grpSpPr>
-        <a:xfrm>
-          <a:off x="0" y="0"/>
-          <a:ext cx="0" cy="0"/>
-          <a:chOff x="0" y="0"/>
-          <a:chExt cx="0" cy="0"/>
-        </a:xfrm>
-      </p:grpSpPr>
-      <p:sp>
-        <p:nvSpPr>
-          <p:cNvPr id="2" name="Title 1"/>
-          <p:cNvSpPr>
-            <a:spLocks noGrp="1"/>
-          </p:cNvSpPr>
-          <p:nvPr>
-            <p:ph type="title"/>
-          </p:nvPr>
-        </p:nvSpPr>
-        <p:spPr/>
-        <p:txBody>
-          <a:bodyPr/>
-          <a:lstStyle/>
-          <a:p>
-            <a:r>
-              <a:rPr lang="en-US" dirty="0" smtClean="0"/>
-              <a:t>Example of Attributes</a:t>
-            </a:r>
-            <a:endParaRPr lang="en-US" dirty="0"/>
-          </a:p>
-        </p:txBody>
-      </p:sp>
-      <p:pic>
-        <p:nvPicPr>
-          <p:cNvPr id="6" name="Content Placeholder 5"/>
-          <p:cNvPicPr>
-            <a:picLocks noGrp="1" noChangeAspect="1"/>
-          </p:cNvPicPr>
-          <p:nvPr>
-            <p:ph idx="1"/>
-          </p:nvPr>
-        </p:nvPicPr>
-        <p:blipFill>
-          <a:blip r:embed="rId2">
-            <a:extLst>
-              <a:ext uri="{28A0092B-C50C-407E-A947-70E740481C1C}">
-                <a14:useLocalDpi xmlns:a14="http://schemas.microsoft.com/office/drawing/2010/main" val="0"/>
-              </a:ext>
-            </a:extLst>
-          </a:blip>
-          <a:stretch>
-            <a:fillRect/>
-          </a:stretch>
-        </p:blipFill>
-        <p:spPr>
-          <a:xfrm>
-            <a:off x="838200" y="1825625"/>
-            <a:ext cx="8365005" cy="4351338"/>
-          </a:xfrm>
-        </p:spPr>
-      </p:pic>
-    </p:spTree>
-    <p:extLst>
-      <p:ext uri="{BB962C8B-B14F-4D97-AF65-F5344CB8AC3E}">
-        <p14:creationId xmlns:p14="http://schemas.microsoft.com/office/powerpoint/2010/main" val="1649676941"/>
-      </p:ext>
-    </p:extLst>
-  </p:cSld>
-  <p:clrMapOvr>
-    <a:masterClrMapping/>
-  </p:clrMapOvr>
-</p:sld>
-</file>
-
-<file path=ppt/slides/slide21.xml><?xml version="1.0" encoding="utf-8"?>
-<p:sld xmlns:a="http://schemas.openxmlformats.org/drawingml/2006/main" xmlns:r="http://schemas.openxmlformats.org/officeDocument/2006/relationships" xmlns:p="http://schemas.openxmlformats.org/presentationml/2006/main">
-  <p:cSld>
-    <p:spTree>
-      <p:nvGrpSpPr>
-        <p:cNvPr id="1" name=""/>
-        <p:cNvGrpSpPr/>
-        <p:nvPr/>
-      </p:nvGrpSpPr>
-      <p:grpSpPr>
-        <a:xfrm>
-          <a:off x="0" y="0"/>
-          <a:ext cx="0" cy="0"/>
-          <a:chOff x="0" y="0"/>
-          <a:chExt cx="0" cy="0"/>
-        </a:xfrm>
-      </p:grpSpPr>
-      <p:sp>
-        <p:nvSpPr>
-          <p:cNvPr id="2" name="Title 1"/>
-          <p:cNvSpPr>
-            <a:spLocks noGrp="1"/>
-          </p:cNvSpPr>
-          <p:nvPr>
-            <p:ph type="title"/>
-          </p:nvPr>
-        </p:nvSpPr>
-        <p:spPr>
-          <a:xfrm>
-            <a:off x="1562100" y="270532"/>
-            <a:ext cx="9067800" cy="1325563"/>
-          </a:xfrm>
-        </p:spPr>
-        <p:txBody>
-          <a:bodyPr/>
-          <a:lstStyle/>
-          <a:p>
-            <a:pPr algn="ctr"/>
-            <a:r>
-              <a:rPr lang="en-US" dirty="0">
-                <a:solidFill>
-                  <a:srgbClr val="FF0000"/>
-                </a:solidFill>
-              </a:rPr>
-              <a:t>This </a:t>
-            </a:r>
-            <a:r>
-              <a:rPr lang="en-US" dirty="0" smtClean="0">
-                <a:solidFill>
-                  <a:srgbClr val="FF0000"/>
-                </a:solidFill>
-              </a:rPr>
-              <a:t>weeks advanced </a:t>
-            </a:r>
-            <a:r>
-              <a:rPr lang="en-US" dirty="0">
-                <a:solidFill>
-                  <a:srgbClr val="FF0000"/>
-                </a:solidFill>
-              </a:rPr>
-              <a:t>tasks </a:t>
-            </a:r>
-            <a:endParaRPr lang="en-US" dirty="0">
-              <a:solidFill>
-                <a:srgbClr val="FF0000"/>
-              </a:solidFill>
-              <a:effectLst/>
-            </a:endParaRPr>
-          </a:p>
-        </p:txBody>
-      </p:sp>
-      <p:pic>
-        <p:nvPicPr>
-          <p:cNvPr id="4" name="Content Placeholder 3"/>
-          <p:cNvPicPr>
-            <a:picLocks noGrp="1" noChangeAspect="1"/>
-          </p:cNvPicPr>
-          <p:nvPr>
-            <p:ph idx="1"/>
-          </p:nvPr>
-        </p:nvPicPr>
-        <p:blipFill>
-          <a:blip r:embed="rId2">
-            <a:extLst>
-              <a:ext uri="{28A0092B-C50C-407E-A947-70E740481C1C}">
-                <a14:useLocalDpi xmlns:a14="http://schemas.microsoft.com/office/drawing/2010/main" val="0"/>
-              </a:ext>
-            </a:extLst>
-          </a:blip>
-          <a:stretch>
-            <a:fillRect/>
-          </a:stretch>
-        </p:blipFill>
-        <p:spPr>
-          <a:xfrm>
-            <a:off x="1956756" y="1825625"/>
-            <a:ext cx="8278488" cy="4351338"/>
-          </a:xfrm>
-        </p:spPr>
-      </p:pic>
-    </p:spTree>
-    <p:extLst>
-      <p:ext uri="{BB962C8B-B14F-4D97-AF65-F5344CB8AC3E}">
-        <p14:creationId xmlns:p14="http://schemas.microsoft.com/office/powerpoint/2010/main" val="1158324325"/>
-      </p:ext>
-    </p:extLst>
-  </p:cSld>
-  <p:clrMapOvr>
-    <a:masterClrMapping/>
-  </p:clrMapOvr>
 </p:sld>
 </file>
 
@@ -10384,7 +10739,7 @@
         <p:spPr>
           <a:xfrm>
             <a:off x="1919288" y="1268412"/>
-            <a:ext cx="5760889" cy="2959528"/>
+            <a:ext cx="5760889" cy="3435684"/>
           </a:xfrm>
           <a:prstGeom prst="rect">
             <a:avLst/>
@@ -10519,23 +10874,8 @@
                 <a:cs typeface="Times New Roman"/>
                 <a:sym typeface="Times New Roman"/>
               </a:rPr>
-              <a:t>One Assessment, </a:t>
-            </a:r>
-            <a:r>
-              <a:rPr lang="en-GB" sz="3094" dirty="0" smtClean="0">
-                <a:latin typeface="Times New Roman"/>
-                <a:ea typeface="Times New Roman"/>
-                <a:cs typeface="Times New Roman"/>
-                <a:sym typeface="Times New Roman"/>
-              </a:rPr>
-              <a:t>in January 2018</a:t>
-            </a:r>
-            <a:endParaRPr lang="en-GB" sz="3094" dirty="0">
-              <a:latin typeface="Times New Roman"/>
-              <a:ea typeface="Times New Roman"/>
-              <a:cs typeface="Times New Roman"/>
-              <a:sym typeface="Times New Roman"/>
-            </a:endParaRPr>
+              <a:t>One Assessment, a TCA in mid January 2017</a:t>
+            </a:r>
           </a:p>
           <a:p>
             <a:pPr marL="343781" lvl="4" indent="-343781" defTabSz="642915">
@@ -10586,11 +10926,11 @@
   <p:clrMapOvr>
     <a:masterClrMapping/>
   </p:clrMapOvr>
-  <mc:AlternateContent xmlns:mc="http://schemas.openxmlformats.org/markup-compatibility/2006" xmlns:p14="http://schemas.microsoft.com/office/powerpoint/2010/main">
-    <mc:Choice Requires="p14">
+  <mc:AlternateContent xmlns:mc="http://schemas.openxmlformats.org/markup-compatibility/2006">
+    <mc:Choice xmlns:p14="http://schemas.microsoft.com/office/powerpoint/2010/main" Requires="p14">
       <p:transition spd="slow" p14:dur="2000"/>
     </mc:Choice>
-    <mc:Fallback xmlns="">
+    <mc:Fallback>
       <p:transition spd="slow"/>
     </mc:Fallback>
   </mc:AlternateContent>
@@ -11545,11 +11885,11 @@
   <p:clrMapOvr>
     <a:masterClrMapping/>
   </p:clrMapOvr>
-  <mc:AlternateContent xmlns:mc="http://schemas.openxmlformats.org/markup-compatibility/2006" xmlns:p14="http://schemas.microsoft.com/office/powerpoint/2010/main">
-    <mc:Choice Requires="p14">
+  <mc:AlternateContent xmlns:mc="http://schemas.openxmlformats.org/markup-compatibility/2006">
+    <mc:Choice xmlns:p14="http://schemas.microsoft.com/office/powerpoint/2010/main" Requires="p14">
       <p:transition spd="slow" p14:dur="2000"/>
     </mc:Choice>
-    <mc:Fallback xmlns="">
+    <mc:Fallback>
       <p:transition spd="slow"/>
     </mc:Fallback>
   </mc:AlternateContent>
@@ -11819,11 +12159,11 @@
   <p:clrMapOvr>
     <a:masterClrMapping/>
   </p:clrMapOvr>
-  <mc:AlternateContent xmlns:mc="http://schemas.openxmlformats.org/markup-compatibility/2006" xmlns:p14="http://schemas.microsoft.com/office/powerpoint/2010/main">
-    <mc:Choice Requires="p14">
+  <mc:AlternateContent xmlns:mc="http://schemas.openxmlformats.org/markup-compatibility/2006">
+    <mc:Choice xmlns:p14="http://schemas.microsoft.com/office/powerpoint/2010/main" Requires="p14">
       <p:transition spd="slow" p14:dur="2000"/>
     </mc:Choice>
-    <mc:Fallback xmlns="">
+    <mc:Fallback>
       <p:transition spd="slow"/>
     </mc:Fallback>
   </mc:AlternateContent>
@@ -12113,7 +12453,16 @@
                 <a:cs typeface="Times New Roman"/>
                 <a:sym typeface="Times New Roman"/>
               </a:rPr>
-              <a:t>Use the heading order sensibly and do not skip heading levels (e.g. from h2 to h</a:t>
+              <a:t>Use the heading order sensibly and do not skip heading levels (e.g. from h2 to </a:t>
+            </a:r>
+            <a:r>
+              <a:rPr sz="3516" dirty="0">
+                <a:latin typeface="Times New Roman"/>
+                <a:ea typeface="Times New Roman"/>
+                <a:cs typeface="Times New Roman"/>
+                <a:sym typeface="Times New Roman"/>
+              </a:rPr>
+              <a:t>h</a:t>
             </a:r>
             <a:r>
               <a:rPr lang="en-GB" sz="3516" dirty="0">
@@ -12196,11 +12545,11 @@
   <p:clrMapOvr>
     <a:masterClrMapping/>
   </p:clrMapOvr>
-  <mc:AlternateContent xmlns:mc="http://schemas.openxmlformats.org/markup-compatibility/2006" xmlns:p14="http://schemas.microsoft.com/office/powerpoint/2010/main">
-    <mc:Choice Requires="p14">
+  <mc:AlternateContent xmlns:mc="http://schemas.openxmlformats.org/markup-compatibility/2006">
+    <mc:Choice xmlns:p14="http://schemas.microsoft.com/office/powerpoint/2010/main" Requires="p14">
       <p:transition spd="slow" p14:dur="2000"/>
     </mc:Choice>
-    <mc:Fallback xmlns="">
+    <mc:Fallback>
       <p:transition spd="slow"/>
     </mc:Fallback>
   </mc:AlternateContent>
@@ -12869,11 +13218,11 @@
   <p:clrMapOvr>
     <a:masterClrMapping/>
   </p:clrMapOvr>
-  <mc:AlternateContent xmlns:mc="http://schemas.openxmlformats.org/markup-compatibility/2006" xmlns:p14="http://schemas.microsoft.com/office/powerpoint/2010/main">
-    <mc:Choice Requires="p14">
+  <mc:AlternateContent xmlns:mc="http://schemas.openxmlformats.org/markup-compatibility/2006">
+    <mc:Choice xmlns:p14="http://schemas.microsoft.com/office/powerpoint/2010/main" Requires="p14">
       <p:transition spd="slow" p14:dur="2000"/>
     </mc:Choice>
-    <mc:Fallback xmlns="">
+    <mc:Fallback>
       <p:transition spd="slow"/>
     </mc:Fallback>
   </mc:AlternateContent>
@@ -13608,11 +13957,11 @@
   <p:clrMapOvr>
     <a:masterClrMapping/>
   </p:clrMapOvr>
-  <mc:AlternateContent xmlns:mc="http://schemas.openxmlformats.org/markup-compatibility/2006" xmlns:p14="http://schemas.microsoft.com/office/powerpoint/2010/main">
-    <mc:Choice Requires="p14">
+  <mc:AlternateContent xmlns:mc="http://schemas.openxmlformats.org/markup-compatibility/2006">
+    <mc:Choice xmlns:p14="http://schemas.microsoft.com/office/powerpoint/2010/main" Requires="p14">
       <p:transition spd="slow" p14:dur="2000"/>
     </mc:Choice>
-    <mc:Fallback xmlns="">
+    <mc:Fallback>
       <p:transition spd="slow"/>
     </mc:Fallback>
   </mc:AlternateContent>
@@ -14112,7 +14461,7 @@
               <a:defRPr sz="1800"/>
             </a:pPr>
             <a:r>
-              <a:rPr sz="3375" dirty="0">
+              <a:rPr sz="3375">
                 <a:solidFill>
                   <a:srgbClr val="C00000"/>
                 </a:solidFill>
@@ -14124,7 +14473,7 @@
               <a:t>&lt;!--</a:t>
             </a:r>
             <a:r>
-              <a:rPr sz="3375" dirty="0">
+              <a:rPr sz="3375">
                 <a:latin typeface="Consolas"/>
                 <a:ea typeface="Consolas"/>
                 <a:cs typeface="Consolas"/>
@@ -14133,7 +14482,7 @@
               <a:t> </a:t>
             </a:r>
             <a:r>
-              <a:rPr sz="3375" i="1" dirty="0">
+              <a:rPr sz="3375" i="1">
                 <a:solidFill>
                   <a:srgbClr val="808080"/>
                 </a:solidFill>
@@ -14145,7 +14494,7 @@
               <a:t>This is a comment </a:t>
             </a:r>
             <a:r>
-              <a:rPr sz="3375" dirty="0">
+              <a:rPr sz="3375">
                 <a:solidFill>
                   <a:srgbClr val="C00000"/>
                 </a:solidFill>
@@ -14156,7 +14505,7 @@
               </a:rPr>
               <a:t>--&gt;</a:t>
             </a:r>
-            <a:endParaRPr sz="2391" dirty="0">
+            <a:endParaRPr sz="2391">
               <a:latin typeface="Arial"/>
               <a:ea typeface="Arial"/>
               <a:cs typeface="Arial"/>
@@ -14180,7 +14529,7 @@
               <a:defRPr sz="1800"/>
             </a:pPr>
             <a:r>
-              <a:rPr sz="3094" dirty="0">
+              <a:rPr sz="3094">
                 <a:latin typeface="Times New Roman"/>
                 <a:ea typeface="Times New Roman"/>
                 <a:cs typeface="Times New Roman"/>
@@ -14188,7 +14537,7 @@
               </a:rPr>
               <a:t>Add comments for the purpose of making the source code easier to understand</a:t>
             </a:r>
-            <a:endParaRPr sz="3094" dirty="0">
+            <a:endParaRPr sz="3094">
               <a:latin typeface="Arial"/>
               <a:ea typeface="Arial"/>
               <a:cs typeface="Arial"/>
@@ -14212,7 +14561,7 @@
               <a:defRPr sz="1800"/>
             </a:pPr>
             <a:r>
-              <a:rPr sz="3094" dirty="0">
+              <a:rPr sz="3094">
                 <a:latin typeface="Times New Roman"/>
                 <a:ea typeface="Times New Roman"/>
                 <a:cs typeface="Times New Roman"/>
@@ -14220,7 +14569,7 @@
               </a:rPr>
               <a:t>Comments are not displayed in the browsers</a:t>
             </a:r>
-            <a:endParaRPr sz="3094" dirty="0">
+            <a:endParaRPr sz="3094">
               <a:latin typeface="Arial"/>
               <a:ea typeface="Arial"/>
               <a:cs typeface="Arial"/>
@@ -14244,7 +14593,7 @@
               <a:defRPr sz="1800"/>
             </a:pPr>
             <a:r>
-              <a:rPr sz="3094" dirty="0">
+              <a:rPr sz="3094">
                 <a:latin typeface="Times New Roman"/>
                 <a:ea typeface="Times New Roman"/>
                 <a:cs typeface="Times New Roman"/>
@@ -14252,7 +14601,7 @@
               </a:rPr>
               <a:t>It is also a good practice to "hide" scripts from browsers without support for it</a:t>
             </a:r>
-            <a:endParaRPr sz="3094" dirty="0">
+            <a:endParaRPr sz="3094">
               <a:latin typeface="Arial"/>
               <a:ea typeface="Arial"/>
               <a:cs typeface="Arial"/>
@@ -14279,7 +14628,7 @@
               <a:defRPr sz="1800"/>
             </a:pPr>
             <a:r>
-              <a:rPr sz="3375" i="1" dirty="0">
+              <a:rPr sz="3375" i="1">
                 <a:solidFill>
                   <a:srgbClr val="C00000"/>
                 </a:solidFill>
@@ -14303,11 +14652,11 @@
   <p:clrMapOvr>
     <a:masterClrMapping/>
   </p:clrMapOvr>
-  <mc:AlternateContent xmlns:mc="http://schemas.openxmlformats.org/markup-compatibility/2006" xmlns:p14="http://schemas.microsoft.com/office/powerpoint/2010/main">
-    <mc:Choice Requires="p14">
+  <mc:AlternateContent xmlns:mc="http://schemas.openxmlformats.org/markup-compatibility/2006">
+    <mc:Choice xmlns:p14="http://schemas.microsoft.com/office/powerpoint/2010/main" Requires="p14">
       <p:transition spd="slow" p14:dur="2000"/>
     </mc:Choice>
-    <mc:Fallback xmlns="">
+    <mc:Fallback>
       <p:transition spd="slow"/>
     </mc:Fallback>
   </mc:AlternateContent>

--- a/sessions/week2/slides.pptx
+++ b/sessions/week2/slides.pptx
@@ -5,28 +5,29 @@
     <p:sldMasterId id="2147483648" r:id="rId1"/>
   </p:sldMasterIdLst>
   <p:notesMasterIdLst>
-    <p:notesMasterId r:id="rId21"/>
+    <p:notesMasterId r:id="rId22"/>
   </p:notesMasterIdLst>
   <p:sldIdLst>
     <p:sldId id="257" r:id="rId2"/>
     <p:sldId id="258" r:id="rId3"/>
-    <p:sldId id="259" r:id="rId4"/>
-    <p:sldId id="260" r:id="rId5"/>
-    <p:sldId id="261" r:id="rId6"/>
-    <p:sldId id="262" r:id="rId7"/>
-    <p:sldId id="263" r:id="rId8"/>
-    <p:sldId id="264" r:id="rId9"/>
-    <p:sldId id="265" r:id="rId10"/>
-    <p:sldId id="266" r:id="rId11"/>
-    <p:sldId id="267" r:id="rId12"/>
-    <p:sldId id="268" r:id="rId13"/>
-    <p:sldId id="269" r:id="rId14"/>
-    <p:sldId id="270" r:id="rId15"/>
-    <p:sldId id="271" r:id="rId16"/>
-    <p:sldId id="272" r:id="rId17"/>
-    <p:sldId id="273" r:id="rId18"/>
-    <p:sldId id="274" r:id="rId19"/>
-    <p:sldId id="275" r:id="rId20"/>
+    <p:sldId id="276" r:id="rId4"/>
+    <p:sldId id="259" r:id="rId5"/>
+    <p:sldId id="260" r:id="rId6"/>
+    <p:sldId id="261" r:id="rId7"/>
+    <p:sldId id="262" r:id="rId8"/>
+    <p:sldId id="263" r:id="rId9"/>
+    <p:sldId id="264" r:id="rId10"/>
+    <p:sldId id="265" r:id="rId11"/>
+    <p:sldId id="266" r:id="rId12"/>
+    <p:sldId id="267" r:id="rId13"/>
+    <p:sldId id="268" r:id="rId14"/>
+    <p:sldId id="269" r:id="rId15"/>
+    <p:sldId id="270" r:id="rId16"/>
+    <p:sldId id="271" r:id="rId17"/>
+    <p:sldId id="272" r:id="rId18"/>
+    <p:sldId id="273" r:id="rId19"/>
+    <p:sldId id="274" r:id="rId20"/>
+    <p:sldId id="275" r:id="rId21"/>
   </p:sldIdLst>
   <p:sldSz cx="12192000" cy="6858000"/>
   <p:notesSz cx="6858000" cy="9144000"/>
@@ -125,6 +126,11 @@
       </a:defRPr>
     </a:lvl9pPr>
   </p:defaultTextStyle>
+  <p:extLst>
+    <p:ext uri="{EFAFB233-063F-42B5-8137-9DF3F51BA10A}">
+      <p15:sldGuideLst xmlns:p15="http://schemas.microsoft.com/office/powerpoint/2012/main"/>
+    </p:ext>
+  </p:extLst>
 </p:presentation>
 </file>
 
@@ -210,7 +216,7 @@
           <a:p>
             <a:fld id="{6B671A91-F82C-1543-894F-ACF696096512}" type="datetimeFigureOut">
               <a:rPr lang="en-US" smtClean="0"/>
-              <a:t>10/4/16</a:t>
+              <a:t>10/3/17</a:t>
             </a:fld>
             <a:endParaRPr lang="en-US"/>
           </a:p>
@@ -1868,7 +1874,7 @@
           <a:p>
             <a:fld id="{92E12A30-5579-354D-B65C-6775607DA9D2}" type="datetimeFigureOut">
               <a:rPr lang="en-US" smtClean="0"/>
-              <a:t>10/4/16</a:t>
+              <a:t>10/3/17</a:t>
             </a:fld>
             <a:endParaRPr lang="en-US"/>
           </a:p>
@@ -2038,7 +2044,7 @@
           <a:p>
             <a:fld id="{92E12A30-5579-354D-B65C-6775607DA9D2}" type="datetimeFigureOut">
               <a:rPr lang="en-US" smtClean="0"/>
-              <a:t>10/4/16</a:t>
+              <a:t>10/3/17</a:t>
             </a:fld>
             <a:endParaRPr lang="en-US"/>
           </a:p>
@@ -2218,7 +2224,7 @@
           <a:p>
             <a:fld id="{92E12A30-5579-354D-B65C-6775607DA9D2}" type="datetimeFigureOut">
               <a:rPr lang="en-US" smtClean="0"/>
-              <a:t>10/4/16</a:t>
+              <a:t>10/3/17</a:t>
             </a:fld>
             <a:endParaRPr lang="en-US"/>
           </a:p>
@@ -2388,7 +2394,7 @@
           <a:p>
             <a:fld id="{92E12A30-5579-354D-B65C-6775607DA9D2}" type="datetimeFigureOut">
               <a:rPr lang="en-US" smtClean="0"/>
-              <a:t>10/4/16</a:t>
+              <a:t>10/3/17</a:t>
             </a:fld>
             <a:endParaRPr lang="en-US"/>
           </a:p>
@@ -2634,7 +2640,7 @@
           <a:p>
             <a:fld id="{92E12A30-5579-354D-B65C-6775607DA9D2}" type="datetimeFigureOut">
               <a:rPr lang="en-US" smtClean="0"/>
-              <a:t>10/4/16</a:t>
+              <a:t>10/3/17</a:t>
             </a:fld>
             <a:endParaRPr lang="en-US"/>
           </a:p>
@@ -2866,7 +2872,7 @@
           <a:p>
             <a:fld id="{92E12A30-5579-354D-B65C-6775607DA9D2}" type="datetimeFigureOut">
               <a:rPr lang="en-US" smtClean="0"/>
-              <a:t>10/4/16</a:t>
+              <a:t>10/3/17</a:t>
             </a:fld>
             <a:endParaRPr lang="en-US"/>
           </a:p>
@@ -3233,7 +3239,7 @@
           <a:p>
             <a:fld id="{92E12A30-5579-354D-B65C-6775607DA9D2}" type="datetimeFigureOut">
               <a:rPr lang="en-US" smtClean="0"/>
-              <a:t>10/4/16</a:t>
+              <a:t>10/3/17</a:t>
             </a:fld>
             <a:endParaRPr lang="en-US"/>
           </a:p>
@@ -3351,7 +3357,7 @@
           <a:p>
             <a:fld id="{92E12A30-5579-354D-B65C-6775607DA9D2}" type="datetimeFigureOut">
               <a:rPr lang="en-US" smtClean="0"/>
-              <a:t>10/4/16</a:t>
+              <a:t>10/3/17</a:t>
             </a:fld>
             <a:endParaRPr lang="en-US"/>
           </a:p>
@@ -3446,7 +3452,7 @@
           <a:p>
             <a:fld id="{92E12A30-5579-354D-B65C-6775607DA9D2}" type="datetimeFigureOut">
               <a:rPr lang="en-US" smtClean="0"/>
-              <a:t>10/4/16</a:t>
+              <a:t>10/3/17</a:t>
             </a:fld>
             <a:endParaRPr lang="en-US"/>
           </a:p>
@@ -3723,7 +3729,7 @@
           <a:p>
             <a:fld id="{92E12A30-5579-354D-B65C-6775607DA9D2}" type="datetimeFigureOut">
               <a:rPr lang="en-US" smtClean="0"/>
-              <a:t>10/4/16</a:t>
+              <a:t>10/3/17</a:t>
             </a:fld>
             <a:endParaRPr lang="en-US"/>
           </a:p>
@@ -3976,7 +3982,7 @@
           <a:p>
             <a:fld id="{92E12A30-5579-354D-B65C-6775607DA9D2}" type="datetimeFigureOut">
               <a:rPr lang="en-US" smtClean="0"/>
-              <a:t>10/4/16</a:t>
+              <a:t>10/3/17</a:t>
             </a:fld>
             <a:endParaRPr lang="en-US"/>
           </a:p>
@@ -4189,7 +4195,7 @@
           <a:p>
             <a:fld id="{92E12A30-5579-354D-B65C-6775607DA9D2}" type="datetimeFigureOut">
               <a:rPr lang="en-US" smtClean="0"/>
-              <a:t>10/4/16</a:t>
+              <a:t>10/3/17</a:t>
             </a:fld>
             <a:endParaRPr lang="en-US"/>
           </a:p>
@@ -4689,15 +4695,7 @@
                   <a:srgbClr val="595959"/>
                 </a:solidFill>
               </a:rPr>
-              <a:t>400</a:t>
-            </a:r>
-            <a:r>
-              <a:rPr sz="3516" b="1" dirty="0">
-                <a:solidFill>
-                  <a:srgbClr val="595959"/>
-                </a:solidFill>
-              </a:rPr>
-              <a:t>)</a:t>
+              <a:t>400)</a:t>
             </a:r>
           </a:p>
         </p:txBody>
@@ -4712,11 +4710,11 @@
   <p:clrMapOvr>
     <a:masterClrMapping/>
   </p:clrMapOvr>
-  <mc:AlternateContent xmlns:mc="http://schemas.openxmlformats.org/markup-compatibility/2006">
-    <mc:Choice xmlns:p14="http://schemas.microsoft.com/office/powerpoint/2010/main" Requires="p14">
+  <mc:AlternateContent xmlns:mc="http://schemas.openxmlformats.org/markup-compatibility/2006" xmlns:p14="http://schemas.microsoft.com/office/powerpoint/2010/main">
+    <mc:Choice Requires="p14">
       <p:transition spd="slow" p14:dur="2000"/>
     </mc:Choice>
-    <mc:Fallback>
+    <mc:Fallback xmlns="">
       <p:transition spd="slow"/>
     </mc:Fallback>
   </mc:AlternateContent>
@@ -4724,6 +4722,584 @@
 </file>
 
 <file path=ppt/slides/slide10.xml><?xml version="1.0" encoding="utf-8"?>
+<p:sld xmlns:a="http://schemas.openxmlformats.org/drawingml/2006/main" xmlns:r="http://schemas.openxmlformats.org/officeDocument/2006/relationships" xmlns:p="http://schemas.openxmlformats.org/presentationml/2006/main">
+  <p:cSld>
+    <p:spTree>
+      <p:nvGrpSpPr>
+        <p:cNvPr id="1" name=""/>
+        <p:cNvGrpSpPr/>
+        <p:nvPr/>
+      </p:nvGrpSpPr>
+      <p:grpSpPr>
+        <a:xfrm>
+          <a:off x="0" y="0"/>
+          <a:ext cx="0" cy="0"/>
+          <a:chOff x="0" y="0"/>
+          <a:chExt cx="0" cy="0"/>
+        </a:xfrm>
+      </p:grpSpPr>
+      <p:sp>
+        <p:nvSpPr>
+          <p:cNvPr id="105" name="Shape 105"/>
+          <p:cNvSpPr>
+            <a:spLocks noGrp="1"/>
+          </p:cNvSpPr>
+          <p:nvPr>
+            <p:ph type="title"/>
+          </p:nvPr>
+        </p:nvSpPr>
+        <p:spPr>
+          <a:xfrm>
+            <a:off x="1973262" y="260350"/>
+            <a:ext cx="8227194" cy="792164"/>
+          </a:xfrm>
+          <a:prstGeom prst="rect">
+            <a:avLst/>
+          </a:prstGeom>
+        </p:spPr>
+        <p:txBody>
+          <a:bodyPr>
+            <a:normAutofit/>
+          </a:bodyPr>
+          <a:lstStyle>
+            <a:lvl1pPr algn="ctr">
+              <a:defRPr sz="5000">
+                <a:solidFill>
+                  <a:srgbClr val="000000"/>
+                </a:solidFill>
+              </a:defRPr>
+            </a:lvl1pPr>
+          </a:lstStyle>
+          <a:p>
+            <a:pPr lvl="0">
+              <a:defRPr sz="1800" b="0"/>
+            </a:pPr>
+            <a:r>
+              <a:rPr sz="3516" b="1"/>
+              <a:t>HTML Comment</a:t>
+            </a:r>
+          </a:p>
+        </p:txBody>
+      </p:sp>
+      <p:sp>
+        <p:nvSpPr>
+          <p:cNvPr id="106" name="Shape 106"/>
+          <p:cNvSpPr/>
+          <p:nvPr/>
+        </p:nvSpPr>
+        <p:spPr>
+          <a:xfrm>
+            <a:off x="1774825" y="1125538"/>
+            <a:ext cx="8893176" cy="4269117"/>
+          </a:xfrm>
+          <a:prstGeom prst="rect">
+            <a:avLst/>
+          </a:prstGeom>
+          <a:ln w="12700">
+            <a:miter lim="400000"/>
+          </a:ln>
+          <a:extLst>
+            <a:ext uri="{C572A759-6A51-4108-AA02-DFA0A04FC94B}">
+              <ma14:wrappingTextBoxFlag xmlns:ma14="http://schemas.microsoft.com/office/mac/drawingml/2011/main" val="1"/>
+            </a:ext>
+          </a:extLst>
+        </p:spPr>
+        <p:txBody>
+          <a:bodyPr lIns="0" tIns="0" rIns="0" bIns="0">
+            <a:spAutoFit/>
+          </a:bodyPr>
+          <a:lstStyle/>
+          <a:p>
+            <a:pPr marL="187517" indent="-187517" defTabSz="642915">
+              <a:spcBef>
+                <a:spcPts val="844"/>
+              </a:spcBef>
+              <a:tabLst>
+                <a:tab pos="80364" algn="l"/>
+              </a:tabLst>
+              <a:defRPr sz="1800"/>
+            </a:pPr>
+            <a:r>
+              <a:rPr sz="3375">
+                <a:solidFill>
+                  <a:srgbClr val="C00000"/>
+                </a:solidFill>
+                <a:latin typeface="Consolas"/>
+                <a:ea typeface="Consolas"/>
+                <a:cs typeface="Consolas"/>
+                <a:sym typeface="Consolas"/>
+              </a:rPr>
+              <a:t>&lt;!--</a:t>
+            </a:r>
+            <a:r>
+              <a:rPr sz="3375">
+                <a:latin typeface="Consolas"/>
+                <a:ea typeface="Consolas"/>
+                <a:cs typeface="Consolas"/>
+                <a:sym typeface="Consolas"/>
+              </a:rPr>
+              <a:t> </a:t>
+            </a:r>
+            <a:r>
+              <a:rPr sz="3375" i="1">
+                <a:solidFill>
+                  <a:srgbClr val="808080"/>
+                </a:solidFill>
+                <a:latin typeface="Consolas"/>
+                <a:ea typeface="Consolas"/>
+                <a:cs typeface="Consolas"/>
+                <a:sym typeface="Consolas"/>
+              </a:rPr>
+              <a:t>This is a comment </a:t>
+            </a:r>
+            <a:r>
+              <a:rPr sz="3375">
+                <a:solidFill>
+                  <a:srgbClr val="C00000"/>
+                </a:solidFill>
+                <a:latin typeface="Consolas"/>
+                <a:ea typeface="Consolas"/>
+                <a:cs typeface="Consolas"/>
+                <a:sym typeface="Consolas"/>
+              </a:rPr>
+              <a:t>--&gt;</a:t>
+            </a:r>
+            <a:endParaRPr sz="2391">
+              <a:latin typeface="Arial"/>
+              <a:ea typeface="Arial"/>
+              <a:cs typeface="Arial"/>
+              <a:sym typeface="Arial"/>
+            </a:endParaRPr>
+          </a:p>
+          <a:p>
+            <a:pPr marL="343781" indent="-343781" defTabSz="642915">
+              <a:spcBef>
+                <a:spcPts val="1266"/>
+              </a:spcBef>
+              <a:buClr>
+                <a:srgbClr val="C00000"/>
+              </a:buClr>
+              <a:buSzPct val="80000"/>
+              <a:buFont typeface="Arial"/>
+              <a:buChar char="•"/>
+              <a:tabLst>
+                <a:tab pos="80364" algn="l"/>
+              </a:tabLst>
+              <a:defRPr sz="1800"/>
+            </a:pPr>
+            <a:r>
+              <a:rPr sz="3094">
+                <a:latin typeface="Times New Roman"/>
+                <a:ea typeface="Times New Roman"/>
+                <a:cs typeface="Times New Roman"/>
+                <a:sym typeface="Times New Roman"/>
+              </a:rPr>
+              <a:t>Add comments for the purpose of making the source code easier to understand</a:t>
+            </a:r>
+            <a:endParaRPr sz="3094">
+              <a:latin typeface="Arial"/>
+              <a:ea typeface="Arial"/>
+              <a:cs typeface="Arial"/>
+              <a:sym typeface="Arial"/>
+            </a:endParaRPr>
+          </a:p>
+          <a:p>
+            <a:pPr marL="343781" indent="-343781" defTabSz="642915">
+              <a:spcBef>
+                <a:spcPts val="844"/>
+              </a:spcBef>
+              <a:buClr>
+                <a:srgbClr val="C00000"/>
+              </a:buClr>
+              <a:buSzPct val="80000"/>
+              <a:buFont typeface="Arial"/>
+              <a:buChar char="•"/>
+              <a:tabLst>
+                <a:tab pos="80364" algn="l"/>
+              </a:tabLst>
+              <a:defRPr sz="1800"/>
+            </a:pPr>
+            <a:r>
+              <a:rPr sz="3094">
+                <a:latin typeface="Times New Roman"/>
+                <a:ea typeface="Times New Roman"/>
+                <a:cs typeface="Times New Roman"/>
+                <a:sym typeface="Times New Roman"/>
+              </a:rPr>
+              <a:t>Comments are not displayed in the browsers</a:t>
+            </a:r>
+            <a:endParaRPr sz="3094">
+              <a:latin typeface="Arial"/>
+              <a:ea typeface="Arial"/>
+              <a:cs typeface="Arial"/>
+              <a:sym typeface="Arial"/>
+            </a:endParaRPr>
+          </a:p>
+          <a:p>
+            <a:pPr marL="343781" indent="-343781" defTabSz="642915">
+              <a:spcBef>
+                <a:spcPts val="844"/>
+              </a:spcBef>
+              <a:buClr>
+                <a:srgbClr val="C00000"/>
+              </a:buClr>
+              <a:buSzPct val="80000"/>
+              <a:buFont typeface="Arial"/>
+              <a:buChar char="•"/>
+              <a:tabLst>
+                <a:tab pos="80364" algn="l"/>
+              </a:tabLst>
+              <a:defRPr sz="1800"/>
+            </a:pPr>
+            <a:r>
+              <a:rPr sz="3094">
+                <a:latin typeface="Times New Roman"/>
+                <a:ea typeface="Times New Roman"/>
+                <a:cs typeface="Times New Roman"/>
+                <a:sym typeface="Times New Roman"/>
+              </a:rPr>
+              <a:t>It is also a good practice to "hide" scripts from browsers without support for it</a:t>
+            </a:r>
+            <a:endParaRPr sz="3094">
+              <a:latin typeface="Arial"/>
+              <a:ea typeface="Arial"/>
+              <a:cs typeface="Arial"/>
+              <a:sym typeface="Arial"/>
+            </a:endParaRPr>
+          </a:p>
+          <a:p>
+            <a:pPr marL="375034" indent="-375034" defTabSz="642915">
+              <a:lnSpc>
+                <a:spcPct val="150000"/>
+              </a:lnSpc>
+              <a:spcBef>
+                <a:spcPts val="1687"/>
+              </a:spcBef>
+              <a:buClr>
+                <a:srgbClr val="C00000"/>
+              </a:buClr>
+              <a:buSzPct val="80000"/>
+              <a:buFont typeface="Arial"/>
+              <a:buChar char="•"/>
+              <a:tabLst>
+                <a:tab pos="80364" algn="l"/>
+              </a:tabLst>
+              <a:defRPr sz="1800"/>
+            </a:pPr>
+            <a:r>
+              <a:rPr sz="3375" i="1">
+                <a:solidFill>
+                  <a:srgbClr val="C00000"/>
+                </a:solidFill>
+                <a:latin typeface="Times New Roman"/>
+                <a:ea typeface="Times New Roman"/>
+                <a:cs typeface="Times New Roman"/>
+                <a:sym typeface="Times New Roman"/>
+              </a:rPr>
+              <a:t>This will be checked in your assessment !</a:t>
+            </a:r>
+          </a:p>
+        </p:txBody>
+      </p:sp>
+    </p:spTree>
+    <p:extLst>
+      <p:ext uri="{BB962C8B-B14F-4D97-AF65-F5344CB8AC3E}">
+        <p14:creationId xmlns:p14="http://schemas.microsoft.com/office/powerpoint/2010/main" val="1732353255"/>
+      </p:ext>
+    </p:extLst>
+  </p:cSld>
+  <p:clrMapOvr>
+    <a:masterClrMapping/>
+  </p:clrMapOvr>
+  <mc:AlternateContent xmlns:mc="http://schemas.openxmlformats.org/markup-compatibility/2006" xmlns:p14="http://schemas.microsoft.com/office/powerpoint/2010/main">
+    <mc:Choice Requires="p14">
+      <p:transition spd="slow" p14:dur="2000"/>
+    </mc:Choice>
+    <mc:Fallback xmlns="">
+      <p:transition spd="slow"/>
+    </mc:Fallback>
+  </mc:AlternateContent>
+  <p:timing>
+    <p:tnLst>
+      <p:par>
+        <p:cTn id="1" dur="indefinite" restart="never" fill="hold" nodeType="tmRoot">
+          <p:childTnLst>
+            <p:seq concurrent="1" prevAc="none" nextAc="seek">
+              <p:cTn id="2" dur="indefinite" fill="hold" nodeType="mainSeq">
+                <p:childTnLst>
+                  <p:par>
+                    <p:cTn id="3" fill="hold">
+                      <p:stCondLst>
+                        <p:cond delay="indefinite"/>
+                        <p:cond evt="onBegin" delay="0">
+                          <p:tn val="2"/>
+                        </p:cond>
+                      </p:stCondLst>
+                      <p:childTnLst>
+                        <p:par>
+                          <p:cTn id="4" fill="hold">
+                            <p:stCondLst>
+                              <p:cond delay="0"/>
+                            </p:stCondLst>
+                            <p:childTnLst>
+                              <p:par>
+                                <p:cTn id="5" presetID="1" presetClass="entr" presetSubtype="0" fill="hold" grpId="0" nodeType="afterEffect">
+                                  <p:stCondLst>
+                                    <p:cond delay="0"/>
+                                  </p:stCondLst>
+                                  <p:iterate>
+                                    <p:tmAbs val="0"/>
+                                  </p:iterate>
+                                  <p:childTnLst>
+                                    <p:set>
+                                      <p:cBhvr>
+                                        <p:cTn id="6" fill="hold"/>
+                                        <p:tgtEl>
+                                          <p:spTgt spid="106">
+                                            <p:bg/>
+                                          </p:spTgt>
+                                        </p:tgtEl>
+                                        <p:attrNameLst>
+                                          <p:attrName>style.visibility</p:attrName>
+                                        </p:attrNameLst>
+                                      </p:cBhvr>
+                                      <p:to>
+                                        <p:strVal val="visible"/>
+                                      </p:to>
+                                    </p:set>
+                                  </p:childTnLst>
+                                </p:cTn>
+                              </p:par>
+                            </p:childTnLst>
+                          </p:cTn>
+                        </p:par>
+                        <p:par>
+                          <p:cTn id="7" fill="hold">
+                            <p:stCondLst>
+                              <p:cond delay="0"/>
+                            </p:stCondLst>
+                            <p:childTnLst>
+                              <p:par>
+                                <p:cTn id="8" presetID="1" presetClass="entr" presetSubtype="0" fill="hold" grpId="0" nodeType="afterEffect">
+                                  <p:stCondLst>
+                                    <p:cond delay="0"/>
+                                  </p:stCondLst>
+                                  <p:iterate>
+                                    <p:tmAbs val="0"/>
+                                  </p:iterate>
+                                  <p:childTnLst>
+                                    <p:set>
+                                      <p:cBhvr>
+                                        <p:cTn id="9" fill="hold"/>
+                                        <p:tgtEl>
+                                          <p:spTgt spid="106">
+                                            <p:txEl>
+                                              <p:pRg st="0" end="0"/>
+                                            </p:txEl>
+                                          </p:spTgt>
+                                        </p:tgtEl>
+                                        <p:attrNameLst>
+                                          <p:attrName>style.visibility</p:attrName>
+                                        </p:attrNameLst>
+                                      </p:cBhvr>
+                                      <p:to>
+                                        <p:strVal val="visible"/>
+                                      </p:to>
+                                    </p:set>
+                                  </p:childTnLst>
+                                </p:cTn>
+                              </p:par>
+                            </p:childTnLst>
+                          </p:cTn>
+                        </p:par>
+                        <p:par>
+                          <p:cTn id="10" fill="hold">
+                            <p:stCondLst>
+                              <p:cond delay="0"/>
+                            </p:stCondLst>
+                            <p:childTnLst>
+                              <p:par>
+                                <p:cTn id="11" presetID="1" presetClass="entr" presetSubtype="0" fill="hold" grpId="0" nodeType="afterEffect">
+                                  <p:stCondLst>
+                                    <p:cond delay="0"/>
+                                  </p:stCondLst>
+                                  <p:iterate>
+                                    <p:tmAbs val="0"/>
+                                  </p:iterate>
+                                  <p:childTnLst>
+                                    <p:set>
+                                      <p:cBhvr>
+                                        <p:cTn id="12" fill="hold"/>
+                                        <p:tgtEl>
+                                          <p:spTgt spid="106">
+                                            <p:txEl>
+                                              <p:pRg st="1" end="1"/>
+                                            </p:txEl>
+                                          </p:spTgt>
+                                        </p:tgtEl>
+                                        <p:attrNameLst>
+                                          <p:attrName>style.visibility</p:attrName>
+                                        </p:attrNameLst>
+                                      </p:cBhvr>
+                                      <p:to>
+                                        <p:strVal val="visible"/>
+                                      </p:to>
+                                    </p:set>
+                                  </p:childTnLst>
+                                </p:cTn>
+                              </p:par>
+                            </p:childTnLst>
+                          </p:cTn>
+                        </p:par>
+                        <p:par>
+                          <p:cTn id="13" fill="hold">
+                            <p:stCondLst>
+                              <p:cond delay="0"/>
+                            </p:stCondLst>
+                            <p:childTnLst>
+                              <p:par>
+                                <p:cTn id="14" presetID="1" presetClass="entr" presetSubtype="0" fill="hold" grpId="0" nodeType="afterEffect">
+                                  <p:stCondLst>
+                                    <p:cond delay="0"/>
+                                  </p:stCondLst>
+                                  <p:iterate>
+                                    <p:tmAbs val="0"/>
+                                  </p:iterate>
+                                  <p:childTnLst>
+                                    <p:set>
+                                      <p:cBhvr>
+                                        <p:cTn id="15" fill="hold"/>
+                                        <p:tgtEl>
+                                          <p:spTgt spid="106">
+                                            <p:txEl>
+                                              <p:pRg st="2" end="2"/>
+                                            </p:txEl>
+                                          </p:spTgt>
+                                        </p:tgtEl>
+                                        <p:attrNameLst>
+                                          <p:attrName>style.visibility</p:attrName>
+                                        </p:attrNameLst>
+                                      </p:cBhvr>
+                                      <p:to>
+                                        <p:strVal val="visible"/>
+                                      </p:to>
+                                    </p:set>
+                                  </p:childTnLst>
+                                </p:cTn>
+                              </p:par>
+                            </p:childTnLst>
+                          </p:cTn>
+                        </p:par>
+                        <p:par>
+                          <p:cTn id="16" fill="hold">
+                            <p:stCondLst>
+                              <p:cond delay="0"/>
+                            </p:stCondLst>
+                            <p:childTnLst>
+                              <p:par>
+                                <p:cTn id="17" presetID="1" presetClass="entr" presetSubtype="0" fill="hold" grpId="0" nodeType="afterEffect">
+                                  <p:stCondLst>
+                                    <p:cond delay="0"/>
+                                  </p:stCondLst>
+                                  <p:iterate>
+                                    <p:tmAbs val="0"/>
+                                  </p:iterate>
+                                  <p:childTnLst>
+                                    <p:set>
+                                      <p:cBhvr>
+                                        <p:cTn id="18" fill="hold"/>
+                                        <p:tgtEl>
+                                          <p:spTgt spid="106">
+                                            <p:txEl>
+                                              <p:pRg st="3" end="3"/>
+                                            </p:txEl>
+                                          </p:spTgt>
+                                        </p:tgtEl>
+                                        <p:attrNameLst>
+                                          <p:attrName>style.visibility</p:attrName>
+                                        </p:attrNameLst>
+                                      </p:cBhvr>
+                                      <p:to>
+                                        <p:strVal val="visible"/>
+                                      </p:to>
+                                    </p:set>
+                                  </p:childTnLst>
+                                </p:cTn>
+                              </p:par>
+                            </p:childTnLst>
+                          </p:cTn>
+                        </p:par>
+                        <p:par>
+                          <p:cTn id="19" fill="hold">
+                            <p:stCondLst>
+                              <p:cond delay="0"/>
+                            </p:stCondLst>
+                            <p:childTnLst>
+                              <p:par>
+                                <p:cTn id="20" presetID="1" presetClass="entr" presetSubtype="0" fill="hold" grpId="0" nodeType="afterEffect">
+                                  <p:stCondLst>
+                                    <p:cond delay="0"/>
+                                  </p:stCondLst>
+                                  <p:iterate>
+                                    <p:tmAbs val="0"/>
+                                  </p:iterate>
+                                  <p:childTnLst>
+                                    <p:set>
+                                      <p:cBhvr>
+                                        <p:cTn id="21" fill="hold"/>
+                                        <p:tgtEl>
+                                          <p:spTgt spid="106">
+                                            <p:txEl>
+                                              <p:pRg st="4" end="4"/>
+                                            </p:txEl>
+                                          </p:spTgt>
+                                        </p:tgtEl>
+                                        <p:attrNameLst>
+                                          <p:attrName>style.visibility</p:attrName>
+                                        </p:attrNameLst>
+                                      </p:cBhvr>
+                                      <p:to>
+                                        <p:strVal val="visible"/>
+                                      </p:to>
+                                    </p:set>
+                                  </p:childTnLst>
+                                </p:cTn>
+                              </p:par>
+                            </p:childTnLst>
+                          </p:cTn>
+                        </p:par>
+                      </p:childTnLst>
+                    </p:cTn>
+                  </p:par>
+                </p:childTnLst>
+              </p:cTn>
+              <p:prevCondLst>
+                <p:cond evt="onPrev" delay="0">
+                  <p:tgtEl>
+                    <p:sldTgt/>
+                  </p:tgtEl>
+                </p:cond>
+              </p:prevCondLst>
+              <p:nextCondLst>
+                <p:cond evt="onNext" delay="0">
+                  <p:tgtEl>
+                    <p:sldTgt/>
+                  </p:tgtEl>
+                </p:cond>
+              </p:nextCondLst>
+            </p:seq>
+          </p:childTnLst>
+        </p:cTn>
+      </p:par>
+    </p:tnLst>
+    <p:bldLst>
+      <p:bldP spid="106" grpId="0" build="p" bldLvl="5" animBg="1" advAuto="0"/>
+    </p:bldLst>
+  </p:timing>
+</p:sld>
+</file>
+
+<file path=ppt/slides/slide11.xml><?xml version="1.0" encoding="utf-8"?>
 <p:sld xmlns:a="http://schemas.openxmlformats.org/drawingml/2006/main" xmlns:r="http://schemas.openxmlformats.org/officeDocument/2006/relationships" xmlns:p="http://schemas.openxmlformats.org/presentationml/2006/main">
   <p:cSld>
     <p:spTree>
@@ -6151,11 +6727,11 @@
   <p:clrMapOvr>
     <a:masterClrMapping/>
   </p:clrMapOvr>
-  <mc:AlternateContent xmlns:mc="http://schemas.openxmlformats.org/markup-compatibility/2006">
-    <mc:Choice xmlns:p14="http://schemas.microsoft.com/office/powerpoint/2010/main" Requires="p14">
+  <mc:AlternateContent xmlns:mc="http://schemas.openxmlformats.org/markup-compatibility/2006" xmlns:p14="http://schemas.microsoft.com/office/powerpoint/2010/main">
+    <mc:Choice Requires="p14">
       <p:transition spd="slow" p14:dur="2000"/>
     </mc:Choice>
-    <mc:Fallback>
+    <mc:Fallback xmlns="">
       <p:transition spd="slow"/>
     </mc:Fallback>
   </mc:AlternateContent>
@@ -6338,7 +6914,7 @@
 </p:sld>
 </file>
 
-<file path=ppt/slides/slide11.xml><?xml version="1.0" encoding="utf-8"?>
+<file path=ppt/slides/slide12.xml><?xml version="1.0" encoding="utf-8"?>
 <p:sld xmlns:a="http://schemas.openxmlformats.org/drawingml/2006/main" xmlns:r="http://schemas.openxmlformats.org/officeDocument/2006/relationships" xmlns:p="http://schemas.openxmlformats.org/presentationml/2006/main">
   <p:cSld>
     <p:spTree>
@@ -6804,18 +7380,18 @@
   <p:clrMapOvr>
     <a:masterClrMapping/>
   </p:clrMapOvr>
-  <mc:AlternateContent xmlns:mc="http://schemas.openxmlformats.org/markup-compatibility/2006">
-    <mc:Choice xmlns:p14="http://schemas.microsoft.com/office/powerpoint/2010/main" Requires="p14">
+  <mc:AlternateContent xmlns:mc="http://schemas.openxmlformats.org/markup-compatibility/2006" xmlns:p14="http://schemas.microsoft.com/office/powerpoint/2010/main">
+    <mc:Choice Requires="p14">
       <p:transition spd="slow" p14:dur="2000"/>
     </mc:Choice>
-    <mc:Fallback>
+    <mc:Fallback xmlns="">
       <p:transition spd="slow"/>
     </mc:Fallback>
   </mc:AlternateContent>
 </p:sld>
 </file>
 
-<file path=ppt/slides/slide12.xml><?xml version="1.0" encoding="utf-8"?>
+<file path=ppt/slides/slide13.xml><?xml version="1.0" encoding="utf-8"?>
 <p:sld xmlns:a="http://schemas.openxmlformats.org/drawingml/2006/main" xmlns:r="http://schemas.openxmlformats.org/officeDocument/2006/relationships" xmlns:p="http://schemas.openxmlformats.org/presentationml/2006/main">
   <p:cSld>
     <p:spTree>
@@ -7166,18 +7742,18 @@
   <p:clrMapOvr>
     <a:masterClrMapping/>
   </p:clrMapOvr>
-  <mc:AlternateContent xmlns:mc="http://schemas.openxmlformats.org/markup-compatibility/2006">
-    <mc:Choice xmlns:p14="http://schemas.microsoft.com/office/powerpoint/2010/main" Requires="p14">
+  <mc:AlternateContent xmlns:mc="http://schemas.openxmlformats.org/markup-compatibility/2006" xmlns:p14="http://schemas.microsoft.com/office/powerpoint/2010/main">
+    <mc:Choice Requires="p14">
       <p:transition spd="slow" p14:dur="2000"/>
     </mc:Choice>
-    <mc:Fallback>
+    <mc:Fallback xmlns="">
       <p:transition spd="slow"/>
     </mc:Fallback>
   </mc:AlternateContent>
 </p:sld>
 </file>
 
-<file path=ppt/slides/slide13.xml><?xml version="1.0" encoding="utf-8"?>
+<file path=ppt/slides/slide14.xml><?xml version="1.0" encoding="utf-8"?>
 <p:sld xmlns:a="http://schemas.openxmlformats.org/drawingml/2006/main" xmlns:r="http://schemas.openxmlformats.org/officeDocument/2006/relationships" xmlns:p="http://schemas.openxmlformats.org/presentationml/2006/main">
   <p:cSld>
     <p:spTree>
@@ -7819,18 +8395,18 @@
   <p:clrMapOvr>
     <a:masterClrMapping/>
   </p:clrMapOvr>
-  <mc:AlternateContent xmlns:mc="http://schemas.openxmlformats.org/markup-compatibility/2006">
-    <mc:Choice xmlns:p14="http://schemas.microsoft.com/office/powerpoint/2010/main" Requires="p14">
+  <mc:AlternateContent xmlns:mc="http://schemas.openxmlformats.org/markup-compatibility/2006" xmlns:p14="http://schemas.microsoft.com/office/powerpoint/2010/main">
+    <mc:Choice Requires="p14">
       <p:transition spd="slow" p14:dur="2000"/>
     </mc:Choice>
-    <mc:Fallback>
+    <mc:Fallback xmlns="">
       <p:transition spd="slow"/>
     </mc:Fallback>
   </mc:AlternateContent>
 </p:sld>
 </file>
 
-<file path=ppt/slides/slide14.xml><?xml version="1.0" encoding="utf-8"?>
+<file path=ppt/slides/slide15.xml><?xml version="1.0" encoding="utf-8"?>
 <p:sld xmlns:a="http://schemas.openxmlformats.org/drawingml/2006/main" xmlns:r="http://schemas.openxmlformats.org/officeDocument/2006/relationships" xmlns:p="http://schemas.openxmlformats.org/presentationml/2006/main">
   <p:cSld>
     <p:spTree>
@@ -8056,18 +8632,18 @@
   <p:clrMapOvr>
     <a:masterClrMapping/>
   </p:clrMapOvr>
-  <mc:AlternateContent xmlns:mc="http://schemas.openxmlformats.org/markup-compatibility/2006">
-    <mc:Choice xmlns:p14="http://schemas.microsoft.com/office/powerpoint/2010/main" Requires="p14">
+  <mc:AlternateContent xmlns:mc="http://schemas.openxmlformats.org/markup-compatibility/2006" xmlns:p14="http://schemas.microsoft.com/office/powerpoint/2010/main">
+    <mc:Choice Requires="p14">
       <p:transition spd="slow" p14:dur="2000"/>
     </mc:Choice>
-    <mc:Fallback>
+    <mc:Fallback xmlns="">
       <p:transition spd="slow"/>
     </mc:Fallback>
   </mc:AlternateContent>
 </p:sld>
 </file>
 
-<file path=ppt/slides/slide15.xml><?xml version="1.0" encoding="utf-8"?>
+<file path=ppt/slides/slide16.xml><?xml version="1.0" encoding="utf-8"?>
 <p:sld xmlns:a="http://schemas.openxmlformats.org/drawingml/2006/main" xmlns:r="http://schemas.openxmlformats.org/officeDocument/2006/relationships" xmlns:p="http://schemas.openxmlformats.org/presentationml/2006/main">
   <p:cSld>
     <p:spTree>
@@ -8187,16 +8763,7 @@
                 <a:cs typeface="Times New Roman"/>
                 <a:sym typeface="Times New Roman"/>
               </a:rPr>
-              <a:t>We </a:t>
-            </a:r>
-            <a:r>
-              <a:rPr sz="3234" dirty="0">
-                <a:latin typeface="Times New Roman"/>
-                <a:ea typeface="Times New Roman"/>
-                <a:cs typeface="Times New Roman"/>
-                <a:sym typeface="Times New Roman"/>
-              </a:rPr>
-              <a:t>need to write valid W3C HTML</a:t>
+              <a:t>We need to write valid W3C HTML</a:t>
             </a:r>
           </a:p>
           <a:p>
@@ -8309,18 +8876,18 @@
   <p:clrMapOvr>
     <a:masterClrMapping/>
   </p:clrMapOvr>
-  <mc:AlternateContent xmlns:mc="http://schemas.openxmlformats.org/markup-compatibility/2006">
-    <mc:Choice xmlns:p14="http://schemas.microsoft.com/office/powerpoint/2010/main" Requires="p14">
+  <mc:AlternateContent xmlns:mc="http://schemas.openxmlformats.org/markup-compatibility/2006" xmlns:p14="http://schemas.microsoft.com/office/powerpoint/2010/main">
+    <mc:Choice Requires="p14">
       <p:transition spd="slow" p14:dur="2000"/>
     </mc:Choice>
-    <mc:Fallback>
+    <mc:Fallback xmlns="">
       <p:transition spd="slow"/>
     </mc:Fallback>
   </mc:AlternateContent>
 </p:sld>
 </file>
 
-<file path=ppt/slides/slide16.xml><?xml version="1.0" encoding="utf-8"?>
+<file path=ppt/slides/slide17.xml><?xml version="1.0" encoding="utf-8"?>
 <p:sld xmlns:a="http://schemas.openxmlformats.org/drawingml/2006/main" xmlns:r="http://schemas.openxmlformats.org/officeDocument/2006/relationships" xmlns:p="http://schemas.openxmlformats.org/presentationml/2006/main">
   <p:cSld>
     <p:spTree>
@@ -8562,18 +9129,18 @@
   <p:clrMapOvr>
     <a:masterClrMapping/>
   </p:clrMapOvr>
-  <mc:AlternateContent xmlns:mc="http://schemas.openxmlformats.org/markup-compatibility/2006">
-    <mc:Choice xmlns:p14="http://schemas.microsoft.com/office/powerpoint/2010/main" Requires="p14">
+  <mc:AlternateContent xmlns:mc="http://schemas.openxmlformats.org/markup-compatibility/2006" xmlns:p14="http://schemas.microsoft.com/office/powerpoint/2010/main">
+    <mc:Choice Requires="p14">
       <p:transition spd="slow" p14:dur="2000"/>
     </mc:Choice>
-    <mc:Fallback>
+    <mc:Fallback xmlns="">
       <p:transition spd="slow"/>
     </mc:Fallback>
   </mc:AlternateContent>
 </p:sld>
 </file>
 
-<file path=ppt/slides/slide17.xml><?xml version="1.0" encoding="utf-8"?>
+<file path=ppt/slides/slide18.xml><?xml version="1.0" encoding="utf-8"?>
 <p:sld xmlns:a="http://schemas.openxmlformats.org/drawingml/2006/main" xmlns:r="http://schemas.openxmlformats.org/officeDocument/2006/relationships" xmlns:p="http://schemas.openxmlformats.org/presentationml/2006/main">
   <p:cSld>
     <p:spTree>
@@ -8894,18 +9461,18 @@
   <p:clrMapOvr>
     <a:masterClrMapping/>
   </p:clrMapOvr>
-  <mc:AlternateContent xmlns:mc="http://schemas.openxmlformats.org/markup-compatibility/2006">
-    <mc:Choice xmlns:p14="http://schemas.microsoft.com/office/powerpoint/2010/main" Requires="p14">
+  <mc:AlternateContent xmlns:mc="http://schemas.openxmlformats.org/markup-compatibility/2006" xmlns:p14="http://schemas.microsoft.com/office/powerpoint/2010/main">
+    <mc:Choice Requires="p14">
       <p:transition spd="slow" p14:dur="2000"/>
     </mc:Choice>
-    <mc:Fallback>
+    <mc:Fallback xmlns="">
       <p:transition spd="slow"/>
     </mc:Fallback>
   </mc:AlternateContent>
 </p:sld>
 </file>
 
-<file path=ppt/slides/slide18.xml><?xml version="1.0" encoding="utf-8"?>
+<file path=ppt/slides/slide19.xml><?xml version="1.0" encoding="utf-8"?>
 <p:sld xmlns:a="http://schemas.openxmlformats.org/drawingml/2006/main" xmlns:r="http://schemas.openxmlformats.org/officeDocument/2006/relationships" xmlns:p="http://schemas.openxmlformats.org/presentationml/2006/main">
   <p:cSld>
     <p:spTree>
@@ -9860,11 +10427,11 @@
   <p:clrMapOvr>
     <a:masterClrMapping/>
   </p:clrMapOvr>
-  <mc:AlternateContent xmlns:mc="http://schemas.openxmlformats.org/markup-compatibility/2006">
-    <mc:Choice xmlns:p14="http://schemas.microsoft.com/office/powerpoint/2010/main" Requires="p14">
+  <mc:AlternateContent xmlns:mc="http://schemas.openxmlformats.org/markup-compatibility/2006" xmlns:p14="http://schemas.microsoft.com/office/powerpoint/2010/main">
+    <mc:Choice Requires="p14">
       <p:transition spd="slow" p14:dur="2000"/>
     </mc:Choice>
-    <mc:Fallback>
+    <mc:Fallback xmlns="">
       <p:transition spd="slow"/>
     </mc:Fallback>
   </mc:AlternateContent>
@@ -10092,7 +10659,313 @@
 </p:sld>
 </file>
 
-<file path=ppt/slides/slide19.xml><?xml version="1.0" encoding="utf-8"?>
+<file path=ppt/slides/slide2.xml><?xml version="1.0" encoding="utf-8"?>
+<p:sld xmlns:a="http://schemas.openxmlformats.org/drawingml/2006/main" xmlns:r="http://schemas.openxmlformats.org/officeDocument/2006/relationships" xmlns:p="http://schemas.openxmlformats.org/presentationml/2006/main">
+  <p:cSld>
+    <p:spTree>
+      <p:nvGrpSpPr>
+        <p:cNvPr id="1" name=""/>
+        <p:cNvGrpSpPr/>
+        <p:nvPr/>
+      </p:nvGrpSpPr>
+      <p:grpSpPr>
+        <a:xfrm>
+          <a:off x="0" y="0"/>
+          <a:ext cx="0" cy="0"/>
+          <a:chOff x="0" y="0"/>
+          <a:chExt cx="0" cy="0"/>
+        </a:xfrm>
+      </p:grpSpPr>
+      <p:sp>
+        <p:nvSpPr>
+          <p:cNvPr id="57" name="Shape 57"/>
+          <p:cNvSpPr/>
+          <p:nvPr/>
+        </p:nvSpPr>
+        <p:spPr>
+          <a:xfrm>
+            <a:off x="2024062" y="476597"/>
+            <a:ext cx="8443913" cy="1082027"/>
+          </a:xfrm>
+          <a:prstGeom prst="rect">
+            <a:avLst/>
+          </a:prstGeom>
+          <a:ln w="12700">
+            <a:miter lim="400000"/>
+          </a:ln>
+          <a:extLst>
+            <a:ext uri="{C572A759-6A51-4108-AA02-DFA0A04FC94B}">
+              <ma14:wrappingTextBoxFlag xmlns:ma14="http://schemas.microsoft.com/office/mac/drawingml/2011/main" val="1"/>
+            </a:ext>
+          </a:extLst>
+        </p:spPr>
+        <p:txBody>
+          <a:bodyPr lIns="0" tIns="0" rIns="0" bIns="0">
+            <a:spAutoFit/>
+          </a:bodyPr>
+          <a:lstStyle/>
+          <a:p>
+            <a:pPr defTabSz="642915">
+              <a:defRPr sz="1800"/>
+            </a:pPr>
+            <a:r>
+              <a:rPr sz="4359" b="1" dirty="0">
+                <a:solidFill>
+                  <a:srgbClr val="C00000"/>
+                </a:solidFill>
+                <a:latin typeface="Trebuchet MS"/>
+                <a:ea typeface="Trebuchet MS"/>
+                <a:cs typeface="Trebuchet MS"/>
+                <a:sym typeface="Trebuchet MS"/>
+              </a:rPr>
+              <a:t>Internet Technology</a:t>
+            </a:r>
+            <a:br>
+              <a:rPr sz="4359" b="1" dirty="0">
+                <a:solidFill>
+                  <a:srgbClr val="C00000"/>
+                </a:solidFill>
+                <a:latin typeface="Trebuchet MS"/>
+                <a:ea typeface="Trebuchet MS"/>
+                <a:cs typeface="Trebuchet MS"/>
+                <a:sym typeface="Trebuchet MS"/>
+              </a:rPr>
+            </a:br>
+            <a:r>
+              <a:rPr sz="2672" b="1" dirty="0">
+                <a:solidFill>
+                  <a:srgbClr val="595959"/>
+                </a:solidFill>
+                <a:latin typeface="Trebuchet MS"/>
+                <a:ea typeface="Trebuchet MS"/>
+                <a:cs typeface="Trebuchet MS"/>
+                <a:sym typeface="Trebuchet MS"/>
+              </a:rPr>
+              <a:t>(week 2)</a:t>
+            </a:r>
+          </a:p>
+        </p:txBody>
+      </p:sp>
+      <p:sp>
+        <p:nvSpPr>
+          <p:cNvPr id="58" name="Shape 58"/>
+          <p:cNvSpPr/>
+          <p:nvPr/>
+        </p:nvSpPr>
+        <p:spPr>
+          <a:xfrm>
+            <a:off x="2138363" y="1778347"/>
+            <a:ext cx="8215312" cy="3109441"/>
+          </a:xfrm>
+          <a:prstGeom prst="rect">
+            <a:avLst/>
+          </a:prstGeom>
+          <a:ln w="12700">
+            <a:miter lim="400000"/>
+          </a:ln>
+          <a:extLst>
+            <a:ext uri="{C572A759-6A51-4108-AA02-DFA0A04FC94B}">
+              <ma14:wrappingTextBoxFlag xmlns:ma14="http://schemas.microsoft.com/office/mac/drawingml/2011/main" val="1"/>
+            </a:ext>
+          </a:extLst>
+        </p:spPr>
+        <p:txBody>
+          <a:bodyPr lIns="0" tIns="0" rIns="0" bIns="0">
+            <a:spAutoFit/>
+          </a:bodyPr>
+          <a:lstStyle/>
+          <a:p>
+            <a:pPr marL="922515" indent="-922515" defTabSz="642915">
+              <a:spcBef>
+                <a:spcPts val="844"/>
+              </a:spcBef>
+              <a:buClr>
+                <a:srgbClr val="C00000"/>
+              </a:buClr>
+              <a:buSzPct val="80000"/>
+              <a:buFont typeface="Wingdings"/>
+              <a:buChar char="➢"/>
+              <a:tabLst>
+                <a:tab pos="80364" algn="l"/>
+              </a:tabLst>
+              <a:defRPr sz="1800"/>
+            </a:pPr>
+            <a:r>
+              <a:rPr sz="2812" dirty="0">
+                <a:latin typeface="Times New Roman"/>
+                <a:ea typeface="Times New Roman"/>
+                <a:cs typeface="Times New Roman"/>
+                <a:sym typeface="Times New Roman"/>
+              </a:rPr>
+              <a:t>Recap of week 1</a:t>
+            </a:r>
+          </a:p>
+          <a:p>
+            <a:pPr marL="922515" indent="-922515" defTabSz="642915">
+              <a:spcBef>
+                <a:spcPts val="844"/>
+              </a:spcBef>
+              <a:buClr>
+                <a:srgbClr val="C00000"/>
+              </a:buClr>
+              <a:buSzPct val="80000"/>
+              <a:buFont typeface="Wingdings"/>
+              <a:buChar char="➢"/>
+              <a:tabLst>
+                <a:tab pos="80364" algn="l"/>
+              </a:tabLst>
+              <a:defRPr sz="1800"/>
+            </a:pPr>
+            <a:r>
+              <a:rPr lang="en-GB" sz="2812" dirty="0">
+                <a:latin typeface="Times New Roman"/>
+                <a:ea typeface="Times New Roman"/>
+                <a:cs typeface="Times New Roman"/>
+                <a:sym typeface="Times New Roman"/>
+              </a:rPr>
+              <a:t>HTML5 Template</a:t>
+            </a:r>
+          </a:p>
+          <a:p>
+            <a:pPr marL="922515" indent="-922515" defTabSz="642915">
+              <a:spcBef>
+                <a:spcPts val="844"/>
+              </a:spcBef>
+              <a:buClr>
+                <a:srgbClr val="C00000"/>
+              </a:buClr>
+              <a:buSzPct val="80000"/>
+              <a:buFont typeface="Wingdings"/>
+              <a:buChar char="➢"/>
+              <a:tabLst>
+                <a:tab pos="80364" algn="l"/>
+              </a:tabLst>
+              <a:defRPr sz="1800"/>
+            </a:pPr>
+            <a:r>
+              <a:rPr lang="en-GB" sz="2812" dirty="0">
+                <a:latin typeface="Times New Roman"/>
+                <a:ea typeface="Times New Roman"/>
+                <a:cs typeface="Times New Roman"/>
+                <a:sym typeface="Times New Roman"/>
+              </a:rPr>
+              <a:t>Some New Tags</a:t>
+            </a:r>
+            <a:endParaRPr sz="2812" dirty="0">
+              <a:latin typeface="Arial"/>
+              <a:ea typeface="Arial"/>
+              <a:cs typeface="Arial"/>
+              <a:sym typeface="Arial"/>
+            </a:endParaRPr>
+          </a:p>
+          <a:p>
+            <a:pPr marL="922515" indent="-922515" defTabSz="642915">
+              <a:spcBef>
+                <a:spcPts val="844"/>
+              </a:spcBef>
+              <a:buClr>
+                <a:srgbClr val="C00000"/>
+              </a:buClr>
+              <a:buSzPct val="80000"/>
+              <a:buFont typeface="Wingdings"/>
+              <a:buChar char="➢"/>
+              <a:tabLst>
+                <a:tab pos="80364" algn="l"/>
+              </a:tabLst>
+              <a:defRPr sz="1800"/>
+            </a:pPr>
+            <a:r>
+              <a:rPr sz="2812" dirty="0">
+                <a:latin typeface="Times New Roman"/>
+                <a:ea typeface="Times New Roman"/>
+                <a:cs typeface="Times New Roman"/>
+                <a:sym typeface="Times New Roman"/>
+              </a:rPr>
+              <a:t>Web Standards</a:t>
+            </a:r>
+          </a:p>
+          <a:p>
+            <a:pPr marL="922515" indent="-922515" defTabSz="642915">
+              <a:spcBef>
+                <a:spcPts val="844"/>
+              </a:spcBef>
+              <a:buClr>
+                <a:srgbClr val="C00000"/>
+              </a:buClr>
+              <a:buSzPct val="80000"/>
+              <a:buFont typeface="Wingdings"/>
+              <a:buChar char="➢"/>
+              <a:tabLst>
+                <a:tab pos="80364" algn="l"/>
+              </a:tabLst>
+              <a:defRPr sz="1800"/>
+            </a:pPr>
+            <a:r>
+              <a:rPr sz="2812" dirty="0">
+                <a:latin typeface="Times New Roman"/>
+                <a:ea typeface="Times New Roman"/>
+                <a:cs typeface="Times New Roman"/>
+                <a:sym typeface="Times New Roman"/>
+              </a:rPr>
+              <a:t>Complete HTML table task</a:t>
+            </a:r>
+            <a:endParaRPr sz="2812" dirty="0">
+              <a:latin typeface="Arial"/>
+              <a:ea typeface="Arial"/>
+              <a:cs typeface="Arial"/>
+              <a:sym typeface="Arial"/>
+            </a:endParaRPr>
+          </a:p>
+          <a:p>
+            <a:pPr marL="922515" indent="-922515" defTabSz="642915">
+              <a:spcBef>
+                <a:spcPts val="844"/>
+              </a:spcBef>
+              <a:buClr>
+                <a:srgbClr val="C00000"/>
+              </a:buClr>
+              <a:buSzPct val="80000"/>
+              <a:buFont typeface="Wingdings"/>
+              <a:buChar char="➢"/>
+              <a:tabLst>
+                <a:tab pos="80364" algn="l"/>
+              </a:tabLst>
+              <a:defRPr sz="1800"/>
+            </a:pPr>
+            <a:r>
+              <a:rPr sz="2812" dirty="0">
+                <a:latin typeface="Times New Roman"/>
+                <a:ea typeface="Times New Roman"/>
+                <a:cs typeface="Times New Roman"/>
+                <a:sym typeface="Times New Roman"/>
+              </a:rPr>
+              <a:t>Start assessment 1 </a:t>
+            </a:r>
+          </a:p>
+        </p:txBody>
+      </p:sp>
+    </p:spTree>
+    <p:extLst>
+      <p:ext uri="{BB962C8B-B14F-4D97-AF65-F5344CB8AC3E}">
+        <p14:creationId xmlns:p14="http://schemas.microsoft.com/office/powerpoint/2010/main" val="1687456049"/>
+      </p:ext>
+    </p:extLst>
+  </p:cSld>
+  <p:clrMapOvr>
+    <a:masterClrMapping/>
+  </p:clrMapOvr>
+  <mc:AlternateContent xmlns:mc="http://schemas.openxmlformats.org/markup-compatibility/2006" xmlns:p14="http://schemas.microsoft.com/office/powerpoint/2010/main">
+    <mc:Choice Requires="p14">
+      <p:transition spd="slow" p14:dur="2000"/>
+    </mc:Choice>
+    <mc:Fallback xmlns="">
+      <p:transition spd="slow"/>
+    </mc:Fallback>
+  </mc:AlternateContent>
+</p:sld>
+</file>
+
+<file path=ppt/slides/slide20.xml><?xml version="1.0" encoding="utf-8"?>
 <p:sld xmlns:a="http://schemas.openxmlformats.org/drawingml/2006/main" xmlns:r="http://schemas.openxmlformats.org/officeDocument/2006/relationships" xmlns:p="http://schemas.openxmlformats.org/presentationml/2006/main">
   <p:cSld>
     <p:spTree>
@@ -10348,18 +11221,18 @@
   <p:clrMapOvr>
     <a:masterClrMapping/>
   </p:clrMapOvr>
-  <mc:AlternateContent xmlns:mc="http://schemas.openxmlformats.org/markup-compatibility/2006">
-    <mc:Choice xmlns:p14="http://schemas.microsoft.com/office/powerpoint/2010/main" Requires="p14">
+  <mc:AlternateContent xmlns:mc="http://schemas.openxmlformats.org/markup-compatibility/2006" xmlns:p14="http://schemas.microsoft.com/office/powerpoint/2010/main">
+    <mc:Choice Requires="p14">
       <p:transition spd="slow" p14:dur="2000"/>
     </mc:Choice>
-    <mc:Fallback>
+    <mc:Fallback xmlns="">
       <p:transition spd="slow"/>
     </mc:Fallback>
   </mc:AlternateContent>
 </p:sld>
 </file>
 
-<file path=ppt/slides/slide2.xml><?xml version="1.0" encoding="utf-8"?>
+<file path=ppt/slides/slide3.xml><?xml version="1.0" encoding="utf-8"?>
 <p:sld xmlns:a="http://schemas.openxmlformats.org/drawingml/2006/main" xmlns:r="http://schemas.openxmlformats.org/officeDocument/2006/relationships" xmlns:p="http://schemas.openxmlformats.org/presentationml/2006/main">
   <p:cSld>
     <p:spTree>
@@ -10378,38 +11251,21 @@
       </p:grpSpPr>
       <p:sp>
         <p:nvSpPr>
-          <p:cNvPr id="57" name="Shape 57"/>
-          <p:cNvSpPr/>
-          <p:nvPr/>
+          <p:cNvPr id="2" name="Title 1"/>
+          <p:cNvSpPr>
+            <a:spLocks noGrp="1"/>
+          </p:cNvSpPr>
+          <p:nvPr>
+            <p:ph type="title"/>
+          </p:nvPr>
         </p:nvSpPr>
-        <p:spPr>
-          <a:xfrm>
-            <a:off x="2024062" y="476597"/>
-            <a:ext cx="8443913" cy="1082027"/>
-          </a:xfrm>
-          <a:prstGeom prst="rect">
-            <a:avLst/>
-          </a:prstGeom>
-          <a:ln w="12700">
-            <a:miter lim="400000"/>
-          </a:ln>
-          <a:extLst>
-            <a:ext uri="{C572A759-6A51-4108-AA02-DFA0A04FC94B}">
-              <ma14:wrappingTextBoxFlag xmlns:ma14="http://schemas.microsoft.com/office/mac/drawingml/2011/main" val="1"/>
-            </a:ext>
-          </a:extLst>
-        </p:spPr>
+        <p:spPr/>
         <p:txBody>
-          <a:bodyPr lIns="0" tIns="0" rIns="0" bIns="0">
-            <a:spAutoFit/>
-          </a:bodyPr>
+          <a:bodyPr/>
           <a:lstStyle/>
           <a:p>
-            <a:pPr defTabSz="642915">
-              <a:defRPr sz="1800"/>
-            </a:pPr>
-            <a:r>
-              <a:rPr sz="4359" b="1">
+            <a:r>
+              <a:rPr lang="en-US" b="1" dirty="0" smtClean="0">
                 <a:solidFill>
                   <a:srgbClr val="C00000"/>
                 </a:solidFill>
@@ -10418,254 +11274,67 @@
                 <a:cs typeface="Trebuchet MS"/>
                 <a:sym typeface="Trebuchet MS"/>
               </a:rPr>
-              <a:t>Internet Technology</a:t>
-            </a:r>
-            <a:br>
-              <a:rPr sz="4359" b="1">
-                <a:solidFill>
-                  <a:srgbClr val="C00000"/>
-                </a:solidFill>
-                <a:latin typeface="Trebuchet MS"/>
-                <a:ea typeface="Trebuchet MS"/>
-                <a:cs typeface="Trebuchet MS"/>
-                <a:sym typeface="Trebuchet MS"/>
-              </a:rPr>
-            </a:br>
-            <a:r>
-              <a:rPr sz="2672" b="1">
-                <a:solidFill>
-                  <a:srgbClr val="595959"/>
-                </a:solidFill>
-                <a:latin typeface="Trebuchet MS"/>
-                <a:ea typeface="Trebuchet MS"/>
-                <a:cs typeface="Trebuchet MS"/>
-                <a:sym typeface="Trebuchet MS"/>
-              </a:rPr>
-              <a:t>(week 2)</a:t>
-            </a:r>
+              <a:t>Tech News</a:t>
+            </a:r>
+            <a:endParaRPr lang="en-US" dirty="0"/>
           </a:p>
         </p:txBody>
       </p:sp>
       <p:sp>
         <p:nvSpPr>
-          <p:cNvPr id="58" name="Shape 58"/>
-          <p:cNvSpPr/>
-          <p:nvPr/>
+          <p:cNvPr id="3" name="Content Placeholder 2"/>
+          <p:cNvSpPr>
+            <a:spLocks noGrp="1"/>
+          </p:cNvSpPr>
+          <p:nvPr>
+            <p:ph idx="1"/>
+          </p:nvPr>
         </p:nvSpPr>
-        <p:spPr>
-          <a:xfrm>
-            <a:off x="2138363" y="1778347"/>
-            <a:ext cx="8215312" cy="3109441"/>
-          </a:xfrm>
-          <a:prstGeom prst="rect">
-            <a:avLst/>
-          </a:prstGeom>
-          <a:ln w="12700">
-            <a:miter lim="400000"/>
-          </a:ln>
-          <a:extLst>
-            <a:ext uri="{C572A759-6A51-4108-AA02-DFA0A04FC94B}">
-              <ma14:wrappingTextBoxFlag xmlns:ma14="http://schemas.microsoft.com/office/mac/drawingml/2011/main" val="1"/>
-            </a:ext>
-          </a:extLst>
-        </p:spPr>
+        <p:spPr/>
         <p:txBody>
-          <a:bodyPr lIns="0" tIns="0" rIns="0" bIns="0">
-            <a:spAutoFit/>
-          </a:bodyPr>
+          <a:bodyPr/>
           <a:lstStyle/>
           <a:p>
-            <a:pPr marL="922515" indent="-922515" defTabSz="642915">
-              <a:spcBef>
-                <a:spcPts val="844"/>
-              </a:spcBef>
-              <a:buClr>
-                <a:srgbClr val="C00000"/>
-              </a:buClr>
-              <a:buSzPct val="80000"/>
-              <a:buFont typeface="Wingdings"/>
-              <a:buChar char="➢"/>
-              <a:tabLst>
-                <a:tab pos="80364" algn="l"/>
-              </a:tabLst>
-              <a:defRPr sz="1800"/>
-            </a:pPr>
-            <a:r>
-              <a:rPr sz="2812" dirty="0">
-                <a:latin typeface="Times New Roman"/>
-                <a:ea typeface="Times New Roman"/>
-                <a:cs typeface="Times New Roman"/>
-                <a:sym typeface="Times New Roman"/>
-              </a:rPr>
-              <a:t>Recap of week 1</a:t>
-            </a:r>
-          </a:p>
-          <a:p>
-            <a:pPr marL="922515" indent="-922515" defTabSz="642915">
-              <a:spcBef>
-                <a:spcPts val="844"/>
-              </a:spcBef>
-              <a:buClr>
-                <a:srgbClr val="C00000"/>
-              </a:buClr>
-              <a:buSzPct val="80000"/>
-              <a:buFont typeface="Wingdings"/>
-              <a:buChar char="➢"/>
-              <a:tabLst>
-                <a:tab pos="80364" algn="l"/>
-              </a:tabLst>
-              <a:defRPr sz="1800"/>
-            </a:pPr>
-            <a:r>
-              <a:rPr lang="en-GB" sz="2812" dirty="0">
-                <a:latin typeface="Times New Roman"/>
-                <a:ea typeface="Times New Roman"/>
-                <a:cs typeface="Times New Roman"/>
-                <a:sym typeface="Times New Roman"/>
-              </a:rPr>
-              <a:t>HTML5 Template</a:t>
-            </a:r>
-          </a:p>
-          <a:p>
-            <a:pPr marL="922515" indent="-922515" defTabSz="642915">
-              <a:spcBef>
-                <a:spcPts val="844"/>
-              </a:spcBef>
-              <a:buClr>
-                <a:srgbClr val="C00000"/>
-              </a:buClr>
-              <a:buSzPct val="80000"/>
-              <a:buFont typeface="Wingdings"/>
-              <a:buChar char="➢"/>
-              <a:tabLst>
-                <a:tab pos="80364" algn="l"/>
-              </a:tabLst>
-              <a:defRPr sz="1800"/>
-            </a:pPr>
-            <a:r>
-              <a:rPr lang="en-GB" sz="2812" dirty="0">
-                <a:latin typeface="Times New Roman"/>
-                <a:ea typeface="Times New Roman"/>
-                <a:cs typeface="Times New Roman"/>
-                <a:sym typeface="Times New Roman"/>
-              </a:rPr>
-              <a:t>Some New Tags</a:t>
-            </a:r>
-            <a:endParaRPr sz="2812" dirty="0">
-              <a:latin typeface="Arial"/>
-              <a:ea typeface="Arial"/>
-              <a:cs typeface="Arial"/>
-              <a:sym typeface="Arial"/>
-            </a:endParaRPr>
-          </a:p>
-          <a:p>
-            <a:pPr marL="922515" indent="-922515" defTabSz="642915">
-              <a:spcBef>
-                <a:spcPts val="844"/>
-              </a:spcBef>
-              <a:buClr>
-                <a:srgbClr val="C00000"/>
-              </a:buClr>
-              <a:buSzPct val="80000"/>
-              <a:buFont typeface="Wingdings"/>
-              <a:buChar char="➢"/>
-              <a:tabLst>
-                <a:tab pos="80364" algn="l"/>
-              </a:tabLst>
-              <a:defRPr sz="1800"/>
-            </a:pPr>
-            <a:r>
-              <a:rPr sz="2812" dirty="0">
-                <a:latin typeface="Times New Roman"/>
-                <a:ea typeface="Times New Roman"/>
-                <a:cs typeface="Times New Roman"/>
-                <a:sym typeface="Times New Roman"/>
-              </a:rPr>
-              <a:t>Web Standards</a:t>
-            </a:r>
-          </a:p>
-          <a:p>
-            <a:pPr marL="922515" indent="-922515" defTabSz="642915">
-              <a:spcBef>
-                <a:spcPts val="844"/>
-              </a:spcBef>
-              <a:buClr>
-                <a:srgbClr val="C00000"/>
-              </a:buClr>
-              <a:buSzPct val="80000"/>
-              <a:buFont typeface="Wingdings"/>
-              <a:buChar char="➢"/>
-              <a:tabLst>
-                <a:tab pos="80364" algn="l"/>
-              </a:tabLst>
-              <a:defRPr sz="1800"/>
-            </a:pPr>
-            <a:r>
-              <a:rPr sz="2812" dirty="0">
-                <a:latin typeface="Times New Roman"/>
-                <a:ea typeface="Times New Roman"/>
-                <a:cs typeface="Times New Roman"/>
-                <a:sym typeface="Times New Roman"/>
-              </a:rPr>
-              <a:t>Complete HTML table task</a:t>
-            </a:r>
-            <a:endParaRPr sz="2812" dirty="0">
-              <a:latin typeface="Arial"/>
-              <a:ea typeface="Arial"/>
-              <a:cs typeface="Arial"/>
-              <a:sym typeface="Arial"/>
-            </a:endParaRPr>
-          </a:p>
-          <a:p>
-            <a:pPr marL="922515" indent="-922515" defTabSz="642915">
-              <a:spcBef>
-                <a:spcPts val="844"/>
-              </a:spcBef>
-              <a:buClr>
-                <a:srgbClr val="C00000"/>
-              </a:buClr>
-              <a:buSzPct val="80000"/>
-              <a:buFont typeface="Wingdings"/>
-              <a:buChar char="➢"/>
-              <a:tabLst>
-                <a:tab pos="80364" algn="l"/>
-              </a:tabLst>
-              <a:defRPr sz="1800"/>
-            </a:pPr>
-            <a:r>
-              <a:rPr sz="2812" dirty="0">
-                <a:latin typeface="Times New Roman"/>
-                <a:ea typeface="Times New Roman"/>
-                <a:cs typeface="Times New Roman"/>
-                <a:sym typeface="Times New Roman"/>
-              </a:rPr>
-              <a:t>Start assessment 1 </a:t>
-            </a:r>
+            <a:r>
+              <a:rPr lang="en-US" dirty="0" err="1" smtClean="0"/>
+              <a:t>Deliveroo</a:t>
+            </a:r>
+            <a:r>
+              <a:rPr lang="en-US" dirty="0" smtClean="0"/>
+              <a:t> lost £129 million (Dec 2012)</a:t>
+            </a:r>
+          </a:p>
+          <a:p>
+            <a:r>
+              <a:rPr lang="en-US" dirty="0" smtClean="0"/>
+              <a:t>Raised 275 million</a:t>
+            </a:r>
+          </a:p>
+          <a:p>
+            <a:r>
+              <a:rPr lang="en-US" dirty="0" smtClean="0"/>
+              <a:t>Revenue up 29%</a:t>
+            </a:r>
+          </a:p>
+          <a:p>
+            <a:endParaRPr lang="en-US" dirty="0"/>
           </a:p>
         </p:txBody>
       </p:sp>
     </p:spTree>
     <p:extLst>
       <p:ext uri="{BB962C8B-B14F-4D97-AF65-F5344CB8AC3E}">
-        <p14:creationId xmlns:p14="http://schemas.microsoft.com/office/powerpoint/2010/main" val="1687456049"/>
+        <p14:creationId xmlns:p14="http://schemas.microsoft.com/office/powerpoint/2010/main" val="654592179"/>
       </p:ext>
     </p:extLst>
   </p:cSld>
   <p:clrMapOvr>
     <a:masterClrMapping/>
   </p:clrMapOvr>
-  <mc:AlternateContent xmlns:mc="http://schemas.openxmlformats.org/markup-compatibility/2006">
-    <mc:Choice xmlns:p14="http://schemas.microsoft.com/office/powerpoint/2010/main" Requires="p14">
-      <p:transition spd="slow" p14:dur="2000"/>
-    </mc:Choice>
-    <mc:Fallback>
-      <p:transition spd="slow"/>
-    </mc:Fallback>
-  </mc:AlternateContent>
 </p:sld>
 </file>
 
-<file path=ppt/slides/slide3.xml><?xml version="1.0" encoding="utf-8"?>
+<file path=ppt/slides/slide4.xml><?xml version="1.0" encoding="utf-8"?>
 <p:sld xmlns:a="http://schemas.openxmlformats.org/drawingml/2006/main" xmlns:r="http://schemas.openxmlformats.org/officeDocument/2006/relationships" xmlns:p="http://schemas.openxmlformats.org/presentationml/2006/main">
   <p:cSld>
     <p:spTree>
@@ -10926,18 +11595,18 @@
   <p:clrMapOvr>
     <a:masterClrMapping/>
   </p:clrMapOvr>
-  <mc:AlternateContent xmlns:mc="http://schemas.openxmlformats.org/markup-compatibility/2006">
-    <mc:Choice xmlns:p14="http://schemas.microsoft.com/office/powerpoint/2010/main" Requires="p14">
+  <mc:AlternateContent xmlns:mc="http://schemas.openxmlformats.org/markup-compatibility/2006" xmlns:p14="http://schemas.microsoft.com/office/powerpoint/2010/main">
+    <mc:Choice Requires="p14">
       <p:transition spd="slow" p14:dur="2000"/>
     </mc:Choice>
-    <mc:Fallback>
+    <mc:Fallback xmlns="">
       <p:transition spd="slow"/>
     </mc:Fallback>
   </mc:AlternateContent>
 </p:sld>
 </file>
 
-<file path=ppt/slides/slide4.xml><?xml version="1.0" encoding="utf-8"?>
+<file path=ppt/slides/slide5.xml><?xml version="1.0" encoding="utf-8"?>
 <p:sld xmlns:a="http://schemas.openxmlformats.org/drawingml/2006/main" xmlns:r="http://schemas.openxmlformats.org/officeDocument/2006/relationships" xmlns:p="http://schemas.openxmlformats.org/presentationml/2006/main">
   <p:cSld>
     <p:spTree>
@@ -11885,18 +12554,18 @@
   <p:clrMapOvr>
     <a:masterClrMapping/>
   </p:clrMapOvr>
-  <mc:AlternateContent xmlns:mc="http://schemas.openxmlformats.org/markup-compatibility/2006">
-    <mc:Choice xmlns:p14="http://schemas.microsoft.com/office/powerpoint/2010/main" Requires="p14">
+  <mc:AlternateContent xmlns:mc="http://schemas.openxmlformats.org/markup-compatibility/2006" xmlns:p14="http://schemas.microsoft.com/office/powerpoint/2010/main">
+    <mc:Choice Requires="p14">
       <p:transition spd="slow" p14:dur="2000"/>
     </mc:Choice>
-    <mc:Fallback>
+    <mc:Fallback xmlns="">
       <p:transition spd="slow"/>
     </mc:Fallback>
   </mc:AlternateContent>
 </p:sld>
 </file>
 
-<file path=ppt/slides/slide5.xml><?xml version="1.0" encoding="utf-8"?>
+<file path=ppt/slides/slide6.xml><?xml version="1.0" encoding="utf-8"?>
 <p:sld xmlns:a="http://schemas.openxmlformats.org/drawingml/2006/main" xmlns:r="http://schemas.openxmlformats.org/officeDocument/2006/relationships" xmlns:p="http://schemas.openxmlformats.org/presentationml/2006/main">
   <p:cSld>
     <p:spTree>
@@ -12159,18 +12828,18 @@
   <p:clrMapOvr>
     <a:masterClrMapping/>
   </p:clrMapOvr>
-  <mc:AlternateContent xmlns:mc="http://schemas.openxmlformats.org/markup-compatibility/2006">
-    <mc:Choice xmlns:p14="http://schemas.microsoft.com/office/powerpoint/2010/main" Requires="p14">
+  <mc:AlternateContent xmlns:mc="http://schemas.openxmlformats.org/markup-compatibility/2006" xmlns:p14="http://schemas.microsoft.com/office/powerpoint/2010/main">
+    <mc:Choice Requires="p14">
       <p:transition spd="slow" p14:dur="2000"/>
     </mc:Choice>
-    <mc:Fallback>
+    <mc:Fallback xmlns="">
       <p:transition spd="slow"/>
     </mc:Fallback>
   </mc:AlternateContent>
 </p:sld>
 </file>
 
-<file path=ppt/slides/slide6.xml><?xml version="1.0" encoding="utf-8"?>
+<file path=ppt/slides/slide7.xml><?xml version="1.0" encoding="utf-8"?>
 <p:sld xmlns:a="http://schemas.openxmlformats.org/drawingml/2006/main" xmlns:r="http://schemas.openxmlformats.org/officeDocument/2006/relationships" xmlns:p="http://schemas.openxmlformats.org/presentationml/2006/main">
   <p:cSld>
     <p:spTree>
@@ -12453,16 +13122,7 @@
                 <a:cs typeface="Times New Roman"/>
                 <a:sym typeface="Times New Roman"/>
               </a:rPr>
-              <a:t>Use the heading order sensibly and do not skip heading levels (e.g. from h2 to </a:t>
-            </a:r>
-            <a:r>
-              <a:rPr sz="3516" dirty="0">
-                <a:latin typeface="Times New Roman"/>
-                <a:ea typeface="Times New Roman"/>
-                <a:cs typeface="Times New Roman"/>
-                <a:sym typeface="Times New Roman"/>
-              </a:rPr>
-              <a:t>h</a:t>
+              <a:t>Use the heading order sensibly and do not skip heading levels (e.g. from h2 to h</a:t>
             </a:r>
             <a:r>
               <a:rPr lang="en-GB" sz="3516" dirty="0">
@@ -12545,11 +13205,11 @@
   <p:clrMapOvr>
     <a:masterClrMapping/>
   </p:clrMapOvr>
-  <mc:AlternateContent xmlns:mc="http://schemas.openxmlformats.org/markup-compatibility/2006">
-    <mc:Choice xmlns:p14="http://schemas.microsoft.com/office/powerpoint/2010/main" Requires="p14">
+  <mc:AlternateContent xmlns:mc="http://schemas.openxmlformats.org/markup-compatibility/2006" xmlns:p14="http://schemas.microsoft.com/office/powerpoint/2010/main">
+    <mc:Choice Requires="p14">
       <p:transition spd="slow" p14:dur="2000"/>
     </mc:Choice>
-    <mc:Fallback>
+    <mc:Fallback xmlns="">
       <p:transition spd="slow"/>
     </mc:Fallback>
   </mc:AlternateContent>
@@ -12833,7 +13493,7 @@
 </p:sld>
 </file>
 
-<file path=ppt/slides/slide7.xml><?xml version="1.0" encoding="utf-8"?>
+<file path=ppt/slides/slide8.xml><?xml version="1.0" encoding="utf-8"?>
 <p:sld xmlns:a="http://schemas.openxmlformats.org/drawingml/2006/main" xmlns:r="http://schemas.openxmlformats.org/officeDocument/2006/relationships" xmlns:p="http://schemas.openxmlformats.org/presentationml/2006/main">
   <p:cSld>
     <p:spTree>
@@ -13218,11 +13878,11 @@
   <p:clrMapOvr>
     <a:masterClrMapping/>
   </p:clrMapOvr>
-  <mc:AlternateContent xmlns:mc="http://schemas.openxmlformats.org/markup-compatibility/2006">
-    <mc:Choice xmlns:p14="http://schemas.microsoft.com/office/powerpoint/2010/main" Requires="p14">
+  <mc:AlternateContent xmlns:mc="http://schemas.openxmlformats.org/markup-compatibility/2006" xmlns:p14="http://schemas.microsoft.com/office/powerpoint/2010/main">
+    <mc:Choice Requires="p14">
       <p:transition spd="slow" p14:dur="2000"/>
     </mc:Choice>
-    <mc:Fallback>
+    <mc:Fallback xmlns="">
       <p:transition spd="slow"/>
     </mc:Fallback>
   </mc:AlternateContent>
@@ -13506,7 +14166,7 @@
 </p:sld>
 </file>
 
-<file path=ppt/slides/slide8.xml><?xml version="1.0" encoding="utf-8"?>
+<file path=ppt/slides/slide9.xml><?xml version="1.0" encoding="utf-8"?>
 <p:sld xmlns:a="http://schemas.openxmlformats.org/drawingml/2006/main" xmlns:r="http://schemas.openxmlformats.org/officeDocument/2006/relationships" xmlns:p="http://schemas.openxmlformats.org/presentationml/2006/main">
   <p:cSld>
     <p:spTree>
@@ -13957,11 +14617,11 @@
   <p:clrMapOvr>
     <a:masterClrMapping/>
   </p:clrMapOvr>
-  <mc:AlternateContent xmlns:mc="http://schemas.openxmlformats.org/markup-compatibility/2006">
-    <mc:Choice xmlns:p14="http://schemas.microsoft.com/office/powerpoint/2010/main" Requires="p14">
+  <mc:AlternateContent xmlns:mc="http://schemas.openxmlformats.org/markup-compatibility/2006" xmlns:p14="http://schemas.microsoft.com/office/powerpoint/2010/main">
+    <mc:Choice Requires="p14">
       <p:transition spd="slow" p14:dur="2000"/>
     </mc:Choice>
-    <mc:Fallback>
+    <mc:Fallback xmlns="">
       <p:transition spd="slow"/>
     </mc:Fallback>
   </mc:AlternateContent>
@@ -14357,584 +15017,6 @@
     </p:tnLst>
     <p:bldLst>
       <p:bldP spid="101" grpId="0" build="p" bldLvl="5" animBg="1" advAuto="0"/>
-    </p:bldLst>
-  </p:timing>
-</p:sld>
-</file>
-
-<file path=ppt/slides/slide9.xml><?xml version="1.0" encoding="utf-8"?>
-<p:sld xmlns:a="http://schemas.openxmlformats.org/drawingml/2006/main" xmlns:r="http://schemas.openxmlformats.org/officeDocument/2006/relationships" xmlns:p="http://schemas.openxmlformats.org/presentationml/2006/main">
-  <p:cSld>
-    <p:spTree>
-      <p:nvGrpSpPr>
-        <p:cNvPr id="1" name=""/>
-        <p:cNvGrpSpPr/>
-        <p:nvPr/>
-      </p:nvGrpSpPr>
-      <p:grpSpPr>
-        <a:xfrm>
-          <a:off x="0" y="0"/>
-          <a:ext cx="0" cy="0"/>
-          <a:chOff x="0" y="0"/>
-          <a:chExt cx="0" cy="0"/>
-        </a:xfrm>
-      </p:grpSpPr>
-      <p:sp>
-        <p:nvSpPr>
-          <p:cNvPr id="105" name="Shape 105"/>
-          <p:cNvSpPr>
-            <a:spLocks noGrp="1"/>
-          </p:cNvSpPr>
-          <p:nvPr>
-            <p:ph type="title"/>
-          </p:nvPr>
-        </p:nvSpPr>
-        <p:spPr>
-          <a:xfrm>
-            <a:off x="1973262" y="260350"/>
-            <a:ext cx="8227194" cy="792164"/>
-          </a:xfrm>
-          <a:prstGeom prst="rect">
-            <a:avLst/>
-          </a:prstGeom>
-        </p:spPr>
-        <p:txBody>
-          <a:bodyPr>
-            <a:normAutofit/>
-          </a:bodyPr>
-          <a:lstStyle>
-            <a:lvl1pPr algn="ctr">
-              <a:defRPr sz="5000">
-                <a:solidFill>
-                  <a:srgbClr val="000000"/>
-                </a:solidFill>
-              </a:defRPr>
-            </a:lvl1pPr>
-          </a:lstStyle>
-          <a:p>
-            <a:pPr lvl="0">
-              <a:defRPr sz="1800" b="0"/>
-            </a:pPr>
-            <a:r>
-              <a:rPr sz="3516" b="1"/>
-              <a:t>HTML Comment</a:t>
-            </a:r>
-          </a:p>
-        </p:txBody>
-      </p:sp>
-      <p:sp>
-        <p:nvSpPr>
-          <p:cNvPr id="106" name="Shape 106"/>
-          <p:cNvSpPr/>
-          <p:nvPr/>
-        </p:nvSpPr>
-        <p:spPr>
-          <a:xfrm>
-            <a:off x="1774825" y="1125538"/>
-            <a:ext cx="8893176" cy="4269117"/>
-          </a:xfrm>
-          <a:prstGeom prst="rect">
-            <a:avLst/>
-          </a:prstGeom>
-          <a:ln w="12700">
-            <a:miter lim="400000"/>
-          </a:ln>
-          <a:extLst>
-            <a:ext uri="{C572A759-6A51-4108-AA02-DFA0A04FC94B}">
-              <ma14:wrappingTextBoxFlag xmlns:ma14="http://schemas.microsoft.com/office/mac/drawingml/2011/main" val="1"/>
-            </a:ext>
-          </a:extLst>
-        </p:spPr>
-        <p:txBody>
-          <a:bodyPr lIns="0" tIns="0" rIns="0" bIns="0">
-            <a:spAutoFit/>
-          </a:bodyPr>
-          <a:lstStyle/>
-          <a:p>
-            <a:pPr marL="187517" indent="-187517" defTabSz="642915">
-              <a:spcBef>
-                <a:spcPts val="844"/>
-              </a:spcBef>
-              <a:tabLst>
-                <a:tab pos="80364" algn="l"/>
-              </a:tabLst>
-              <a:defRPr sz="1800"/>
-            </a:pPr>
-            <a:r>
-              <a:rPr sz="3375">
-                <a:solidFill>
-                  <a:srgbClr val="C00000"/>
-                </a:solidFill>
-                <a:latin typeface="Consolas"/>
-                <a:ea typeface="Consolas"/>
-                <a:cs typeface="Consolas"/>
-                <a:sym typeface="Consolas"/>
-              </a:rPr>
-              <a:t>&lt;!--</a:t>
-            </a:r>
-            <a:r>
-              <a:rPr sz="3375">
-                <a:latin typeface="Consolas"/>
-                <a:ea typeface="Consolas"/>
-                <a:cs typeface="Consolas"/>
-                <a:sym typeface="Consolas"/>
-              </a:rPr>
-              <a:t> </a:t>
-            </a:r>
-            <a:r>
-              <a:rPr sz="3375" i="1">
-                <a:solidFill>
-                  <a:srgbClr val="808080"/>
-                </a:solidFill>
-                <a:latin typeface="Consolas"/>
-                <a:ea typeface="Consolas"/>
-                <a:cs typeface="Consolas"/>
-                <a:sym typeface="Consolas"/>
-              </a:rPr>
-              <a:t>This is a comment </a:t>
-            </a:r>
-            <a:r>
-              <a:rPr sz="3375">
-                <a:solidFill>
-                  <a:srgbClr val="C00000"/>
-                </a:solidFill>
-                <a:latin typeface="Consolas"/>
-                <a:ea typeface="Consolas"/>
-                <a:cs typeface="Consolas"/>
-                <a:sym typeface="Consolas"/>
-              </a:rPr>
-              <a:t>--&gt;</a:t>
-            </a:r>
-            <a:endParaRPr sz="2391">
-              <a:latin typeface="Arial"/>
-              <a:ea typeface="Arial"/>
-              <a:cs typeface="Arial"/>
-              <a:sym typeface="Arial"/>
-            </a:endParaRPr>
-          </a:p>
-          <a:p>
-            <a:pPr marL="343781" indent="-343781" defTabSz="642915">
-              <a:spcBef>
-                <a:spcPts val="1266"/>
-              </a:spcBef>
-              <a:buClr>
-                <a:srgbClr val="C00000"/>
-              </a:buClr>
-              <a:buSzPct val="80000"/>
-              <a:buFont typeface="Arial"/>
-              <a:buChar char="•"/>
-              <a:tabLst>
-                <a:tab pos="80364" algn="l"/>
-              </a:tabLst>
-              <a:defRPr sz="1800"/>
-            </a:pPr>
-            <a:r>
-              <a:rPr sz="3094">
-                <a:latin typeface="Times New Roman"/>
-                <a:ea typeface="Times New Roman"/>
-                <a:cs typeface="Times New Roman"/>
-                <a:sym typeface="Times New Roman"/>
-              </a:rPr>
-              <a:t>Add comments for the purpose of making the source code easier to understand</a:t>
-            </a:r>
-            <a:endParaRPr sz="3094">
-              <a:latin typeface="Arial"/>
-              <a:ea typeface="Arial"/>
-              <a:cs typeface="Arial"/>
-              <a:sym typeface="Arial"/>
-            </a:endParaRPr>
-          </a:p>
-          <a:p>
-            <a:pPr marL="343781" indent="-343781" defTabSz="642915">
-              <a:spcBef>
-                <a:spcPts val="844"/>
-              </a:spcBef>
-              <a:buClr>
-                <a:srgbClr val="C00000"/>
-              </a:buClr>
-              <a:buSzPct val="80000"/>
-              <a:buFont typeface="Arial"/>
-              <a:buChar char="•"/>
-              <a:tabLst>
-                <a:tab pos="80364" algn="l"/>
-              </a:tabLst>
-              <a:defRPr sz="1800"/>
-            </a:pPr>
-            <a:r>
-              <a:rPr sz="3094">
-                <a:latin typeface="Times New Roman"/>
-                <a:ea typeface="Times New Roman"/>
-                <a:cs typeface="Times New Roman"/>
-                <a:sym typeface="Times New Roman"/>
-              </a:rPr>
-              <a:t>Comments are not displayed in the browsers</a:t>
-            </a:r>
-            <a:endParaRPr sz="3094">
-              <a:latin typeface="Arial"/>
-              <a:ea typeface="Arial"/>
-              <a:cs typeface="Arial"/>
-              <a:sym typeface="Arial"/>
-            </a:endParaRPr>
-          </a:p>
-          <a:p>
-            <a:pPr marL="343781" indent="-343781" defTabSz="642915">
-              <a:spcBef>
-                <a:spcPts val="844"/>
-              </a:spcBef>
-              <a:buClr>
-                <a:srgbClr val="C00000"/>
-              </a:buClr>
-              <a:buSzPct val="80000"/>
-              <a:buFont typeface="Arial"/>
-              <a:buChar char="•"/>
-              <a:tabLst>
-                <a:tab pos="80364" algn="l"/>
-              </a:tabLst>
-              <a:defRPr sz="1800"/>
-            </a:pPr>
-            <a:r>
-              <a:rPr sz="3094">
-                <a:latin typeface="Times New Roman"/>
-                <a:ea typeface="Times New Roman"/>
-                <a:cs typeface="Times New Roman"/>
-                <a:sym typeface="Times New Roman"/>
-              </a:rPr>
-              <a:t>It is also a good practice to "hide" scripts from browsers without support for it</a:t>
-            </a:r>
-            <a:endParaRPr sz="3094">
-              <a:latin typeface="Arial"/>
-              <a:ea typeface="Arial"/>
-              <a:cs typeface="Arial"/>
-              <a:sym typeface="Arial"/>
-            </a:endParaRPr>
-          </a:p>
-          <a:p>
-            <a:pPr marL="375034" indent="-375034" defTabSz="642915">
-              <a:lnSpc>
-                <a:spcPct val="150000"/>
-              </a:lnSpc>
-              <a:spcBef>
-                <a:spcPts val="1687"/>
-              </a:spcBef>
-              <a:buClr>
-                <a:srgbClr val="C00000"/>
-              </a:buClr>
-              <a:buSzPct val="80000"/>
-              <a:buFont typeface="Arial"/>
-              <a:buChar char="•"/>
-              <a:tabLst>
-                <a:tab pos="80364" algn="l"/>
-              </a:tabLst>
-              <a:defRPr sz="1800"/>
-            </a:pPr>
-            <a:r>
-              <a:rPr sz="3375" i="1">
-                <a:solidFill>
-                  <a:srgbClr val="C00000"/>
-                </a:solidFill>
-                <a:latin typeface="Times New Roman"/>
-                <a:ea typeface="Times New Roman"/>
-                <a:cs typeface="Times New Roman"/>
-                <a:sym typeface="Times New Roman"/>
-              </a:rPr>
-              <a:t>This will be checked in your assessment !</a:t>
-            </a:r>
-          </a:p>
-        </p:txBody>
-      </p:sp>
-    </p:spTree>
-    <p:extLst>
-      <p:ext uri="{BB962C8B-B14F-4D97-AF65-F5344CB8AC3E}">
-        <p14:creationId xmlns:p14="http://schemas.microsoft.com/office/powerpoint/2010/main" val="1732353255"/>
-      </p:ext>
-    </p:extLst>
-  </p:cSld>
-  <p:clrMapOvr>
-    <a:masterClrMapping/>
-  </p:clrMapOvr>
-  <mc:AlternateContent xmlns:mc="http://schemas.openxmlformats.org/markup-compatibility/2006">
-    <mc:Choice xmlns:p14="http://schemas.microsoft.com/office/powerpoint/2010/main" Requires="p14">
-      <p:transition spd="slow" p14:dur="2000"/>
-    </mc:Choice>
-    <mc:Fallback>
-      <p:transition spd="slow"/>
-    </mc:Fallback>
-  </mc:AlternateContent>
-  <p:timing>
-    <p:tnLst>
-      <p:par>
-        <p:cTn id="1" dur="indefinite" restart="never" fill="hold" nodeType="tmRoot">
-          <p:childTnLst>
-            <p:seq concurrent="1" prevAc="none" nextAc="seek">
-              <p:cTn id="2" dur="indefinite" fill="hold" nodeType="mainSeq">
-                <p:childTnLst>
-                  <p:par>
-                    <p:cTn id="3" fill="hold">
-                      <p:stCondLst>
-                        <p:cond delay="indefinite"/>
-                        <p:cond evt="onBegin" delay="0">
-                          <p:tn val="2"/>
-                        </p:cond>
-                      </p:stCondLst>
-                      <p:childTnLst>
-                        <p:par>
-                          <p:cTn id="4" fill="hold">
-                            <p:stCondLst>
-                              <p:cond delay="0"/>
-                            </p:stCondLst>
-                            <p:childTnLst>
-                              <p:par>
-                                <p:cTn id="5" presetID="1" presetClass="entr" presetSubtype="0" fill="hold" grpId="0" nodeType="afterEffect">
-                                  <p:stCondLst>
-                                    <p:cond delay="0"/>
-                                  </p:stCondLst>
-                                  <p:iterate>
-                                    <p:tmAbs val="0"/>
-                                  </p:iterate>
-                                  <p:childTnLst>
-                                    <p:set>
-                                      <p:cBhvr>
-                                        <p:cTn id="6" fill="hold"/>
-                                        <p:tgtEl>
-                                          <p:spTgt spid="106">
-                                            <p:bg/>
-                                          </p:spTgt>
-                                        </p:tgtEl>
-                                        <p:attrNameLst>
-                                          <p:attrName>style.visibility</p:attrName>
-                                        </p:attrNameLst>
-                                      </p:cBhvr>
-                                      <p:to>
-                                        <p:strVal val="visible"/>
-                                      </p:to>
-                                    </p:set>
-                                  </p:childTnLst>
-                                </p:cTn>
-                              </p:par>
-                            </p:childTnLst>
-                          </p:cTn>
-                        </p:par>
-                        <p:par>
-                          <p:cTn id="7" fill="hold">
-                            <p:stCondLst>
-                              <p:cond delay="0"/>
-                            </p:stCondLst>
-                            <p:childTnLst>
-                              <p:par>
-                                <p:cTn id="8" presetID="1" presetClass="entr" presetSubtype="0" fill="hold" grpId="0" nodeType="afterEffect">
-                                  <p:stCondLst>
-                                    <p:cond delay="0"/>
-                                  </p:stCondLst>
-                                  <p:iterate>
-                                    <p:tmAbs val="0"/>
-                                  </p:iterate>
-                                  <p:childTnLst>
-                                    <p:set>
-                                      <p:cBhvr>
-                                        <p:cTn id="9" fill="hold"/>
-                                        <p:tgtEl>
-                                          <p:spTgt spid="106">
-                                            <p:txEl>
-                                              <p:pRg st="0" end="0"/>
-                                            </p:txEl>
-                                          </p:spTgt>
-                                        </p:tgtEl>
-                                        <p:attrNameLst>
-                                          <p:attrName>style.visibility</p:attrName>
-                                        </p:attrNameLst>
-                                      </p:cBhvr>
-                                      <p:to>
-                                        <p:strVal val="visible"/>
-                                      </p:to>
-                                    </p:set>
-                                  </p:childTnLst>
-                                </p:cTn>
-                              </p:par>
-                            </p:childTnLst>
-                          </p:cTn>
-                        </p:par>
-                        <p:par>
-                          <p:cTn id="10" fill="hold">
-                            <p:stCondLst>
-                              <p:cond delay="0"/>
-                            </p:stCondLst>
-                            <p:childTnLst>
-                              <p:par>
-                                <p:cTn id="11" presetID="1" presetClass="entr" presetSubtype="0" fill="hold" grpId="0" nodeType="afterEffect">
-                                  <p:stCondLst>
-                                    <p:cond delay="0"/>
-                                  </p:stCondLst>
-                                  <p:iterate>
-                                    <p:tmAbs val="0"/>
-                                  </p:iterate>
-                                  <p:childTnLst>
-                                    <p:set>
-                                      <p:cBhvr>
-                                        <p:cTn id="12" fill="hold"/>
-                                        <p:tgtEl>
-                                          <p:spTgt spid="106">
-                                            <p:txEl>
-                                              <p:pRg st="1" end="1"/>
-                                            </p:txEl>
-                                          </p:spTgt>
-                                        </p:tgtEl>
-                                        <p:attrNameLst>
-                                          <p:attrName>style.visibility</p:attrName>
-                                        </p:attrNameLst>
-                                      </p:cBhvr>
-                                      <p:to>
-                                        <p:strVal val="visible"/>
-                                      </p:to>
-                                    </p:set>
-                                  </p:childTnLst>
-                                </p:cTn>
-                              </p:par>
-                            </p:childTnLst>
-                          </p:cTn>
-                        </p:par>
-                        <p:par>
-                          <p:cTn id="13" fill="hold">
-                            <p:stCondLst>
-                              <p:cond delay="0"/>
-                            </p:stCondLst>
-                            <p:childTnLst>
-                              <p:par>
-                                <p:cTn id="14" presetID="1" presetClass="entr" presetSubtype="0" fill="hold" grpId="0" nodeType="afterEffect">
-                                  <p:stCondLst>
-                                    <p:cond delay="0"/>
-                                  </p:stCondLst>
-                                  <p:iterate>
-                                    <p:tmAbs val="0"/>
-                                  </p:iterate>
-                                  <p:childTnLst>
-                                    <p:set>
-                                      <p:cBhvr>
-                                        <p:cTn id="15" fill="hold"/>
-                                        <p:tgtEl>
-                                          <p:spTgt spid="106">
-                                            <p:txEl>
-                                              <p:pRg st="2" end="2"/>
-                                            </p:txEl>
-                                          </p:spTgt>
-                                        </p:tgtEl>
-                                        <p:attrNameLst>
-                                          <p:attrName>style.visibility</p:attrName>
-                                        </p:attrNameLst>
-                                      </p:cBhvr>
-                                      <p:to>
-                                        <p:strVal val="visible"/>
-                                      </p:to>
-                                    </p:set>
-                                  </p:childTnLst>
-                                </p:cTn>
-                              </p:par>
-                            </p:childTnLst>
-                          </p:cTn>
-                        </p:par>
-                        <p:par>
-                          <p:cTn id="16" fill="hold">
-                            <p:stCondLst>
-                              <p:cond delay="0"/>
-                            </p:stCondLst>
-                            <p:childTnLst>
-                              <p:par>
-                                <p:cTn id="17" presetID="1" presetClass="entr" presetSubtype="0" fill="hold" grpId="0" nodeType="afterEffect">
-                                  <p:stCondLst>
-                                    <p:cond delay="0"/>
-                                  </p:stCondLst>
-                                  <p:iterate>
-                                    <p:tmAbs val="0"/>
-                                  </p:iterate>
-                                  <p:childTnLst>
-                                    <p:set>
-                                      <p:cBhvr>
-                                        <p:cTn id="18" fill="hold"/>
-                                        <p:tgtEl>
-                                          <p:spTgt spid="106">
-                                            <p:txEl>
-                                              <p:pRg st="3" end="3"/>
-                                            </p:txEl>
-                                          </p:spTgt>
-                                        </p:tgtEl>
-                                        <p:attrNameLst>
-                                          <p:attrName>style.visibility</p:attrName>
-                                        </p:attrNameLst>
-                                      </p:cBhvr>
-                                      <p:to>
-                                        <p:strVal val="visible"/>
-                                      </p:to>
-                                    </p:set>
-                                  </p:childTnLst>
-                                </p:cTn>
-                              </p:par>
-                            </p:childTnLst>
-                          </p:cTn>
-                        </p:par>
-                        <p:par>
-                          <p:cTn id="19" fill="hold">
-                            <p:stCondLst>
-                              <p:cond delay="0"/>
-                            </p:stCondLst>
-                            <p:childTnLst>
-                              <p:par>
-                                <p:cTn id="20" presetID="1" presetClass="entr" presetSubtype="0" fill="hold" grpId="0" nodeType="afterEffect">
-                                  <p:stCondLst>
-                                    <p:cond delay="0"/>
-                                  </p:stCondLst>
-                                  <p:iterate>
-                                    <p:tmAbs val="0"/>
-                                  </p:iterate>
-                                  <p:childTnLst>
-                                    <p:set>
-                                      <p:cBhvr>
-                                        <p:cTn id="21" fill="hold"/>
-                                        <p:tgtEl>
-                                          <p:spTgt spid="106">
-                                            <p:txEl>
-                                              <p:pRg st="4" end="4"/>
-                                            </p:txEl>
-                                          </p:spTgt>
-                                        </p:tgtEl>
-                                        <p:attrNameLst>
-                                          <p:attrName>style.visibility</p:attrName>
-                                        </p:attrNameLst>
-                                      </p:cBhvr>
-                                      <p:to>
-                                        <p:strVal val="visible"/>
-                                      </p:to>
-                                    </p:set>
-                                  </p:childTnLst>
-                                </p:cTn>
-                              </p:par>
-                            </p:childTnLst>
-                          </p:cTn>
-                        </p:par>
-                      </p:childTnLst>
-                    </p:cTn>
-                  </p:par>
-                </p:childTnLst>
-              </p:cTn>
-              <p:prevCondLst>
-                <p:cond evt="onPrev" delay="0">
-                  <p:tgtEl>
-                    <p:sldTgt/>
-                  </p:tgtEl>
-                </p:cond>
-              </p:prevCondLst>
-              <p:nextCondLst>
-                <p:cond evt="onNext" delay="0">
-                  <p:tgtEl>
-                    <p:sldTgt/>
-                  </p:tgtEl>
-                </p:cond>
-              </p:nextCondLst>
-            </p:seq>
-          </p:childTnLst>
-        </p:cTn>
-      </p:par>
-    </p:tnLst>
-    <p:bldLst>
-      <p:bldP spid="106" grpId="0" build="p" bldLvl="5" animBg="1" advAuto="0"/>
     </p:bldLst>
   </p:timing>
 </p:sld>

--- a/sessions/week2/slides.pptx
+++ b/sessions/week2/slides.pptx
@@ -5,29 +5,28 @@
     <p:sldMasterId id="2147483648" r:id="rId1"/>
   </p:sldMasterIdLst>
   <p:notesMasterIdLst>
-    <p:notesMasterId r:id="rId22"/>
+    <p:notesMasterId r:id="rId21"/>
   </p:notesMasterIdLst>
   <p:sldIdLst>
     <p:sldId id="257" r:id="rId2"/>
     <p:sldId id="258" r:id="rId3"/>
-    <p:sldId id="276" r:id="rId4"/>
-    <p:sldId id="259" r:id="rId5"/>
-    <p:sldId id="260" r:id="rId6"/>
-    <p:sldId id="261" r:id="rId7"/>
-    <p:sldId id="262" r:id="rId8"/>
-    <p:sldId id="263" r:id="rId9"/>
-    <p:sldId id="264" r:id="rId10"/>
-    <p:sldId id="265" r:id="rId11"/>
-    <p:sldId id="266" r:id="rId12"/>
-    <p:sldId id="267" r:id="rId13"/>
-    <p:sldId id="268" r:id="rId14"/>
-    <p:sldId id="269" r:id="rId15"/>
-    <p:sldId id="270" r:id="rId16"/>
-    <p:sldId id="271" r:id="rId17"/>
-    <p:sldId id="272" r:id="rId18"/>
-    <p:sldId id="273" r:id="rId19"/>
-    <p:sldId id="274" r:id="rId20"/>
-    <p:sldId id="275" r:id="rId21"/>
+    <p:sldId id="259" r:id="rId4"/>
+    <p:sldId id="260" r:id="rId5"/>
+    <p:sldId id="261" r:id="rId6"/>
+    <p:sldId id="262" r:id="rId7"/>
+    <p:sldId id="263" r:id="rId8"/>
+    <p:sldId id="264" r:id="rId9"/>
+    <p:sldId id="265" r:id="rId10"/>
+    <p:sldId id="266" r:id="rId11"/>
+    <p:sldId id="267" r:id="rId12"/>
+    <p:sldId id="268" r:id="rId13"/>
+    <p:sldId id="269" r:id="rId14"/>
+    <p:sldId id="270" r:id="rId15"/>
+    <p:sldId id="271" r:id="rId16"/>
+    <p:sldId id="272" r:id="rId17"/>
+    <p:sldId id="273" r:id="rId18"/>
+    <p:sldId id="274" r:id="rId19"/>
+    <p:sldId id="275" r:id="rId20"/>
   </p:sldIdLst>
   <p:sldSz cx="12192000" cy="6858000"/>
   <p:notesSz cx="6858000" cy="9144000"/>
@@ -126,11 +125,6 @@
       </a:defRPr>
     </a:lvl9pPr>
   </p:defaultTextStyle>
-  <p:extLst>
-    <p:ext uri="{EFAFB233-063F-42B5-8137-9DF3F51BA10A}">
-      <p15:sldGuideLst xmlns:p15="http://schemas.microsoft.com/office/powerpoint/2012/main"/>
-    </p:ext>
-  </p:extLst>
 </p:presentation>
 </file>
 
@@ -216,7 +210,7 @@
           <a:p>
             <a:fld id="{6B671A91-F82C-1543-894F-ACF696096512}" type="datetimeFigureOut">
               <a:rPr lang="en-US" smtClean="0"/>
-              <a:t>10/3/17</a:t>
+              <a:t>10/4/16</a:t>
             </a:fld>
             <a:endParaRPr lang="en-US"/>
           </a:p>
@@ -1874,7 +1868,7 @@
           <a:p>
             <a:fld id="{92E12A30-5579-354D-B65C-6775607DA9D2}" type="datetimeFigureOut">
               <a:rPr lang="en-US" smtClean="0"/>
-              <a:t>10/3/17</a:t>
+              <a:t>10/4/16</a:t>
             </a:fld>
             <a:endParaRPr lang="en-US"/>
           </a:p>
@@ -2044,7 +2038,7 @@
           <a:p>
             <a:fld id="{92E12A30-5579-354D-B65C-6775607DA9D2}" type="datetimeFigureOut">
               <a:rPr lang="en-US" smtClean="0"/>
-              <a:t>10/3/17</a:t>
+              <a:t>10/4/16</a:t>
             </a:fld>
             <a:endParaRPr lang="en-US"/>
           </a:p>
@@ -2224,7 +2218,7 @@
           <a:p>
             <a:fld id="{92E12A30-5579-354D-B65C-6775607DA9D2}" type="datetimeFigureOut">
               <a:rPr lang="en-US" smtClean="0"/>
-              <a:t>10/3/17</a:t>
+              <a:t>10/4/16</a:t>
             </a:fld>
             <a:endParaRPr lang="en-US"/>
           </a:p>
@@ -2394,7 +2388,7 @@
           <a:p>
             <a:fld id="{92E12A30-5579-354D-B65C-6775607DA9D2}" type="datetimeFigureOut">
               <a:rPr lang="en-US" smtClean="0"/>
-              <a:t>10/3/17</a:t>
+              <a:t>10/4/16</a:t>
             </a:fld>
             <a:endParaRPr lang="en-US"/>
           </a:p>
@@ -2640,7 +2634,7 @@
           <a:p>
             <a:fld id="{92E12A30-5579-354D-B65C-6775607DA9D2}" type="datetimeFigureOut">
               <a:rPr lang="en-US" smtClean="0"/>
-              <a:t>10/3/17</a:t>
+              <a:t>10/4/16</a:t>
             </a:fld>
             <a:endParaRPr lang="en-US"/>
           </a:p>
@@ -2872,7 +2866,7 @@
           <a:p>
             <a:fld id="{92E12A30-5579-354D-B65C-6775607DA9D2}" type="datetimeFigureOut">
               <a:rPr lang="en-US" smtClean="0"/>
-              <a:t>10/3/17</a:t>
+              <a:t>10/4/16</a:t>
             </a:fld>
             <a:endParaRPr lang="en-US"/>
           </a:p>
@@ -3239,7 +3233,7 @@
           <a:p>
             <a:fld id="{92E12A30-5579-354D-B65C-6775607DA9D2}" type="datetimeFigureOut">
               <a:rPr lang="en-US" smtClean="0"/>
-              <a:t>10/3/17</a:t>
+              <a:t>10/4/16</a:t>
             </a:fld>
             <a:endParaRPr lang="en-US"/>
           </a:p>
@@ -3357,7 +3351,7 @@
           <a:p>
             <a:fld id="{92E12A30-5579-354D-B65C-6775607DA9D2}" type="datetimeFigureOut">
               <a:rPr lang="en-US" smtClean="0"/>
-              <a:t>10/3/17</a:t>
+              <a:t>10/4/16</a:t>
             </a:fld>
             <a:endParaRPr lang="en-US"/>
           </a:p>
@@ -3452,7 +3446,7 @@
           <a:p>
             <a:fld id="{92E12A30-5579-354D-B65C-6775607DA9D2}" type="datetimeFigureOut">
               <a:rPr lang="en-US" smtClean="0"/>
-              <a:t>10/3/17</a:t>
+              <a:t>10/4/16</a:t>
             </a:fld>
             <a:endParaRPr lang="en-US"/>
           </a:p>
@@ -3729,7 +3723,7 @@
           <a:p>
             <a:fld id="{92E12A30-5579-354D-B65C-6775607DA9D2}" type="datetimeFigureOut">
               <a:rPr lang="en-US" smtClean="0"/>
-              <a:t>10/3/17</a:t>
+              <a:t>10/4/16</a:t>
             </a:fld>
             <a:endParaRPr lang="en-US"/>
           </a:p>
@@ -3982,7 +3976,7 @@
           <a:p>
             <a:fld id="{92E12A30-5579-354D-B65C-6775607DA9D2}" type="datetimeFigureOut">
               <a:rPr lang="en-US" smtClean="0"/>
-              <a:t>10/3/17</a:t>
+              <a:t>10/4/16</a:t>
             </a:fld>
             <a:endParaRPr lang="en-US"/>
           </a:p>
@@ -4195,7 +4189,7 @@
           <a:p>
             <a:fld id="{92E12A30-5579-354D-B65C-6775607DA9D2}" type="datetimeFigureOut">
               <a:rPr lang="en-US" smtClean="0"/>
-              <a:t>10/3/17</a:t>
+              <a:t>10/4/16</a:t>
             </a:fld>
             <a:endParaRPr lang="en-US"/>
           </a:p>
@@ -4695,7 +4689,15 @@
                   <a:srgbClr val="595959"/>
                 </a:solidFill>
               </a:rPr>
-              <a:t>400)</a:t>
+              <a:t>400</a:t>
+            </a:r>
+            <a:r>
+              <a:rPr sz="3516" b="1" dirty="0">
+                <a:solidFill>
+                  <a:srgbClr val="595959"/>
+                </a:solidFill>
+              </a:rPr>
+              <a:t>)</a:t>
             </a:r>
           </a:p>
         </p:txBody>
@@ -4710,11 +4712,11 @@
   <p:clrMapOvr>
     <a:masterClrMapping/>
   </p:clrMapOvr>
-  <mc:AlternateContent xmlns:mc="http://schemas.openxmlformats.org/markup-compatibility/2006" xmlns:p14="http://schemas.microsoft.com/office/powerpoint/2010/main">
-    <mc:Choice Requires="p14">
+  <mc:AlternateContent xmlns:mc="http://schemas.openxmlformats.org/markup-compatibility/2006">
+    <mc:Choice xmlns:p14="http://schemas.microsoft.com/office/powerpoint/2010/main" Requires="p14">
       <p:transition spd="slow" p14:dur="2000"/>
     </mc:Choice>
-    <mc:Fallback xmlns="">
+    <mc:Fallback>
       <p:transition spd="slow"/>
     </mc:Fallback>
   </mc:AlternateContent>
@@ -4722,584 +4724,6 @@
 </file>
 
 <file path=ppt/slides/slide10.xml><?xml version="1.0" encoding="utf-8"?>
-<p:sld xmlns:a="http://schemas.openxmlformats.org/drawingml/2006/main" xmlns:r="http://schemas.openxmlformats.org/officeDocument/2006/relationships" xmlns:p="http://schemas.openxmlformats.org/presentationml/2006/main">
-  <p:cSld>
-    <p:spTree>
-      <p:nvGrpSpPr>
-        <p:cNvPr id="1" name=""/>
-        <p:cNvGrpSpPr/>
-        <p:nvPr/>
-      </p:nvGrpSpPr>
-      <p:grpSpPr>
-        <a:xfrm>
-          <a:off x="0" y="0"/>
-          <a:ext cx="0" cy="0"/>
-          <a:chOff x="0" y="0"/>
-          <a:chExt cx="0" cy="0"/>
-        </a:xfrm>
-      </p:grpSpPr>
-      <p:sp>
-        <p:nvSpPr>
-          <p:cNvPr id="105" name="Shape 105"/>
-          <p:cNvSpPr>
-            <a:spLocks noGrp="1"/>
-          </p:cNvSpPr>
-          <p:nvPr>
-            <p:ph type="title"/>
-          </p:nvPr>
-        </p:nvSpPr>
-        <p:spPr>
-          <a:xfrm>
-            <a:off x="1973262" y="260350"/>
-            <a:ext cx="8227194" cy="792164"/>
-          </a:xfrm>
-          <a:prstGeom prst="rect">
-            <a:avLst/>
-          </a:prstGeom>
-        </p:spPr>
-        <p:txBody>
-          <a:bodyPr>
-            <a:normAutofit/>
-          </a:bodyPr>
-          <a:lstStyle>
-            <a:lvl1pPr algn="ctr">
-              <a:defRPr sz="5000">
-                <a:solidFill>
-                  <a:srgbClr val="000000"/>
-                </a:solidFill>
-              </a:defRPr>
-            </a:lvl1pPr>
-          </a:lstStyle>
-          <a:p>
-            <a:pPr lvl="0">
-              <a:defRPr sz="1800" b="0"/>
-            </a:pPr>
-            <a:r>
-              <a:rPr sz="3516" b="1"/>
-              <a:t>HTML Comment</a:t>
-            </a:r>
-          </a:p>
-        </p:txBody>
-      </p:sp>
-      <p:sp>
-        <p:nvSpPr>
-          <p:cNvPr id="106" name="Shape 106"/>
-          <p:cNvSpPr/>
-          <p:nvPr/>
-        </p:nvSpPr>
-        <p:spPr>
-          <a:xfrm>
-            <a:off x="1774825" y="1125538"/>
-            <a:ext cx="8893176" cy="4269117"/>
-          </a:xfrm>
-          <a:prstGeom prst="rect">
-            <a:avLst/>
-          </a:prstGeom>
-          <a:ln w="12700">
-            <a:miter lim="400000"/>
-          </a:ln>
-          <a:extLst>
-            <a:ext uri="{C572A759-6A51-4108-AA02-DFA0A04FC94B}">
-              <ma14:wrappingTextBoxFlag xmlns:ma14="http://schemas.microsoft.com/office/mac/drawingml/2011/main" val="1"/>
-            </a:ext>
-          </a:extLst>
-        </p:spPr>
-        <p:txBody>
-          <a:bodyPr lIns="0" tIns="0" rIns="0" bIns="0">
-            <a:spAutoFit/>
-          </a:bodyPr>
-          <a:lstStyle/>
-          <a:p>
-            <a:pPr marL="187517" indent="-187517" defTabSz="642915">
-              <a:spcBef>
-                <a:spcPts val="844"/>
-              </a:spcBef>
-              <a:tabLst>
-                <a:tab pos="80364" algn="l"/>
-              </a:tabLst>
-              <a:defRPr sz="1800"/>
-            </a:pPr>
-            <a:r>
-              <a:rPr sz="3375">
-                <a:solidFill>
-                  <a:srgbClr val="C00000"/>
-                </a:solidFill>
-                <a:latin typeface="Consolas"/>
-                <a:ea typeface="Consolas"/>
-                <a:cs typeface="Consolas"/>
-                <a:sym typeface="Consolas"/>
-              </a:rPr>
-              <a:t>&lt;!--</a:t>
-            </a:r>
-            <a:r>
-              <a:rPr sz="3375">
-                <a:latin typeface="Consolas"/>
-                <a:ea typeface="Consolas"/>
-                <a:cs typeface="Consolas"/>
-                <a:sym typeface="Consolas"/>
-              </a:rPr>
-              <a:t> </a:t>
-            </a:r>
-            <a:r>
-              <a:rPr sz="3375" i="1">
-                <a:solidFill>
-                  <a:srgbClr val="808080"/>
-                </a:solidFill>
-                <a:latin typeface="Consolas"/>
-                <a:ea typeface="Consolas"/>
-                <a:cs typeface="Consolas"/>
-                <a:sym typeface="Consolas"/>
-              </a:rPr>
-              <a:t>This is a comment </a:t>
-            </a:r>
-            <a:r>
-              <a:rPr sz="3375">
-                <a:solidFill>
-                  <a:srgbClr val="C00000"/>
-                </a:solidFill>
-                <a:latin typeface="Consolas"/>
-                <a:ea typeface="Consolas"/>
-                <a:cs typeface="Consolas"/>
-                <a:sym typeface="Consolas"/>
-              </a:rPr>
-              <a:t>--&gt;</a:t>
-            </a:r>
-            <a:endParaRPr sz="2391">
-              <a:latin typeface="Arial"/>
-              <a:ea typeface="Arial"/>
-              <a:cs typeface="Arial"/>
-              <a:sym typeface="Arial"/>
-            </a:endParaRPr>
-          </a:p>
-          <a:p>
-            <a:pPr marL="343781" indent="-343781" defTabSz="642915">
-              <a:spcBef>
-                <a:spcPts val="1266"/>
-              </a:spcBef>
-              <a:buClr>
-                <a:srgbClr val="C00000"/>
-              </a:buClr>
-              <a:buSzPct val="80000"/>
-              <a:buFont typeface="Arial"/>
-              <a:buChar char="•"/>
-              <a:tabLst>
-                <a:tab pos="80364" algn="l"/>
-              </a:tabLst>
-              <a:defRPr sz="1800"/>
-            </a:pPr>
-            <a:r>
-              <a:rPr sz="3094">
-                <a:latin typeface="Times New Roman"/>
-                <a:ea typeface="Times New Roman"/>
-                <a:cs typeface="Times New Roman"/>
-                <a:sym typeface="Times New Roman"/>
-              </a:rPr>
-              <a:t>Add comments for the purpose of making the source code easier to understand</a:t>
-            </a:r>
-            <a:endParaRPr sz="3094">
-              <a:latin typeface="Arial"/>
-              <a:ea typeface="Arial"/>
-              <a:cs typeface="Arial"/>
-              <a:sym typeface="Arial"/>
-            </a:endParaRPr>
-          </a:p>
-          <a:p>
-            <a:pPr marL="343781" indent="-343781" defTabSz="642915">
-              <a:spcBef>
-                <a:spcPts val="844"/>
-              </a:spcBef>
-              <a:buClr>
-                <a:srgbClr val="C00000"/>
-              </a:buClr>
-              <a:buSzPct val="80000"/>
-              <a:buFont typeface="Arial"/>
-              <a:buChar char="•"/>
-              <a:tabLst>
-                <a:tab pos="80364" algn="l"/>
-              </a:tabLst>
-              <a:defRPr sz="1800"/>
-            </a:pPr>
-            <a:r>
-              <a:rPr sz="3094">
-                <a:latin typeface="Times New Roman"/>
-                <a:ea typeface="Times New Roman"/>
-                <a:cs typeface="Times New Roman"/>
-                <a:sym typeface="Times New Roman"/>
-              </a:rPr>
-              <a:t>Comments are not displayed in the browsers</a:t>
-            </a:r>
-            <a:endParaRPr sz="3094">
-              <a:latin typeface="Arial"/>
-              <a:ea typeface="Arial"/>
-              <a:cs typeface="Arial"/>
-              <a:sym typeface="Arial"/>
-            </a:endParaRPr>
-          </a:p>
-          <a:p>
-            <a:pPr marL="343781" indent="-343781" defTabSz="642915">
-              <a:spcBef>
-                <a:spcPts val="844"/>
-              </a:spcBef>
-              <a:buClr>
-                <a:srgbClr val="C00000"/>
-              </a:buClr>
-              <a:buSzPct val="80000"/>
-              <a:buFont typeface="Arial"/>
-              <a:buChar char="•"/>
-              <a:tabLst>
-                <a:tab pos="80364" algn="l"/>
-              </a:tabLst>
-              <a:defRPr sz="1800"/>
-            </a:pPr>
-            <a:r>
-              <a:rPr sz="3094">
-                <a:latin typeface="Times New Roman"/>
-                <a:ea typeface="Times New Roman"/>
-                <a:cs typeface="Times New Roman"/>
-                <a:sym typeface="Times New Roman"/>
-              </a:rPr>
-              <a:t>It is also a good practice to "hide" scripts from browsers without support for it</a:t>
-            </a:r>
-            <a:endParaRPr sz="3094">
-              <a:latin typeface="Arial"/>
-              <a:ea typeface="Arial"/>
-              <a:cs typeface="Arial"/>
-              <a:sym typeface="Arial"/>
-            </a:endParaRPr>
-          </a:p>
-          <a:p>
-            <a:pPr marL="375034" indent="-375034" defTabSz="642915">
-              <a:lnSpc>
-                <a:spcPct val="150000"/>
-              </a:lnSpc>
-              <a:spcBef>
-                <a:spcPts val="1687"/>
-              </a:spcBef>
-              <a:buClr>
-                <a:srgbClr val="C00000"/>
-              </a:buClr>
-              <a:buSzPct val="80000"/>
-              <a:buFont typeface="Arial"/>
-              <a:buChar char="•"/>
-              <a:tabLst>
-                <a:tab pos="80364" algn="l"/>
-              </a:tabLst>
-              <a:defRPr sz="1800"/>
-            </a:pPr>
-            <a:r>
-              <a:rPr sz="3375" i="1">
-                <a:solidFill>
-                  <a:srgbClr val="C00000"/>
-                </a:solidFill>
-                <a:latin typeface="Times New Roman"/>
-                <a:ea typeface="Times New Roman"/>
-                <a:cs typeface="Times New Roman"/>
-                <a:sym typeface="Times New Roman"/>
-              </a:rPr>
-              <a:t>This will be checked in your assessment !</a:t>
-            </a:r>
-          </a:p>
-        </p:txBody>
-      </p:sp>
-    </p:spTree>
-    <p:extLst>
-      <p:ext uri="{BB962C8B-B14F-4D97-AF65-F5344CB8AC3E}">
-        <p14:creationId xmlns:p14="http://schemas.microsoft.com/office/powerpoint/2010/main" val="1732353255"/>
-      </p:ext>
-    </p:extLst>
-  </p:cSld>
-  <p:clrMapOvr>
-    <a:masterClrMapping/>
-  </p:clrMapOvr>
-  <mc:AlternateContent xmlns:mc="http://schemas.openxmlformats.org/markup-compatibility/2006" xmlns:p14="http://schemas.microsoft.com/office/powerpoint/2010/main">
-    <mc:Choice Requires="p14">
-      <p:transition spd="slow" p14:dur="2000"/>
-    </mc:Choice>
-    <mc:Fallback xmlns="">
-      <p:transition spd="slow"/>
-    </mc:Fallback>
-  </mc:AlternateContent>
-  <p:timing>
-    <p:tnLst>
-      <p:par>
-        <p:cTn id="1" dur="indefinite" restart="never" fill="hold" nodeType="tmRoot">
-          <p:childTnLst>
-            <p:seq concurrent="1" prevAc="none" nextAc="seek">
-              <p:cTn id="2" dur="indefinite" fill="hold" nodeType="mainSeq">
-                <p:childTnLst>
-                  <p:par>
-                    <p:cTn id="3" fill="hold">
-                      <p:stCondLst>
-                        <p:cond delay="indefinite"/>
-                        <p:cond evt="onBegin" delay="0">
-                          <p:tn val="2"/>
-                        </p:cond>
-                      </p:stCondLst>
-                      <p:childTnLst>
-                        <p:par>
-                          <p:cTn id="4" fill="hold">
-                            <p:stCondLst>
-                              <p:cond delay="0"/>
-                            </p:stCondLst>
-                            <p:childTnLst>
-                              <p:par>
-                                <p:cTn id="5" presetID="1" presetClass="entr" presetSubtype="0" fill="hold" grpId="0" nodeType="afterEffect">
-                                  <p:stCondLst>
-                                    <p:cond delay="0"/>
-                                  </p:stCondLst>
-                                  <p:iterate>
-                                    <p:tmAbs val="0"/>
-                                  </p:iterate>
-                                  <p:childTnLst>
-                                    <p:set>
-                                      <p:cBhvr>
-                                        <p:cTn id="6" fill="hold"/>
-                                        <p:tgtEl>
-                                          <p:spTgt spid="106">
-                                            <p:bg/>
-                                          </p:spTgt>
-                                        </p:tgtEl>
-                                        <p:attrNameLst>
-                                          <p:attrName>style.visibility</p:attrName>
-                                        </p:attrNameLst>
-                                      </p:cBhvr>
-                                      <p:to>
-                                        <p:strVal val="visible"/>
-                                      </p:to>
-                                    </p:set>
-                                  </p:childTnLst>
-                                </p:cTn>
-                              </p:par>
-                            </p:childTnLst>
-                          </p:cTn>
-                        </p:par>
-                        <p:par>
-                          <p:cTn id="7" fill="hold">
-                            <p:stCondLst>
-                              <p:cond delay="0"/>
-                            </p:stCondLst>
-                            <p:childTnLst>
-                              <p:par>
-                                <p:cTn id="8" presetID="1" presetClass="entr" presetSubtype="0" fill="hold" grpId="0" nodeType="afterEffect">
-                                  <p:stCondLst>
-                                    <p:cond delay="0"/>
-                                  </p:stCondLst>
-                                  <p:iterate>
-                                    <p:tmAbs val="0"/>
-                                  </p:iterate>
-                                  <p:childTnLst>
-                                    <p:set>
-                                      <p:cBhvr>
-                                        <p:cTn id="9" fill="hold"/>
-                                        <p:tgtEl>
-                                          <p:spTgt spid="106">
-                                            <p:txEl>
-                                              <p:pRg st="0" end="0"/>
-                                            </p:txEl>
-                                          </p:spTgt>
-                                        </p:tgtEl>
-                                        <p:attrNameLst>
-                                          <p:attrName>style.visibility</p:attrName>
-                                        </p:attrNameLst>
-                                      </p:cBhvr>
-                                      <p:to>
-                                        <p:strVal val="visible"/>
-                                      </p:to>
-                                    </p:set>
-                                  </p:childTnLst>
-                                </p:cTn>
-                              </p:par>
-                            </p:childTnLst>
-                          </p:cTn>
-                        </p:par>
-                        <p:par>
-                          <p:cTn id="10" fill="hold">
-                            <p:stCondLst>
-                              <p:cond delay="0"/>
-                            </p:stCondLst>
-                            <p:childTnLst>
-                              <p:par>
-                                <p:cTn id="11" presetID="1" presetClass="entr" presetSubtype="0" fill="hold" grpId="0" nodeType="afterEffect">
-                                  <p:stCondLst>
-                                    <p:cond delay="0"/>
-                                  </p:stCondLst>
-                                  <p:iterate>
-                                    <p:tmAbs val="0"/>
-                                  </p:iterate>
-                                  <p:childTnLst>
-                                    <p:set>
-                                      <p:cBhvr>
-                                        <p:cTn id="12" fill="hold"/>
-                                        <p:tgtEl>
-                                          <p:spTgt spid="106">
-                                            <p:txEl>
-                                              <p:pRg st="1" end="1"/>
-                                            </p:txEl>
-                                          </p:spTgt>
-                                        </p:tgtEl>
-                                        <p:attrNameLst>
-                                          <p:attrName>style.visibility</p:attrName>
-                                        </p:attrNameLst>
-                                      </p:cBhvr>
-                                      <p:to>
-                                        <p:strVal val="visible"/>
-                                      </p:to>
-                                    </p:set>
-                                  </p:childTnLst>
-                                </p:cTn>
-                              </p:par>
-                            </p:childTnLst>
-                          </p:cTn>
-                        </p:par>
-                        <p:par>
-                          <p:cTn id="13" fill="hold">
-                            <p:stCondLst>
-                              <p:cond delay="0"/>
-                            </p:stCondLst>
-                            <p:childTnLst>
-                              <p:par>
-                                <p:cTn id="14" presetID="1" presetClass="entr" presetSubtype="0" fill="hold" grpId="0" nodeType="afterEffect">
-                                  <p:stCondLst>
-                                    <p:cond delay="0"/>
-                                  </p:stCondLst>
-                                  <p:iterate>
-                                    <p:tmAbs val="0"/>
-                                  </p:iterate>
-                                  <p:childTnLst>
-                                    <p:set>
-                                      <p:cBhvr>
-                                        <p:cTn id="15" fill="hold"/>
-                                        <p:tgtEl>
-                                          <p:spTgt spid="106">
-                                            <p:txEl>
-                                              <p:pRg st="2" end="2"/>
-                                            </p:txEl>
-                                          </p:spTgt>
-                                        </p:tgtEl>
-                                        <p:attrNameLst>
-                                          <p:attrName>style.visibility</p:attrName>
-                                        </p:attrNameLst>
-                                      </p:cBhvr>
-                                      <p:to>
-                                        <p:strVal val="visible"/>
-                                      </p:to>
-                                    </p:set>
-                                  </p:childTnLst>
-                                </p:cTn>
-                              </p:par>
-                            </p:childTnLst>
-                          </p:cTn>
-                        </p:par>
-                        <p:par>
-                          <p:cTn id="16" fill="hold">
-                            <p:stCondLst>
-                              <p:cond delay="0"/>
-                            </p:stCondLst>
-                            <p:childTnLst>
-                              <p:par>
-                                <p:cTn id="17" presetID="1" presetClass="entr" presetSubtype="0" fill="hold" grpId="0" nodeType="afterEffect">
-                                  <p:stCondLst>
-                                    <p:cond delay="0"/>
-                                  </p:stCondLst>
-                                  <p:iterate>
-                                    <p:tmAbs val="0"/>
-                                  </p:iterate>
-                                  <p:childTnLst>
-                                    <p:set>
-                                      <p:cBhvr>
-                                        <p:cTn id="18" fill="hold"/>
-                                        <p:tgtEl>
-                                          <p:spTgt spid="106">
-                                            <p:txEl>
-                                              <p:pRg st="3" end="3"/>
-                                            </p:txEl>
-                                          </p:spTgt>
-                                        </p:tgtEl>
-                                        <p:attrNameLst>
-                                          <p:attrName>style.visibility</p:attrName>
-                                        </p:attrNameLst>
-                                      </p:cBhvr>
-                                      <p:to>
-                                        <p:strVal val="visible"/>
-                                      </p:to>
-                                    </p:set>
-                                  </p:childTnLst>
-                                </p:cTn>
-                              </p:par>
-                            </p:childTnLst>
-                          </p:cTn>
-                        </p:par>
-                        <p:par>
-                          <p:cTn id="19" fill="hold">
-                            <p:stCondLst>
-                              <p:cond delay="0"/>
-                            </p:stCondLst>
-                            <p:childTnLst>
-                              <p:par>
-                                <p:cTn id="20" presetID="1" presetClass="entr" presetSubtype="0" fill="hold" grpId="0" nodeType="afterEffect">
-                                  <p:stCondLst>
-                                    <p:cond delay="0"/>
-                                  </p:stCondLst>
-                                  <p:iterate>
-                                    <p:tmAbs val="0"/>
-                                  </p:iterate>
-                                  <p:childTnLst>
-                                    <p:set>
-                                      <p:cBhvr>
-                                        <p:cTn id="21" fill="hold"/>
-                                        <p:tgtEl>
-                                          <p:spTgt spid="106">
-                                            <p:txEl>
-                                              <p:pRg st="4" end="4"/>
-                                            </p:txEl>
-                                          </p:spTgt>
-                                        </p:tgtEl>
-                                        <p:attrNameLst>
-                                          <p:attrName>style.visibility</p:attrName>
-                                        </p:attrNameLst>
-                                      </p:cBhvr>
-                                      <p:to>
-                                        <p:strVal val="visible"/>
-                                      </p:to>
-                                    </p:set>
-                                  </p:childTnLst>
-                                </p:cTn>
-                              </p:par>
-                            </p:childTnLst>
-                          </p:cTn>
-                        </p:par>
-                      </p:childTnLst>
-                    </p:cTn>
-                  </p:par>
-                </p:childTnLst>
-              </p:cTn>
-              <p:prevCondLst>
-                <p:cond evt="onPrev" delay="0">
-                  <p:tgtEl>
-                    <p:sldTgt/>
-                  </p:tgtEl>
-                </p:cond>
-              </p:prevCondLst>
-              <p:nextCondLst>
-                <p:cond evt="onNext" delay="0">
-                  <p:tgtEl>
-                    <p:sldTgt/>
-                  </p:tgtEl>
-                </p:cond>
-              </p:nextCondLst>
-            </p:seq>
-          </p:childTnLst>
-        </p:cTn>
-      </p:par>
-    </p:tnLst>
-    <p:bldLst>
-      <p:bldP spid="106" grpId="0" build="p" bldLvl="5" animBg="1" advAuto="0"/>
-    </p:bldLst>
-  </p:timing>
-</p:sld>
-</file>
-
-<file path=ppt/slides/slide11.xml><?xml version="1.0" encoding="utf-8"?>
 <p:sld xmlns:a="http://schemas.openxmlformats.org/drawingml/2006/main" xmlns:r="http://schemas.openxmlformats.org/officeDocument/2006/relationships" xmlns:p="http://schemas.openxmlformats.org/presentationml/2006/main">
   <p:cSld>
     <p:spTree>
@@ -6727,11 +6151,11 @@
   <p:clrMapOvr>
     <a:masterClrMapping/>
   </p:clrMapOvr>
-  <mc:AlternateContent xmlns:mc="http://schemas.openxmlformats.org/markup-compatibility/2006" xmlns:p14="http://schemas.microsoft.com/office/powerpoint/2010/main">
-    <mc:Choice Requires="p14">
+  <mc:AlternateContent xmlns:mc="http://schemas.openxmlformats.org/markup-compatibility/2006">
+    <mc:Choice xmlns:p14="http://schemas.microsoft.com/office/powerpoint/2010/main" Requires="p14">
       <p:transition spd="slow" p14:dur="2000"/>
     </mc:Choice>
-    <mc:Fallback xmlns="">
+    <mc:Fallback>
       <p:transition spd="slow"/>
     </mc:Fallback>
   </mc:AlternateContent>
@@ -6914,7 +6338,7 @@
 </p:sld>
 </file>
 
-<file path=ppt/slides/slide12.xml><?xml version="1.0" encoding="utf-8"?>
+<file path=ppt/slides/slide11.xml><?xml version="1.0" encoding="utf-8"?>
 <p:sld xmlns:a="http://schemas.openxmlformats.org/drawingml/2006/main" xmlns:r="http://schemas.openxmlformats.org/officeDocument/2006/relationships" xmlns:p="http://schemas.openxmlformats.org/presentationml/2006/main">
   <p:cSld>
     <p:spTree>
@@ -7380,18 +6804,18 @@
   <p:clrMapOvr>
     <a:masterClrMapping/>
   </p:clrMapOvr>
-  <mc:AlternateContent xmlns:mc="http://schemas.openxmlformats.org/markup-compatibility/2006" xmlns:p14="http://schemas.microsoft.com/office/powerpoint/2010/main">
-    <mc:Choice Requires="p14">
+  <mc:AlternateContent xmlns:mc="http://schemas.openxmlformats.org/markup-compatibility/2006">
+    <mc:Choice xmlns:p14="http://schemas.microsoft.com/office/powerpoint/2010/main" Requires="p14">
       <p:transition spd="slow" p14:dur="2000"/>
     </mc:Choice>
-    <mc:Fallback xmlns="">
+    <mc:Fallback>
       <p:transition spd="slow"/>
     </mc:Fallback>
   </mc:AlternateContent>
 </p:sld>
 </file>
 
-<file path=ppt/slides/slide13.xml><?xml version="1.0" encoding="utf-8"?>
+<file path=ppt/slides/slide12.xml><?xml version="1.0" encoding="utf-8"?>
 <p:sld xmlns:a="http://schemas.openxmlformats.org/drawingml/2006/main" xmlns:r="http://schemas.openxmlformats.org/officeDocument/2006/relationships" xmlns:p="http://schemas.openxmlformats.org/presentationml/2006/main">
   <p:cSld>
     <p:spTree>
@@ -7742,18 +7166,18 @@
   <p:clrMapOvr>
     <a:masterClrMapping/>
   </p:clrMapOvr>
-  <mc:AlternateContent xmlns:mc="http://schemas.openxmlformats.org/markup-compatibility/2006" xmlns:p14="http://schemas.microsoft.com/office/powerpoint/2010/main">
-    <mc:Choice Requires="p14">
+  <mc:AlternateContent xmlns:mc="http://schemas.openxmlformats.org/markup-compatibility/2006">
+    <mc:Choice xmlns:p14="http://schemas.microsoft.com/office/powerpoint/2010/main" Requires="p14">
       <p:transition spd="slow" p14:dur="2000"/>
     </mc:Choice>
-    <mc:Fallback xmlns="">
+    <mc:Fallback>
       <p:transition spd="slow"/>
     </mc:Fallback>
   </mc:AlternateContent>
 </p:sld>
 </file>
 
-<file path=ppt/slides/slide14.xml><?xml version="1.0" encoding="utf-8"?>
+<file path=ppt/slides/slide13.xml><?xml version="1.0" encoding="utf-8"?>
 <p:sld xmlns:a="http://schemas.openxmlformats.org/drawingml/2006/main" xmlns:r="http://schemas.openxmlformats.org/officeDocument/2006/relationships" xmlns:p="http://schemas.openxmlformats.org/presentationml/2006/main">
   <p:cSld>
     <p:spTree>
@@ -8395,18 +7819,18 @@
   <p:clrMapOvr>
     <a:masterClrMapping/>
   </p:clrMapOvr>
-  <mc:AlternateContent xmlns:mc="http://schemas.openxmlformats.org/markup-compatibility/2006" xmlns:p14="http://schemas.microsoft.com/office/powerpoint/2010/main">
-    <mc:Choice Requires="p14">
+  <mc:AlternateContent xmlns:mc="http://schemas.openxmlformats.org/markup-compatibility/2006">
+    <mc:Choice xmlns:p14="http://schemas.microsoft.com/office/powerpoint/2010/main" Requires="p14">
       <p:transition spd="slow" p14:dur="2000"/>
     </mc:Choice>
-    <mc:Fallback xmlns="">
+    <mc:Fallback>
       <p:transition spd="slow"/>
     </mc:Fallback>
   </mc:AlternateContent>
 </p:sld>
 </file>
 
-<file path=ppt/slides/slide15.xml><?xml version="1.0" encoding="utf-8"?>
+<file path=ppt/slides/slide14.xml><?xml version="1.0" encoding="utf-8"?>
 <p:sld xmlns:a="http://schemas.openxmlformats.org/drawingml/2006/main" xmlns:r="http://schemas.openxmlformats.org/officeDocument/2006/relationships" xmlns:p="http://schemas.openxmlformats.org/presentationml/2006/main">
   <p:cSld>
     <p:spTree>
@@ -8632,18 +8056,18 @@
   <p:clrMapOvr>
     <a:masterClrMapping/>
   </p:clrMapOvr>
-  <mc:AlternateContent xmlns:mc="http://schemas.openxmlformats.org/markup-compatibility/2006" xmlns:p14="http://schemas.microsoft.com/office/powerpoint/2010/main">
-    <mc:Choice Requires="p14">
+  <mc:AlternateContent xmlns:mc="http://schemas.openxmlformats.org/markup-compatibility/2006">
+    <mc:Choice xmlns:p14="http://schemas.microsoft.com/office/powerpoint/2010/main" Requires="p14">
       <p:transition spd="slow" p14:dur="2000"/>
     </mc:Choice>
-    <mc:Fallback xmlns="">
+    <mc:Fallback>
       <p:transition spd="slow"/>
     </mc:Fallback>
   </mc:AlternateContent>
 </p:sld>
 </file>
 
-<file path=ppt/slides/slide16.xml><?xml version="1.0" encoding="utf-8"?>
+<file path=ppt/slides/slide15.xml><?xml version="1.0" encoding="utf-8"?>
 <p:sld xmlns:a="http://schemas.openxmlformats.org/drawingml/2006/main" xmlns:r="http://schemas.openxmlformats.org/officeDocument/2006/relationships" xmlns:p="http://schemas.openxmlformats.org/presentationml/2006/main">
   <p:cSld>
     <p:spTree>
@@ -8763,7 +8187,16 @@
                 <a:cs typeface="Times New Roman"/>
                 <a:sym typeface="Times New Roman"/>
               </a:rPr>
-              <a:t>We need to write valid W3C HTML</a:t>
+              <a:t>We </a:t>
+            </a:r>
+            <a:r>
+              <a:rPr sz="3234" dirty="0">
+                <a:latin typeface="Times New Roman"/>
+                <a:ea typeface="Times New Roman"/>
+                <a:cs typeface="Times New Roman"/>
+                <a:sym typeface="Times New Roman"/>
+              </a:rPr>
+              <a:t>need to write valid W3C HTML</a:t>
             </a:r>
           </a:p>
           <a:p>
@@ -8876,18 +8309,18 @@
   <p:clrMapOvr>
     <a:masterClrMapping/>
   </p:clrMapOvr>
-  <mc:AlternateContent xmlns:mc="http://schemas.openxmlformats.org/markup-compatibility/2006" xmlns:p14="http://schemas.microsoft.com/office/powerpoint/2010/main">
-    <mc:Choice Requires="p14">
+  <mc:AlternateContent xmlns:mc="http://schemas.openxmlformats.org/markup-compatibility/2006">
+    <mc:Choice xmlns:p14="http://schemas.microsoft.com/office/powerpoint/2010/main" Requires="p14">
       <p:transition spd="slow" p14:dur="2000"/>
     </mc:Choice>
-    <mc:Fallback xmlns="">
+    <mc:Fallback>
       <p:transition spd="slow"/>
     </mc:Fallback>
   </mc:AlternateContent>
 </p:sld>
 </file>
 
-<file path=ppt/slides/slide17.xml><?xml version="1.0" encoding="utf-8"?>
+<file path=ppt/slides/slide16.xml><?xml version="1.0" encoding="utf-8"?>
 <p:sld xmlns:a="http://schemas.openxmlformats.org/drawingml/2006/main" xmlns:r="http://schemas.openxmlformats.org/officeDocument/2006/relationships" xmlns:p="http://schemas.openxmlformats.org/presentationml/2006/main">
   <p:cSld>
     <p:spTree>
@@ -9129,18 +8562,18 @@
   <p:clrMapOvr>
     <a:masterClrMapping/>
   </p:clrMapOvr>
-  <mc:AlternateContent xmlns:mc="http://schemas.openxmlformats.org/markup-compatibility/2006" xmlns:p14="http://schemas.microsoft.com/office/powerpoint/2010/main">
-    <mc:Choice Requires="p14">
+  <mc:AlternateContent xmlns:mc="http://schemas.openxmlformats.org/markup-compatibility/2006">
+    <mc:Choice xmlns:p14="http://schemas.microsoft.com/office/powerpoint/2010/main" Requires="p14">
       <p:transition spd="slow" p14:dur="2000"/>
     </mc:Choice>
-    <mc:Fallback xmlns="">
+    <mc:Fallback>
       <p:transition spd="slow"/>
     </mc:Fallback>
   </mc:AlternateContent>
 </p:sld>
 </file>
 
-<file path=ppt/slides/slide18.xml><?xml version="1.0" encoding="utf-8"?>
+<file path=ppt/slides/slide17.xml><?xml version="1.0" encoding="utf-8"?>
 <p:sld xmlns:a="http://schemas.openxmlformats.org/drawingml/2006/main" xmlns:r="http://schemas.openxmlformats.org/officeDocument/2006/relationships" xmlns:p="http://schemas.openxmlformats.org/presentationml/2006/main">
   <p:cSld>
     <p:spTree>
@@ -9461,18 +8894,18 @@
   <p:clrMapOvr>
     <a:masterClrMapping/>
   </p:clrMapOvr>
-  <mc:AlternateContent xmlns:mc="http://schemas.openxmlformats.org/markup-compatibility/2006" xmlns:p14="http://schemas.microsoft.com/office/powerpoint/2010/main">
-    <mc:Choice Requires="p14">
+  <mc:AlternateContent xmlns:mc="http://schemas.openxmlformats.org/markup-compatibility/2006">
+    <mc:Choice xmlns:p14="http://schemas.microsoft.com/office/powerpoint/2010/main" Requires="p14">
       <p:transition spd="slow" p14:dur="2000"/>
     </mc:Choice>
-    <mc:Fallback xmlns="">
+    <mc:Fallback>
       <p:transition spd="slow"/>
     </mc:Fallback>
   </mc:AlternateContent>
 </p:sld>
 </file>
 
-<file path=ppt/slides/slide19.xml><?xml version="1.0" encoding="utf-8"?>
+<file path=ppt/slides/slide18.xml><?xml version="1.0" encoding="utf-8"?>
 <p:sld xmlns:a="http://schemas.openxmlformats.org/drawingml/2006/main" xmlns:r="http://schemas.openxmlformats.org/officeDocument/2006/relationships" xmlns:p="http://schemas.openxmlformats.org/presentationml/2006/main">
   <p:cSld>
     <p:spTree>
@@ -10427,11 +9860,11 @@
   <p:clrMapOvr>
     <a:masterClrMapping/>
   </p:clrMapOvr>
-  <mc:AlternateContent xmlns:mc="http://schemas.openxmlformats.org/markup-compatibility/2006" xmlns:p14="http://schemas.microsoft.com/office/powerpoint/2010/main">
-    <mc:Choice Requires="p14">
+  <mc:AlternateContent xmlns:mc="http://schemas.openxmlformats.org/markup-compatibility/2006">
+    <mc:Choice xmlns:p14="http://schemas.microsoft.com/office/powerpoint/2010/main" Requires="p14">
       <p:transition spd="slow" p14:dur="2000"/>
     </mc:Choice>
-    <mc:Fallback xmlns="">
+    <mc:Fallback>
       <p:transition spd="slow"/>
     </mc:Fallback>
   </mc:AlternateContent>
@@ -10659,313 +10092,7 @@
 </p:sld>
 </file>
 
-<file path=ppt/slides/slide2.xml><?xml version="1.0" encoding="utf-8"?>
-<p:sld xmlns:a="http://schemas.openxmlformats.org/drawingml/2006/main" xmlns:r="http://schemas.openxmlformats.org/officeDocument/2006/relationships" xmlns:p="http://schemas.openxmlformats.org/presentationml/2006/main">
-  <p:cSld>
-    <p:spTree>
-      <p:nvGrpSpPr>
-        <p:cNvPr id="1" name=""/>
-        <p:cNvGrpSpPr/>
-        <p:nvPr/>
-      </p:nvGrpSpPr>
-      <p:grpSpPr>
-        <a:xfrm>
-          <a:off x="0" y="0"/>
-          <a:ext cx="0" cy="0"/>
-          <a:chOff x="0" y="0"/>
-          <a:chExt cx="0" cy="0"/>
-        </a:xfrm>
-      </p:grpSpPr>
-      <p:sp>
-        <p:nvSpPr>
-          <p:cNvPr id="57" name="Shape 57"/>
-          <p:cNvSpPr/>
-          <p:nvPr/>
-        </p:nvSpPr>
-        <p:spPr>
-          <a:xfrm>
-            <a:off x="2024062" y="476597"/>
-            <a:ext cx="8443913" cy="1082027"/>
-          </a:xfrm>
-          <a:prstGeom prst="rect">
-            <a:avLst/>
-          </a:prstGeom>
-          <a:ln w="12700">
-            <a:miter lim="400000"/>
-          </a:ln>
-          <a:extLst>
-            <a:ext uri="{C572A759-6A51-4108-AA02-DFA0A04FC94B}">
-              <ma14:wrappingTextBoxFlag xmlns:ma14="http://schemas.microsoft.com/office/mac/drawingml/2011/main" val="1"/>
-            </a:ext>
-          </a:extLst>
-        </p:spPr>
-        <p:txBody>
-          <a:bodyPr lIns="0" tIns="0" rIns="0" bIns="0">
-            <a:spAutoFit/>
-          </a:bodyPr>
-          <a:lstStyle/>
-          <a:p>
-            <a:pPr defTabSz="642915">
-              <a:defRPr sz="1800"/>
-            </a:pPr>
-            <a:r>
-              <a:rPr sz="4359" b="1" dirty="0">
-                <a:solidFill>
-                  <a:srgbClr val="C00000"/>
-                </a:solidFill>
-                <a:latin typeface="Trebuchet MS"/>
-                <a:ea typeface="Trebuchet MS"/>
-                <a:cs typeface="Trebuchet MS"/>
-                <a:sym typeface="Trebuchet MS"/>
-              </a:rPr>
-              <a:t>Internet Technology</a:t>
-            </a:r>
-            <a:br>
-              <a:rPr sz="4359" b="1" dirty="0">
-                <a:solidFill>
-                  <a:srgbClr val="C00000"/>
-                </a:solidFill>
-                <a:latin typeface="Trebuchet MS"/>
-                <a:ea typeface="Trebuchet MS"/>
-                <a:cs typeface="Trebuchet MS"/>
-                <a:sym typeface="Trebuchet MS"/>
-              </a:rPr>
-            </a:br>
-            <a:r>
-              <a:rPr sz="2672" b="1" dirty="0">
-                <a:solidFill>
-                  <a:srgbClr val="595959"/>
-                </a:solidFill>
-                <a:latin typeface="Trebuchet MS"/>
-                <a:ea typeface="Trebuchet MS"/>
-                <a:cs typeface="Trebuchet MS"/>
-                <a:sym typeface="Trebuchet MS"/>
-              </a:rPr>
-              <a:t>(week 2)</a:t>
-            </a:r>
-          </a:p>
-        </p:txBody>
-      </p:sp>
-      <p:sp>
-        <p:nvSpPr>
-          <p:cNvPr id="58" name="Shape 58"/>
-          <p:cNvSpPr/>
-          <p:nvPr/>
-        </p:nvSpPr>
-        <p:spPr>
-          <a:xfrm>
-            <a:off x="2138363" y="1778347"/>
-            <a:ext cx="8215312" cy="3109441"/>
-          </a:xfrm>
-          <a:prstGeom prst="rect">
-            <a:avLst/>
-          </a:prstGeom>
-          <a:ln w="12700">
-            <a:miter lim="400000"/>
-          </a:ln>
-          <a:extLst>
-            <a:ext uri="{C572A759-6A51-4108-AA02-DFA0A04FC94B}">
-              <ma14:wrappingTextBoxFlag xmlns:ma14="http://schemas.microsoft.com/office/mac/drawingml/2011/main" val="1"/>
-            </a:ext>
-          </a:extLst>
-        </p:spPr>
-        <p:txBody>
-          <a:bodyPr lIns="0" tIns="0" rIns="0" bIns="0">
-            <a:spAutoFit/>
-          </a:bodyPr>
-          <a:lstStyle/>
-          <a:p>
-            <a:pPr marL="922515" indent="-922515" defTabSz="642915">
-              <a:spcBef>
-                <a:spcPts val="844"/>
-              </a:spcBef>
-              <a:buClr>
-                <a:srgbClr val="C00000"/>
-              </a:buClr>
-              <a:buSzPct val="80000"/>
-              <a:buFont typeface="Wingdings"/>
-              <a:buChar char="➢"/>
-              <a:tabLst>
-                <a:tab pos="80364" algn="l"/>
-              </a:tabLst>
-              <a:defRPr sz="1800"/>
-            </a:pPr>
-            <a:r>
-              <a:rPr sz="2812" dirty="0">
-                <a:latin typeface="Times New Roman"/>
-                <a:ea typeface="Times New Roman"/>
-                <a:cs typeface="Times New Roman"/>
-                <a:sym typeface="Times New Roman"/>
-              </a:rPr>
-              <a:t>Recap of week 1</a:t>
-            </a:r>
-          </a:p>
-          <a:p>
-            <a:pPr marL="922515" indent="-922515" defTabSz="642915">
-              <a:spcBef>
-                <a:spcPts val="844"/>
-              </a:spcBef>
-              <a:buClr>
-                <a:srgbClr val="C00000"/>
-              </a:buClr>
-              <a:buSzPct val="80000"/>
-              <a:buFont typeface="Wingdings"/>
-              <a:buChar char="➢"/>
-              <a:tabLst>
-                <a:tab pos="80364" algn="l"/>
-              </a:tabLst>
-              <a:defRPr sz="1800"/>
-            </a:pPr>
-            <a:r>
-              <a:rPr lang="en-GB" sz="2812" dirty="0">
-                <a:latin typeface="Times New Roman"/>
-                <a:ea typeface="Times New Roman"/>
-                <a:cs typeface="Times New Roman"/>
-                <a:sym typeface="Times New Roman"/>
-              </a:rPr>
-              <a:t>HTML5 Template</a:t>
-            </a:r>
-          </a:p>
-          <a:p>
-            <a:pPr marL="922515" indent="-922515" defTabSz="642915">
-              <a:spcBef>
-                <a:spcPts val="844"/>
-              </a:spcBef>
-              <a:buClr>
-                <a:srgbClr val="C00000"/>
-              </a:buClr>
-              <a:buSzPct val="80000"/>
-              <a:buFont typeface="Wingdings"/>
-              <a:buChar char="➢"/>
-              <a:tabLst>
-                <a:tab pos="80364" algn="l"/>
-              </a:tabLst>
-              <a:defRPr sz="1800"/>
-            </a:pPr>
-            <a:r>
-              <a:rPr lang="en-GB" sz="2812" dirty="0">
-                <a:latin typeface="Times New Roman"/>
-                <a:ea typeface="Times New Roman"/>
-                <a:cs typeface="Times New Roman"/>
-                <a:sym typeface="Times New Roman"/>
-              </a:rPr>
-              <a:t>Some New Tags</a:t>
-            </a:r>
-            <a:endParaRPr sz="2812" dirty="0">
-              <a:latin typeface="Arial"/>
-              <a:ea typeface="Arial"/>
-              <a:cs typeface="Arial"/>
-              <a:sym typeface="Arial"/>
-            </a:endParaRPr>
-          </a:p>
-          <a:p>
-            <a:pPr marL="922515" indent="-922515" defTabSz="642915">
-              <a:spcBef>
-                <a:spcPts val="844"/>
-              </a:spcBef>
-              <a:buClr>
-                <a:srgbClr val="C00000"/>
-              </a:buClr>
-              <a:buSzPct val="80000"/>
-              <a:buFont typeface="Wingdings"/>
-              <a:buChar char="➢"/>
-              <a:tabLst>
-                <a:tab pos="80364" algn="l"/>
-              </a:tabLst>
-              <a:defRPr sz="1800"/>
-            </a:pPr>
-            <a:r>
-              <a:rPr sz="2812" dirty="0">
-                <a:latin typeface="Times New Roman"/>
-                <a:ea typeface="Times New Roman"/>
-                <a:cs typeface="Times New Roman"/>
-                <a:sym typeface="Times New Roman"/>
-              </a:rPr>
-              <a:t>Web Standards</a:t>
-            </a:r>
-          </a:p>
-          <a:p>
-            <a:pPr marL="922515" indent="-922515" defTabSz="642915">
-              <a:spcBef>
-                <a:spcPts val="844"/>
-              </a:spcBef>
-              <a:buClr>
-                <a:srgbClr val="C00000"/>
-              </a:buClr>
-              <a:buSzPct val="80000"/>
-              <a:buFont typeface="Wingdings"/>
-              <a:buChar char="➢"/>
-              <a:tabLst>
-                <a:tab pos="80364" algn="l"/>
-              </a:tabLst>
-              <a:defRPr sz="1800"/>
-            </a:pPr>
-            <a:r>
-              <a:rPr sz="2812" dirty="0">
-                <a:latin typeface="Times New Roman"/>
-                <a:ea typeface="Times New Roman"/>
-                <a:cs typeface="Times New Roman"/>
-                <a:sym typeface="Times New Roman"/>
-              </a:rPr>
-              <a:t>Complete HTML table task</a:t>
-            </a:r>
-            <a:endParaRPr sz="2812" dirty="0">
-              <a:latin typeface="Arial"/>
-              <a:ea typeface="Arial"/>
-              <a:cs typeface="Arial"/>
-              <a:sym typeface="Arial"/>
-            </a:endParaRPr>
-          </a:p>
-          <a:p>
-            <a:pPr marL="922515" indent="-922515" defTabSz="642915">
-              <a:spcBef>
-                <a:spcPts val="844"/>
-              </a:spcBef>
-              <a:buClr>
-                <a:srgbClr val="C00000"/>
-              </a:buClr>
-              <a:buSzPct val="80000"/>
-              <a:buFont typeface="Wingdings"/>
-              <a:buChar char="➢"/>
-              <a:tabLst>
-                <a:tab pos="80364" algn="l"/>
-              </a:tabLst>
-              <a:defRPr sz="1800"/>
-            </a:pPr>
-            <a:r>
-              <a:rPr sz="2812" dirty="0">
-                <a:latin typeface="Times New Roman"/>
-                <a:ea typeface="Times New Roman"/>
-                <a:cs typeface="Times New Roman"/>
-                <a:sym typeface="Times New Roman"/>
-              </a:rPr>
-              <a:t>Start assessment 1 </a:t>
-            </a:r>
-          </a:p>
-        </p:txBody>
-      </p:sp>
-    </p:spTree>
-    <p:extLst>
-      <p:ext uri="{BB962C8B-B14F-4D97-AF65-F5344CB8AC3E}">
-        <p14:creationId xmlns:p14="http://schemas.microsoft.com/office/powerpoint/2010/main" val="1687456049"/>
-      </p:ext>
-    </p:extLst>
-  </p:cSld>
-  <p:clrMapOvr>
-    <a:masterClrMapping/>
-  </p:clrMapOvr>
-  <mc:AlternateContent xmlns:mc="http://schemas.openxmlformats.org/markup-compatibility/2006" xmlns:p14="http://schemas.microsoft.com/office/powerpoint/2010/main">
-    <mc:Choice Requires="p14">
-      <p:transition spd="slow" p14:dur="2000"/>
-    </mc:Choice>
-    <mc:Fallback xmlns="">
-      <p:transition spd="slow"/>
-    </mc:Fallback>
-  </mc:AlternateContent>
-</p:sld>
-</file>
-
-<file path=ppt/slides/slide20.xml><?xml version="1.0" encoding="utf-8"?>
+<file path=ppt/slides/slide19.xml><?xml version="1.0" encoding="utf-8"?>
 <p:sld xmlns:a="http://schemas.openxmlformats.org/drawingml/2006/main" xmlns:r="http://schemas.openxmlformats.org/officeDocument/2006/relationships" xmlns:p="http://schemas.openxmlformats.org/presentationml/2006/main">
   <p:cSld>
     <p:spTree>
@@ -11221,18 +10348,18 @@
   <p:clrMapOvr>
     <a:masterClrMapping/>
   </p:clrMapOvr>
-  <mc:AlternateContent xmlns:mc="http://schemas.openxmlformats.org/markup-compatibility/2006" xmlns:p14="http://schemas.microsoft.com/office/powerpoint/2010/main">
-    <mc:Choice Requires="p14">
+  <mc:AlternateContent xmlns:mc="http://schemas.openxmlformats.org/markup-compatibility/2006">
+    <mc:Choice xmlns:p14="http://schemas.microsoft.com/office/powerpoint/2010/main" Requires="p14">
       <p:transition spd="slow" p14:dur="2000"/>
     </mc:Choice>
-    <mc:Fallback xmlns="">
+    <mc:Fallback>
       <p:transition spd="slow"/>
     </mc:Fallback>
   </mc:AlternateContent>
 </p:sld>
 </file>
 
-<file path=ppt/slides/slide3.xml><?xml version="1.0" encoding="utf-8"?>
+<file path=ppt/slides/slide2.xml><?xml version="1.0" encoding="utf-8"?>
 <p:sld xmlns:a="http://schemas.openxmlformats.org/drawingml/2006/main" xmlns:r="http://schemas.openxmlformats.org/officeDocument/2006/relationships" xmlns:p="http://schemas.openxmlformats.org/presentationml/2006/main">
   <p:cSld>
     <p:spTree>
@@ -11251,21 +10378,38 @@
       </p:grpSpPr>
       <p:sp>
         <p:nvSpPr>
-          <p:cNvPr id="2" name="Title 1"/>
-          <p:cNvSpPr>
-            <a:spLocks noGrp="1"/>
-          </p:cNvSpPr>
-          <p:nvPr>
-            <p:ph type="title"/>
-          </p:nvPr>
+          <p:cNvPr id="57" name="Shape 57"/>
+          <p:cNvSpPr/>
+          <p:nvPr/>
         </p:nvSpPr>
-        <p:spPr/>
+        <p:spPr>
+          <a:xfrm>
+            <a:off x="2024062" y="476597"/>
+            <a:ext cx="8443913" cy="1082027"/>
+          </a:xfrm>
+          <a:prstGeom prst="rect">
+            <a:avLst/>
+          </a:prstGeom>
+          <a:ln w="12700">
+            <a:miter lim="400000"/>
+          </a:ln>
+          <a:extLst>
+            <a:ext uri="{C572A759-6A51-4108-AA02-DFA0A04FC94B}">
+              <ma14:wrappingTextBoxFlag xmlns:ma14="http://schemas.microsoft.com/office/mac/drawingml/2011/main" val="1"/>
+            </a:ext>
+          </a:extLst>
+        </p:spPr>
         <p:txBody>
-          <a:bodyPr/>
+          <a:bodyPr lIns="0" tIns="0" rIns="0" bIns="0">
+            <a:spAutoFit/>
+          </a:bodyPr>
           <a:lstStyle/>
           <a:p>
-            <a:r>
-              <a:rPr lang="en-US" b="1" dirty="0" smtClean="0">
+            <a:pPr defTabSz="642915">
+              <a:defRPr sz="1800"/>
+            </a:pPr>
+            <a:r>
+              <a:rPr sz="4359" b="1">
                 <a:solidFill>
                   <a:srgbClr val="C00000"/>
                 </a:solidFill>
@@ -11274,67 +10418,254 @@
                 <a:cs typeface="Trebuchet MS"/>
                 <a:sym typeface="Trebuchet MS"/>
               </a:rPr>
-              <a:t>Tech News</a:t>
-            </a:r>
-            <a:endParaRPr lang="en-US" dirty="0"/>
+              <a:t>Internet Technology</a:t>
+            </a:r>
+            <a:br>
+              <a:rPr sz="4359" b="1">
+                <a:solidFill>
+                  <a:srgbClr val="C00000"/>
+                </a:solidFill>
+                <a:latin typeface="Trebuchet MS"/>
+                <a:ea typeface="Trebuchet MS"/>
+                <a:cs typeface="Trebuchet MS"/>
+                <a:sym typeface="Trebuchet MS"/>
+              </a:rPr>
+            </a:br>
+            <a:r>
+              <a:rPr sz="2672" b="1">
+                <a:solidFill>
+                  <a:srgbClr val="595959"/>
+                </a:solidFill>
+                <a:latin typeface="Trebuchet MS"/>
+                <a:ea typeface="Trebuchet MS"/>
+                <a:cs typeface="Trebuchet MS"/>
+                <a:sym typeface="Trebuchet MS"/>
+              </a:rPr>
+              <a:t>(week 2)</a:t>
+            </a:r>
           </a:p>
         </p:txBody>
       </p:sp>
       <p:sp>
         <p:nvSpPr>
-          <p:cNvPr id="3" name="Content Placeholder 2"/>
-          <p:cNvSpPr>
-            <a:spLocks noGrp="1"/>
-          </p:cNvSpPr>
-          <p:nvPr>
-            <p:ph idx="1"/>
-          </p:nvPr>
+          <p:cNvPr id="58" name="Shape 58"/>
+          <p:cNvSpPr/>
+          <p:nvPr/>
         </p:nvSpPr>
-        <p:spPr/>
+        <p:spPr>
+          <a:xfrm>
+            <a:off x="2138363" y="1778347"/>
+            <a:ext cx="8215312" cy="3109441"/>
+          </a:xfrm>
+          <a:prstGeom prst="rect">
+            <a:avLst/>
+          </a:prstGeom>
+          <a:ln w="12700">
+            <a:miter lim="400000"/>
+          </a:ln>
+          <a:extLst>
+            <a:ext uri="{C572A759-6A51-4108-AA02-DFA0A04FC94B}">
+              <ma14:wrappingTextBoxFlag xmlns:ma14="http://schemas.microsoft.com/office/mac/drawingml/2011/main" val="1"/>
+            </a:ext>
+          </a:extLst>
+        </p:spPr>
         <p:txBody>
-          <a:bodyPr/>
+          <a:bodyPr lIns="0" tIns="0" rIns="0" bIns="0">
+            <a:spAutoFit/>
+          </a:bodyPr>
           <a:lstStyle/>
           <a:p>
-            <a:r>
-              <a:rPr lang="en-US" dirty="0" err="1" smtClean="0"/>
-              <a:t>Deliveroo</a:t>
-            </a:r>
-            <a:r>
-              <a:rPr lang="en-US" dirty="0" smtClean="0"/>
-              <a:t> lost £129 million (Dec 2012)</a:t>
-            </a:r>
-          </a:p>
-          <a:p>
-            <a:r>
-              <a:rPr lang="en-US" dirty="0" smtClean="0"/>
-              <a:t>Raised 275 million</a:t>
-            </a:r>
-          </a:p>
-          <a:p>
-            <a:r>
-              <a:rPr lang="en-US" dirty="0" smtClean="0"/>
-              <a:t>Revenue up 29%</a:t>
-            </a:r>
-          </a:p>
-          <a:p>
-            <a:endParaRPr lang="en-US" dirty="0"/>
+            <a:pPr marL="922515" indent="-922515" defTabSz="642915">
+              <a:spcBef>
+                <a:spcPts val="844"/>
+              </a:spcBef>
+              <a:buClr>
+                <a:srgbClr val="C00000"/>
+              </a:buClr>
+              <a:buSzPct val="80000"/>
+              <a:buFont typeface="Wingdings"/>
+              <a:buChar char="➢"/>
+              <a:tabLst>
+                <a:tab pos="80364" algn="l"/>
+              </a:tabLst>
+              <a:defRPr sz="1800"/>
+            </a:pPr>
+            <a:r>
+              <a:rPr sz="2812" dirty="0">
+                <a:latin typeface="Times New Roman"/>
+                <a:ea typeface="Times New Roman"/>
+                <a:cs typeface="Times New Roman"/>
+                <a:sym typeface="Times New Roman"/>
+              </a:rPr>
+              <a:t>Recap of week 1</a:t>
+            </a:r>
+          </a:p>
+          <a:p>
+            <a:pPr marL="922515" indent="-922515" defTabSz="642915">
+              <a:spcBef>
+                <a:spcPts val="844"/>
+              </a:spcBef>
+              <a:buClr>
+                <a:srgbClr val="C00000"/>
+              </a:buClr>
+              <a:buSzPct val="80000"/>
+              <a:buFont typeface="Wingdings"/>
+              <a:buChar char="➢"/>
+              <a:tabLst>
+                <a:tab pos="80364" algn="l"/>
+              </a:tabLst>
+              <a:defRPr sz="1800"/>
+            </a:pPr>
+            <a:r>
+              <a:rPr lang="en-GB" sz="2812" dirty="0">
+                <a:latin typeface="Times New Roman"/>
+                <a:ea typeface="Times New Roman"/>
+                <a:cs typeface="Times New Roman"/>
+                <a:sym typeface="Times New Roman"/>
+              </a:rPr>
+              <a:t>HTML5 Template</a:t>
+            </a:r>
+          </a:p>
+          <a:p>
+            <a:pPr marL="922515" indent="-922515" defTabSz="642915">
+              <a:spcBef>
+                <a:spcPts val="844"/>
+              </a:spcBef>
+              <a:buClr>
+                <a:srgbClr val="C00000"/>
+              </a:buClr>
+              <a:buSzPct val="80000"/>
+              <a:buFont typeface="Wingdings"/>
+              <a:buChar char="➢"/>
+              <a:tabLst>
+                <a:tab pos="80364" algn="l"/>
+              </a:tabLst>
+              <a:defRPr sz="1800"/>
+            </a:pPr>
+            <a:r>
+              <a:rPr lang="en-GB" sz="2812" dirty="0">
+                <a:latin typeface="Times New Roman"/>
+                <a:ea typeface="Times New Roman"/>
+                <a:cs typeface="Times New Roman"/>
+                <a:sym typeface="Times New Roman"/>
+              </a:rPr>
+              <a:t>Some New Tags</a:t>
+            </a:r>
+            <a:endParaRPr sz="2812" dirty="0">
+              <a:latin typeface="Arial"/>
+              <a:ea typeface="Arial"/>
+              <a:cs typeface="Arial"/>
+              <a:sym typeface="Arial"/>
+            </a:endParaRPr>
+          </a:p>
+          <a:p>
+            <a:pPr marL="922515" indent="-922515" defTabSz="642915">
+              <a:spcBef>
+                <a:spcPts val="844"/>
+              </a:spcBef>
+              <a:buClr>
+                <a:srgbClr val="C00000"/>
+              </a:buClr>
+              <a:buSzPct val="80000"/>
+              <a:buFont typeface="Wingdings"/>
+              <a:buChar char="➢"/>
+              <a:tabLst>
+                <a:tab pos="80364" algn="l"/>
+              </a:tabLst>
+              <a:defRPr sz="1800"/>
+            </a:pPr>
+            <a:r>
+              <a:rPr sz="2812" dirty="0">
+                <a:latin typeface="Times New Roman"/>
+                <a:ea typeface="Times New Roman"/>
+                <a:cs typeface="Times New Roman"/>
+                <a:sym typeface="Times New Roman"/>
+              </a:rPr>
+              <a:t>Web Standards</a:t>
+            </a:r>
+          </a:p>
+          <a:p>
+            <a:pPr marL="922515" indent="-922515" defTabSz="642915">
+              <a:spcBef>
+                <a:spcPts val="844"/>
+              </a:spcBef>
+              <a:buClr>
+                <a:srgbClr val="C00000"/>
+              </a:buClr>
+              <a:buSzPct val="80000"/>
+              <a:buFont typeface="Wingdings"/>
+              <a:buChar char="➢"/>
+              <a:tabLst>
+                <a:tab pos="80364" algn="l"/>
+              </a:tabLst>
+              <a:defRPr sz="1800"/>
+            </a:pPr>
+            <a:r>
+              <a:rPr sz="2812" dirty="0">
+                <a:latin typeface="Times New Roman"/>
+                <a:ea typeface="Times New Roman"/>
+                <a:cs typeface="Times New Roman"/>
+                <a:sym typeface="Times New Roman"/>
+              </a:rPr>
+              <a:t>Complete HTML table task</a:t>
+            </a:r>
+            <a:endParaRPr sz="2812" dirty="0">
+              <a:latin typeface="Arial"/>
+              <a:ea typeface="Arial"/>
+              <a:cs typeface="Arial"/>
+              <a:sym typeface="Arial"/>
+            </a:endParaRPr>
+          </a:p>
+          <a:p>
+            <a:pPr marL="922515" indent="-922515" defTabSz="642915">
+              <a:spcBef>
+                <a:spcPts val="844"/>
+              </a:spcBef>
+              <a:buClr>
+                <a:srgbClr val="C00000"/>
+              </a:buClr>
+              <a:buSzPct val="80000"/>
+              <a:buFont typeface="Wingdings"/>
+              <a:buChar char="➢"/>
+              <a:tabLst>
+                <a:tab pos="80364" algn="l"/>
+              </a:tabLst>
+              <a:defRPr sz="1800"/>
+            </a:pPr>
+            <a:r>
+              <a:rPr sz="2812" dirty="0">
+                <a:latin typeface="Times New Roman"/>
+                <a:ea typeface="Times New Roman"/>
+                <a:cs typeface="Times New Roman"/>
+                <a:sym typeface="Times New Roman"/>
+              </a:rPr>
+              <a:t>Start assessment 1 </a:t>
+            </a:r>
           </a:p>
         </p:txBody>
       </p:sp>
     </p:spTree>
     <p:extLst>
       <p:ext uri="{BB962C8B-B14F-4D97-AF65-F5344CB8AC3E}">
-        <p14:creationId xmlns:p14="http://schemas.microsoft.com/office/powerpoint/2010/main" val="654592179"/>
+        <p14:creationId xmlns:p14="http://schemas.microsoft.com/office/powerpoint/2010/main" val="1687456049"/>
       </p:ext>
     </p:extLst>
   </p:cSld>
   <p:clrMapOvr>
     <a:masterClrMapping/>
   </p:clrMapOvr>
+  <mc:AlternateContent xmlns:mc="http://schemas.openxmlformats.org/markup-compatibility/2006">
+    <mc:Choice xmlns:p14="http://schemas.microsoft.com/office/powerpoint/2010/main" Requires="p14">
+      <p:transition spd="slow" p14:dur="2000"/>
+    </mc:Choice>
+    <mc:Fallback>
+      <p:transition spd="slow"/>
+    </mc:Fallback>
+  </mc:AlternateContent>
 </p:sld>
 </file>
 
-<file path=ppt/slides/slide4.xml><?xml version="1.0" encoding="utf-8"?>
+<file path=ppt/slides/slide3.xml><?xml version="1.0" encoding="utf-8"?>
 <p:sld xmlns:a="http://schemas.openxmlformats.org/drawingml/2006/main" xmlns:r="http://schemas.openxmlformats.org/officeDocument/2006/relationships" xmlns:p="http://schemas.openxmlformats.org/presentationml/2006/main">
   <p:cSld>
     <p:spTree>
@@ -11595,18 +10926,18 @@
   <p:clrMapOvr>
     <a:masterClrMapping/>
   </p:clrMapOvr>
-  <mc:AlternateContent xmlns:mc="http://schemas.openxmlformats.org/markup-compatibility/2006" xmlns:p14="http://schemas.microsoft.com/office/powerpoint/2010/main">
-    <mc:Choice Requires="p14">
+  <mc:AlternateContent xmlns:mc="http://schemas.openxmlformats.org/markup-compatibility/2006">
+    <mc:Choice xmlns:p14="http://schemas.microsoft.com/office/powerpoint/2010/main" Requires="p14">
       <p:transition spd="slow" p14:dur="2000"/>
     </mc:Choice>
-    <mc:Fallback xmlns="">
+    <mc:Fallback>
       <p:transition spd="slow"/>
     </mc:Fallback>
   </mc:AlternateContent>
 </p:sld>
 </file>
 
-<file path=ppt/slides/slide5.xml><?xml version="1.0" encoding="utf-8"?>
+<file path=ppt/slides/slide4.xml><?xml version="1.0" encoding="utf-8"?>
 <p:sld xmlns:a="http://schemas.openxmlformats.org/drawingml/2006/main" xmlns:r="http://schemas.openxmlformats.org/officeDocument/2006/relationships" xmlns:p="http://schemas.openxmlformats.org/presentationml/2006/main">
   <p:cSld>
     <p:spTree>
@@ -12554,18 +11885,18 @@
   <p:clrMapOvr>
     <a:masterClrMapping/>
   </p:clrMapOvr>
-  <mc:AlternateContent xmlns:mc="http://schemas.openxmlformats.org/markup-compatibility/2006" xmlns:p14="http://schemas.microsoft.com/office/powerpoint/2010/main">
-    <mc:Choice Requires="p14">
+  <mc:AlternateContent xmlns:mc="http://schemas.openxmlformats.org/markup-compatibility/2006">
+    <mc:Choice xmlns:p14="http://schemas.microsoft.com/office/powerpoint/2010/main" Requires="p14">
       <p:transition spd="slow" p14:dur="2000"/>
     </mc:Choice>
-    <mc:Fallback xmlns="">
+    <mc:Fallback>
       <p:transition spd="slow"/>
     </mc:Fallback>
   </mc:AlternateContent>
 </p:sld>
 </file>
 
-<file path=ppt/slides/slide6.xml><?xml version="1.0" encoding="utf-8"?>
+<file path=ppt/slides/slide5.xml><?xml version="1.0" encoding="utf-8"?>
 <p:sld xmlns:a="http://schemas.openxmlformats.org/drawingml/2006/main" xmlns:r="http://schemas.openxmlformats.org/officeDocument/2006/relationships" xmlns:p="http://schemas.openxmlformats.org/presentationml/2006/main">
   <p:cSld>
     <p:spTree>
@@ -12828,18 +12159,18 @@
   <p:clrMapOvr>
     <a:masterClrMapping/>
   </p:clrMapOvr>
-  <mc:AlternateContent xmlns:mc="http://schemas.openxmlformats.org/markup-compatibility/2006" xmlns:p14="http://schemas.microsoft.com/office/powerpoint/2010/main">
-    <mc:Choice Requires="p14">
+  <mc:AlternateContent xmlns:mc="http://schemas.openxmlformats.org/markup-compatibility/2006">
+    <mc:Choice xmlns:p14="http://schemas.microsoft.com/office/powerpoint/2010/main" Requires="p14">
       <p:transition spd="slow" p14:dur="2000"/>
     </mc:Choice>
-    <mc:Fallback xmlns="">
+    <mc:Fallback>
       <p:transition spd="slow"/>
     </mc:Fallback>
   </mc:AlternateContent>
 </p:sld>
 </file>
 
-<file path=ppt/slides/slide7.xml><?xml version="1.0" encoding="utf-8"?>
+<file path=ppt/slides/slide6.xml><?xml version="1.0" encoding="utf-8"?>
 <p:sld xmlns:a="http://schemas.openxmlformats.org/drawingml/2006/main" xmlns:r="http://schemas.openxmlformats.org/officeDocument/2006/relationships" xmlns:p="http://schemas.openxmlformats.org/presentationml/2006/main">
   <p:cSld>
     <p:spTree>
@@ -13122,7 +12453,16 @@
                 <a:cs typeface="Times New Roman"/>
                 <a:sym typeface="Times New Roman"/>
               </a:rPr>
-              <a:t>Use the heading order sensibly and do not skip heading levels (e.g. from h2 to h</a:t>
+              <a:t>Use the heading order sensibly and do not skip heading levels (e.g. from h2 to </a:t>
+            </a:r>
+            <a:r>
+              <a:rPr sz="3516" dirty="0">
+                <a:latin typeface="Times New Roman"/>
+                <a:ea typeface="Times New Roman"/>
+                <a:cs typeface="Times New Roman"/>
+                <a:sym typeface="Times New Roman"/>
+              </a:rPr>
+              <a:t>h</a:t>
             </a:r>
             <a:r>
               <a:rPr lang="en-GB" sz="3516" dirty="0">
@@ -13205,11 +12545,11 @@
   <p:clrMapOvr>
     <a:masterClrMapping/>
   </p:clrMapOvr>
-  <mc:AlternateContent xmlns:mc="http://schemas.openxmlformats.org/markup-compatibility/2006" xmlns:p14="http://schemas.microsoft.com/office/powerpoint/2010/main">
-    <mc:Choice Requires="p14">
+  <mc:AlternateContent xmlns:mc="http://schemas.openxmlformats.org/markup-compatibility/2006">
+    <mc:Choice xmlns:p14="http://schemas.microsoft.com/office/powerpoint/2010/main" Requires="p14">
       <p:transition spd="slow" p14:dur="2000"/>
     </mc:Choice>
-    <mc:Fallback xmlns="">
+    <mc:Fallback>
       <p:transition spd="slow"/>
     </mc:Fallback>
   </mc:AlternateContent>
@@ -13493,7 +12833,7 @@
 </p:sld>
 </file>
 
-<file path=ppt/slides/slide8.xml><?xml version="1.0" encoding="utf-8"?>
+<file path=ppt/slides/slide7.xml><?xml version="1.0" encoding="utf-8"?>
 <p:sld xmlns:a="http://schemas.openxmlformats.org/drawingml/2006/main" xmlns:r="http://schemas.openxmlformats.org/officeDocument/2006/relationships" xmlns:p="http://schemas.openxmlformats.org/presentationml/2006/main">
   <p:cSld>
     <p:spTree>
@@ -13878,11 +13218,11 @@
   <p:clrMapOvr>
     <a:masterClrMapping/>
   </p:clrMapOvr>
-  <mc:AlternateContent xmlns:mc="http://schemas.openxmlformats.org/markup-compatibility/2006" xmlns:p14="http://schemas.microsoft.com/office/powerpoint/2010/main">
-    <mc:Choice Requires="p14">
+  <mc:AlternateContent xmlns:mc="http://schemas.openxmlformats.org/markup-compatibility/2006">
+    <mc:Choice xmlns:p14="http://schemas.microsoft.com/office/powerpoint/2010/main" Requires="p14">
       <p:transition spd="slow" p14:dur="2000"/>
     </mc:Choice>
-    <mc:Fallback xmlns="">
+    <mc:Fallback>
       <p:transition spd="slow"/>
     </mc:Fallback>
   </mc:AlternateContent>
@@ -14166,7 +13506,7 @@
 </p:sld>
 </file>
 
-<file path=ppt/slides/slide9.xml><?xml version="1.0" encoding="utf-8"?>
+<file path=ppt/slides/slide8.xml><?xml version="1.0" encoding="utf-8"?>
 <p:sld xmlns:a="http://schemas.openxmlformats.org/drawingml/2006/main" xmlns:r="http://schemas.openxmlformats.org/officeDocument/2006/relationships" xmlns:p="http://schemas.openxmlformats.org/presentationml/2006/main">
   <p:cSld>
     <p:spTree>
@@ -14617,11 +13957,11 @@
   <p:clrMapOvr>
     <a:masterClrMapping/>
   </p:clrMapOvr>
-  <mc:AlternateContent xmlns:mc="http://schemas.openxmlformats.org/markup-compatibility/2006" xmlns:p14="http://schemas.microsoft.com/office/powerpoint/2010/main">
-    <mc:Choice Requires="p14">
+  <mc:AlternateContent xmlns:mc="http://schemas.openxmlformats.org/markup-compatibility/2006">
+    <mc:Choice xmlns:p14="http://schemas.microsoft.com/office/powerpoint/2010/main" Requires="p14">
       <p:transition spd="slow" p14:dur="2000"/>
     </mc:Choice>
-    <mc:Fallback xmlns="">
+    <mc:Fallback>
       <p:transition spd="slow"/>
     </mc:Fallback>
   </mc:AlternateContent>
@@ -15017,6 +14357,584 @@
     </p:tnLst>
     <p:bldLst>
       <p:bldP spid="101" grpId="0" build="p" bldLvl="5" animBg="1" advAuto="0"/>
+    </p:bldLst>
+  </p:timing>
+</p:sld>
+</file>
+
+<file path=ppt/slides/slide9.xml><?xml version="1.0" encoding="utf-8"?>
+<p:sld xmlns:a="http://schemas.openxmlformats.org/drawingml/2006/main" xmlns:r="http://schemas.openxmlformats.org/officeDocument/2006/relationships" xmlns:p="http://schemas.openxmlformats.org/presentationml/2006/main">
+  <p:cSld>
+    <p:spTree>
+      <p:nvGrpSpPr>
+        <p:cNvPr id="1" name=""/>
+        <p:cNvGrpSpPr/>
+        <p:nvPr/>
+      </p:nvGrpSpPr>
+      <p:grpSpPr>
+        <a:xfrm>
+          <a:off x="0" y="0"/>
+          <a:ext cx="0" cy="0"/>
+          <a:chOff x="0" y="0"/>
+          <a:chExt cx="0" cy="0"/>
+        </a:xfrm>
+      </p:grpSpPr>
+      <p:sp>
+        <p:nvSpPr>
+          <p:cNvPr id="105" name="Shape 105"/>
+          <p:cNvSpPr>
+            <a:spLocks noGrp="1"/>
+          </p:cNvSpPr>
+          <p:nvPr>
+            <p:ph type="title"/>
+          </p:nvPr>
+        </p:nvSpPr>
+        <p:spPr>
+          <a:xfrm>
+            <a:off x="1973262" y="260350"/>
+            <a:ext cx="8227194" cy="792164"/>
+          </a:xfrm>
+          <a:prstGeom prst="rect">
+            <a:avLst/>
+          </a:prstGeom>
+        </p:spPr>
+        <p:txBody>
+          <a:bodyPr>
+            <a:normAutofit/>
+          </a:bodyPr>
+          <a:lstStyle>
+            <a:lvl1pPr algn="ctr">
+              <a:defRPr sz="5000">
+                <a:solidFill>
+                  <a:srgbClr val="000000"/>
+                </a:solidFill>
+              </a:defRPr>
+            </a:lvl1pPr>
+          </a:lstStyle>
+          <a:p>
+            <a:pPr lvl="0">
+              <a:defRPr sz="1800" b="0"/>
+            </a:pPr>
+            <a:r>
+              <a:rPr sz="3516" b="1"/>
+              <a:t>HTML Comment</a:t>
+            </a:r>
+          </a:p>
+        </p:txBody>
+      </p:sp>
+      <p:sp>
+        <p:nvSpPr>
+          <p:cNvPr id="106" name="Shape 106"/>
+          <p:cNvSpPr/>
+          <p:nvPr/>
+        </p:nvSpPr>
+        <p:spPr>
+          <a:xfrm>
+            <a:off x="1774825" y="1125538"/>
+            <a:ext cx="8893176" cy="4269117"/>
+          </a:xfrm>
+          <a:prstGeom prst="rect">
+            <a:avLst/>
+          </a:prstGeom>
+          <a:ln w="12700">
+            <a:miter lim="400000"/>
+          </a:ln>
+          <a:extLst>
+            <a:ext uri="{C572A759-6A51-4108-AA02-DFA0A04FC94B}">
+              <ma14:wrappingTextBoxFlag xmlns:ma14="http://schemas.microsoft.com/office/mac/drawingml/2011/main" val="1"/>
+            </a:ext>
+          </a:extLst>
+        </p:spPr>
+        <p:txBody>
+          <a:bodyPr lIns="0" tIns="0" rIns="0" bIns="0">
+            <a:spAutoFit/>
+          </a:bodyPr>
+          <a:lstStyle/>
+          <a:p>
+            <a:pPr marL="187517" indent="-187517" defTabSz="642915">
+              <a:spcBef>
+                <a:spcPts val="844"/>
+              </a:spcBef>
+              <a:tabLst>
+                <a:tab pos="80364" algn="l"/>
+              </a:tabLst>
+              <a:defRPr sz="1800"/>
+            </a:pPr>
+            <a:r>
+              <a:rPr sz="3375">
+                <a:solidFill>
+                  <a:srgbClr val="C00000"/>
+                </a:solidFill>
+                <a:latin typeface="Consolas"/>
+                <a:ea typeface="Consolas"/>
+                <a:cs typeface="Consolas"/>
+                <a:sym typeface="Consolas"/>
+              </a:rPr>
+              <a:t>&lt;!--</a:t>
+            </a:r>
+            <a:r>
+              <a:rPr sz="3375">
+                <a:latin typeface="Consolas"/>
+                <a:ea typeface="Consolas"/>
+                <a:cs typeface="Consolas"/>
+                <a:sym typeface="Consolas"/>
+              </a:rPr>
+              <a:t> </a:t>
+            </a:r>
+            <a:r>
+              <a:rPr sz="3375" i="1">
+                <a:solidFill>
+                  <a:srgbClr val="808080"/>
+                </a:solidFill>
+                <a:latin typeface="Consolas"/>
+                <a:ea typeface="Consolas"/>
+                <a:cs typeface="Consolas"/>
+                <a:sym typeface="Consolas"/>
+              </a:rPr>
+              <a:t>This is a comment </a:t>
+            </a:r>
+            <a:r>
+              <a:rPr sz="3375">
+                <a:solidFill>
+                  <a:srgbClr val="C00000"/>
+                </a:solidFill>
+                <a:latin typeface="Consolas"/>
+                <a:ea typeface="Consolas"/>
+                <a:cs typeface="Consolas"/>
+                <a:sym typeface="Consolas"/>
+              </a:rPr>
+              <a:t>--&gt;</a:t>
+            </a:r>
+            <a:endParaRPr sz="2391">
+              <a:latin typeface="Arial"/>
+              <a:ea typeface="Arial"/>
+              <a:cs typeface="Arial"/>
+              <a:sym typeface="Arial"/>
+            </a:endParaRPr>
+          </a:p>
+          <a:p>
+            <a:pPr marL="343781" indent="-343781" defTabSz="642915">
+              <a:spcBef>
+                <a:spcPts val="1266"/>
+              </a:spcBef>
+              <a:buClr>
+                <a:srgbClr val="C00000"/>
+              </a:buClr>
+              <a:buSzPct val="80000"/>
+              <a:buFont typeface="Arial"/>
+              <a:buChar char="•"/>
+              <a:tabLst>
+                <a:tab pos="80364" algn="l"/>
+              </a:tabLst>
+              <a:defRPr sz="1800"/>
+            </a:pPr>
+            <a:r>
+              <a:rPr sz="3094">
+                <a:latin typeface="Times New Roman"/>
+                <a:ea typeface="Times New Roman"/>
+                <a:cs typeface="Times New Roman"/>
+                <a:sym typeface="Times New Roman"/>
+              </a:rPr>
+              <a:t>Add comments for the purpose of making the source code easier to understand</a:t>
+            </a:r>
+            <a:endParaRPr sz="3094">
+              <a:latin typeface="Arial"/>
+              <a:ea typeface="Arial"/>
+              <a:cs typeface="Arial"/>
+              <a:sym typeface="Arial"/>
+            </a:endParaRPr>
+          </a:p>
+          <a:p>
+            <a:pPr marL="343781" indent="-343781" defTabSz="642915">
+              <a:spcBef>
+                <a:spcPts val="844"/>
+              </a:spcBef>
+              <a:buClr>
+                <a:srgbClr val="C00000"/>
+              </a:buClr>
+              <a:buSzPct val="80000"/>
+              <a:buFont typeface="Arial"/>
+              <a:buChar char="•"/>
+              <a:tabLst>
+                <a:tab pos="80364" algn="l"/>
+              </a:tabLst>
+              <a:defRPr sz="1800"/>
+            </a:pPr>
+            <a:r>
+              <a:rPr sz="3094">
+                <a:latin typeface="Times New Roman"/>
+                <a:ea typeface="Times New Roman"/>
+                <a:cs typeface="Times New Roman"/>
+                <a:sym typeface="Times New Roman"/>
+              </a:rPr>
+              <a:t>Comments are not displayed in the browsers</a:t>
+            </a:r>
+            <a:endParaRPr sz="3094">
+              <a:latin typeface="Arial"/>
+              <a:ea typeface="Arial"/>
+              <a:cs typeface="Arial"/>
+              <a:sym typeface="Arial"/>
+            </a:endParaRPr>
+          </a:p>
+          <a:p>
+            <a:pPr marL="343781" indent="-343781" defTabSz="642915">
+              <a:spcBef>
+                <a:spcPts val="844"/>
+              </a:spcBef>
+              <a:buClr>
+                <a:srgbClr val="C00000"/>
+              </a:buClr>
+              <a:buSzPct val="80000"/>
+              <a:buFont typeface="Arial"/>
+              <a:buChar char="•"/>
+              <a:tabLst>
+                <a:tab pos="80364" algn="l"/>
+              </a:tabLst>
+              <a:defRPr sz="1800"/>
+            </a:pPr>
+            <a:r>
+              <a:rPr sz="3094">
+                <a:latin typeface="Times New Roman"/>
+                <a:ea typeface="Times New Roman"/>
+                <a:cs typeface="Times New Roman"/>
+                <a:sym typeface="Times New Roman"/>
+              </a:rPr>
+              <a:t>It is also a good practice to "hide" scripts from browsers without support for it</a:t>
+            </a:r>
+            <a:endParaRPr sz="3094">
+              <a:latin typeface="Arial"/>
+              <a:ea typeface="Arial"/>
+              <a:cs typeface="Arial"/>
+              <a:sym typeface="Arial"/>
+            </a:endParaRPr>
+          </a:p>
+          <a:p>
+            <a:pPr marL="375034" indent="-375034" defTabSz="642915">
+              <a:lnSpc>
+                <a:spcPct val="150000"/>
+              </a:lnSpc>
+              <a:spcBef>
+                <a:spcPts val="1687"/>
+              </a:spcBef>
+              <a:buClr>
+                <a:srgbClr val="C00000"/>
+              </a:buClr>
+              <a:buSzPct val="80000"/>
+              <a:buFont typeface="Arial"/>
+              <a:buChar char="•"/>
+              <a:tabLst>
+                <a:tab pos="80364" algn="l"/>
+              </a:tabLst>
+              <a:defRPr sz="1800"/>
+            </a:pPr>
+            <a:r>
+              <a:rPr sz="3375" i="1">
+                <a:solidFill>
+                  <a:srgbClr val="C00000"/>
+                </a:solidFill>
+                <a:latin typeface="Times New Roman"/>
+                <a:ea typeface="Times New Roman"/>
+                <a:cs typeface="Times New Roman"/>
+                <a:sym typeface="Times New Roman"/>
+              </a:rPr>
+              <a:t>This will be checked in your assessment !</a:t>
+            </a:r>
+          </a:p>
+        </p:txBody>
+      </p:sp>
+    </p:spTree>
+    <p:extLst>
+      <p:ext uri="{BB962C8B-B14F-4D97-AF65-F5344CB8AC3E}">
+        <p14:creationId xmlns:p14="http://schemas.microsoft.com/office/powerpoint/2010/main" val="1732353255"/>
+      </p:ext>
+    </p:extLst>
+  </p:cSld>
+  <p:clrMapOvr>
+    <a:masterClrMapping/>
+  </p:clrMapOvr>
+  <mc:AlternateContent xmlns:mc="http://schemas.openxmlformats.org/markup-compatibility/2006">
+    <mc:Choice xmlns:p14="http://schemas.microsoft.com/office/powerpoint/2010/main" Requires="p14">
+      <p:transition spd="slow" p14:dur="2000"/>
+    </mc:Choice>
+    <mc:Fallback>
+      <p:transition spd="slow"/>
+    </mc:Fallback>
+  </mc:AlternateContent>
+  <p:timing>
+    <p:tnLst>
+      <p:par>
+        <p:cTn id="1" dur="indefinite" restart="never" fill="hold" nodeType="tmRoot">
+          <p:childTnLst>
+            <p:seq concurrent="1" prevAc="none" nextAc="seek">
+              <p:cTn id="2" dur="indefinite" fill="hold" nodeType="mainSeq">
+                <p:childTnLst>
+                  <p:par>
+                    <p:cTn id="3" fill="hold">
+                      <p:stCondLst>
+                        <p:cond delay="indefinite"/>
+                        <p:cond evt="onBegin" delay="0">
+                          <p:tn val="2"/>
+                        </p:cond>
+                      </p:stCondLst>
+                      <p:childTnLst>
+                        <p:par>
+                          <p:cTn id="4" fill="hold">
+                            <p:stCondLst>
+                              <p:cond delay="0"/>
+                            </p:stCondLst>
+                            <p:childTnLst>
+                              <p:par>
+                                <p:cTn id="5" presetID="1" presetClass="entr" presetSubtype="0" fill="hold" grpId="0" nodeType="afterEffect">
+                                  <p:stCondLst>
+                                    <p:cond delay="0"/>
+                                  </p:stCondLst>
+                                  <p:iterate>
+                                    <p:tmAbs val="0"/>
+                                  </p:iterate>
+                                  <p:childTnLst>
+                                    <p:set>
+                                      <p:cBhvr>
+                                        <p:cTn id="6" fill="hold"/>
+                                        <p:tgtEl>
+                                          <p:spTgt spid="106">
+                                            <p:bg/>
+                                          </p:spTgt>
+                                        </p:tgtEl>
+                                        <p:attrNameLst>
+                                          <p:attrName>style.visibility</p:attrName>
+                                        </p:attrNameLst>
+                                      </p:cBhvr>
+                                      <p:to>
+                                        <p:strVal val="visible"/>
+                                      </p:to>
+                                    </p:set>
+                                  </p:childTnLst>
+                                </p:cTn>
+                              </p:par>
+                            </p:childTnLst>
+                          </p:cTn>
+                        </p:par>
+                        <p:par>
+                          <p:cTn id="7" fill="hold">
+                            <p:stCondLst>
+                              <p:cond delay="0"/>
+                            </p:stCondLst>
+                            <p:childTnLst>
+                              <p:par>
+                                <p:cTn id="8" presetID="1" presetClass="entr" presetSubtype="0" fill="hold" grpId="0" nodeType="afterEffect">
+                                  <p:stCondLst>
+                                    <p:cond delay="0"/>
+                                  </p:stCondLst>
+                                  <p:iterate>
+                                    <p:tmAbs val="0"/>
+                                  </p:iterate>
+                                  <p:childTnLst>
+                                    <p:set>
+                                      <p:cBhvr>
+                                        <p:cTn id="9" fill="hold"/>
+                                        <p:tgtEl>
+                                          <p:spTgt spid="106">
+                                            <p:txEl>
+                                              <p:pRg st="0" end="0"/>
+                                            </p:txEl>
+                                          </p:spTgt>
+                                        </p:tgtEl>
+                                        <p:attrNameLst>
+                                          <p:attrName>style.visibility</p:attrName>
+                                        </p:attrNameLst>
+                                      </p:cBhvr>
+                                      <p:to>
+                                        <p:strVal val="visible"/>
+                                      </p:to>
+                                    </p:set>
+                                  </p:childTnLst>
+                                </p:cTn>
+                              </p:par>
+                            </p:childTnLst>
+                          </p:cTn>
+                        </p:par>
+                        <p:par>
+                          <p:cTn id="10" fill="hold">
+                            <p:stCondLst>
+                              <p:cond delay="0"/>
+                            </p:stCondLst>
+                            <p:childTnLst>
+                              <p:par>
+                                <p:cTn id="11" presetID="1" presetClass="entr" presetSubtype="0" fill="hold" grpId="0" nodeType="afterEffect">
+                                  <p:stCondLst>
+                                    <p:cond delay="0"/>
+                                  </p:stCondLst>
+                                  <p:iterate>
+                                    <p:tmAbs val="0"/>
+                                  </p:iterate>
+                                  <p:childTnLst>
+                                    <p:set>
+                                      <p:cBhvr>
+                                        <p:cTn id="12" fill="hold"/>
+                                        <p:tgtEl>
+                                          <p:spTgt spid="106">
+                                            <p:txEl>
+                                              <p:pRg st="1" end="1"/>
+                                            </p:txEl>
+                                          </p:spTgt>
+                                        </p:tgtEl>
+                                        <p:attrNameLst>
+                                          <p:attrName>style.visibility</p:attrName>
+                                        </p:attrNameLst>
+                                      </p:cBhvr>
+                                      <p:to>
+                                        <p:strVal val="visible"/>
+                                      </p:to>
+                                    </p:set>
+                                  </p:childTnLst>
+                                </p:cTn>
+                              </p:par>
+                            </p:childTnLst>
+                          </p:cTn>
+                        </p:par>
+                        <p:par>
+                          <p:cTn id="13" fill="hold">
+                            <p:stCondLst>
+                              <p:cond delay="0"/>
+                            </p:stCondLst>
+                            <p:childTnLst>
+                              <p:par>
+                                <p:cTn id="14" presetID="1" presetClass="entr" presetSubtype="0" fill="hold" grpId="0" nodeType="afterEffect">
+                                  <p:stCondLst>
+                                    <p:cond delay="0"/>
+                                  </p:stCondLst>
+                                  <p:iterate>
+                                    <p:tmAbs val="0"/>
+                                  </p:iterate>
+                                  <p:childTnLst>
+                                    <p:set>
+                                      <p:cBhvr>
+                                        <p:cTn id="15" fill="hold"/>
+                                        <p:tgtEl>
+                                          <p:spTgt spid="106">
+                                            <p:txEl>
+                                              <p:pRg st="2" end="2"/>
+                                            </p:txEl>
+                                          </p:spTgt>
+                                        </p:tgtEl>
+                                        <p:attrNameLst>
+                                          <p:attrName>style.visibility</p:attrName>
+                                        </p:attrNameLst>
+                                      </p:cBhvr>
+                                      <p:to>
+                                        <p:strVal val="visible"/>
+                                      </p:to>
+                                    </p:set>
+                                  </p:childTnLst>
+                                </p:cTn>
+                              </p:par>
+                            </p:childTnLst>
+                          </p:cTn>
+                        </p:par>
+                        <p:par>
+                          <p:cTn id="16" fill="hold">
+                            <p:stCondLst>
+                              <p:cond delay="0"/>
+                            </p:stCondLst>
+                            <p:childTnLst>
+                              <p:par>
+                                <p:cTn id="17" presetID="1" presetClass="entr" presetSubtype="0" fill="hold" grpId="0" nodeType="afterEffect">
+                                  <p:stCondLst>
+                                    <p:cond delay="0"/>
+                                  </p:stCondLst>
+                                  <p:iterate>
+                                    <p:tmAbs val="0"/>
+                                  </p:iterate>
+                                  <p:childTnLst>
+                                    <p:set>
+                                      <p:cBhvr>
+                                        <p:cTn id="18" fill="hold"/>
+                                        <p:tgtEl>
+                                          <p:spTgt spid="106">
+                                            <p:txEl>
+                                              <p:pRg st="3" end="3"/>
+                                            </p:txEl>
+                                          </p:spTgt>
+                                        </p:tgtEl>
+                                        <p:attrNameLst>
+                                          <p:attrName>style.visibility</p:attrName>
+                                        </p:attrNameLst>
+                                      </p:cBhvr>
+                                      <p:to>
+                                        <p:strVal val="visible"/>
+                                      </p:to>
+                                    </p:set>
+                                  </p:childTnLst>
+                                </p:cTn>
+                              </p:par>
+                            </p:childTnLst>
+                          </p:cTn>
+                        </p:par>
+                        <p:par>
+                          <p:cTn id="19" fill="hold">
+                            <p:stCondLst>
+                              <p:cond delay="0"/>
+                            </p:stCondLst>
+                            <p:childTnLst>
+                              <p:par>
+                                <p:cTn id="20" presetID="1" presetClass="entr" presetSubtype="0" fill="hold" grpId="0" nodeType="afterEffect">
+                                  <p:stCondLst>
+                                    <p:cond delay="0"/>
+                                  </p:stCondLst>
+                                  <p:iterate>
+                                    <p:tmAbs val="0"/>
+                                  </p:iterate>
+                                  <p:childTnLst>
+                                    <p:set>
+                                      <p:cBhvr>
+                                        <p:cTn id="21" fill="hold"/>
+                                        <p:tgtEl>
+                                          <p:spTgt spid="106">
+                                            <p:txEl>
+                                              <p:pRg st="4" end="4"/>
+                                            </p:txEl>
+                                          </p:spTgt>
+                                        </p:tgtEl>
+                                        <p:attrNameLst>
+                                          <p:attrName>style.visibility</p:attrName>
+                                        </p:attrNameLst>
+                                      </p:cBhvr>
+                                      <p:to>
+                                        <p:strVal val="visible"/>
+                                      </p:to>
+                                    </p:set>
+                                  </p:childTnLst>
+                                </p:cTn>
+                              </p:par>
+                            </p:childTnLst>
+                          </p:cTn>
+                        </p:par>
+                      </p:childTnLst>
+                    </p:cTn>
+                  </p:par>
+                </p:childTnLst>
+              </p:cTn>
+              <p:prevCondLst>
+                <p:cond evt="onPrev" delay="0">
+                  <p:tgtEl>
+                    <p:sldTgt/>
+                  </p:tgtEl>
+                </p:cond>
+              </p:prevCondLst>
+              <p:nextCondLst>
+                <p:cond evt="onNext" delay="0">
+                  <p:tgtEl>
+                    <p:sldTgt/>
+                  </p:tgtEl>
+                </p:cond>
+              </p:nextCondLst>
+            </p:seq>
+          </p:childTnLst>
+        </p:cTn>
+      </p:par>
+    </p:tnLst>
+    <p:bldLst>
+      <p:bldP spid="106" grpId="0" build="p" bldLvl="5" animBg="1" advAuto="0"/>
     </p:bldLst>
   </p:timing>
 </p:sld>
